--- a/test_slides.pptx
+++ b/test_slides.pptx
@@ -6,6 +6,11 @@
   </p:sldMasterIdLst>
   <p:sldIdLst>
     <p:sldId id="256" r:id="rId2"/>
+    <p:sldId id="257" r:id="rId3"/>
+    <p:sldId id="258" r:id="rId4"/>
+    <p:sldId id="259" r:id="rId5"/>
+    <p:sldId id="261" r:id="rId6"/>
+    <p:sldId id="260" r:id="rId7"/>
   </p:sldIdLst>
   <p:sldSz cx="12192000" cy="6858000"/>
   <p:notesSz cx="6858000" cy="9144000"/>
@@ -104,6 +109,11 @@
       </a:defRPr>
     </a:lvl9pPr>
   </p:defaultTextStyle>
+  <p:extLst>
+    <p:ext uri="{EFAFB233-063F-42B5-8137-9DF3F51BA10A}">
+      <p15:sldGuideLst xmlns:p15="http://schemas.microsoft.com/office/powerpoint/2012/main"/>
+    </p:ext>
+  </p:extLst>
 </p:presentation>
 </file>
 
@@ -3391,6 +3401,754 @@
 </p:sld>
 </file>
 
+<file path=ppt/slides/slide2.xml><?xml version="1.0" encoding="utf-8"?>
+<p:sld xmlns:a="http://schemas.openxmlformats.org/drawingml/2006/main" xmlns:r="http://schemas.openxmlformats.org/officeDocument/2006/relationships" xmlns:p="http://schemas.openxmlformats.org/presentationml/2006/main">
+  <p:cSld>
+    <p:spTree>
+      <p:nvGrpSpPr>
+        <p:cNvPr id="1" name=""/>
+        <p:cNvGrpSpPr/>
+        <p:nvPr/>
+      </p:nvGrpSpPr>
+      <p:grpSpPr>
+        <a:xfrm>
+          <a:off x="0" y="0"/>
+          <a:ext cx="0" cy="0"/>
+          <a:chOff x="0" y="0"/>
+          <a:chExt cx="0" cy="0"/>
+        </a:xfrm>
+      </p:grpSpPr>
+      <p:sp>
+        <p:nvSpPr>
+          <p:cNvPr id="6" name="TextBox 5">
+            <a:extLst>
+              <a:ext uri="{FF2B5EF4-FFF2-40B4-BE49-F238E27FC236}">
+                <a16:creationId xmlns:a16="http://schemas.microsoft.com/office/drawing/2014/main" id="{BFAE1F86-6359-8484-95A4-F66D96677B26}"/>
+              </a:ext>
+            </a:extLst>
+          </p:cNvPr>
+          <p:cNvSpPr txBox="1"/>
+          <p:nvPr/>
+        </p:nvSpPr>
+        <p:spPr>
+          <a:xfrm>
+            <a:off x="804930" y="1114022"/>
+            <a:ext cx="2823337" cy="1477328"/>
+          </a:xfrm>
+          <a:prstGeom prst="rect">
+            <a:avLst/>
+          </a:prstGeom>
+          <a:noFill/>
+        </p:spPr>
+        <p:txBody>
+          <a:bodyPr wrap="none" rtlCol="0">
+            <a:spAutoFit/>
+          </a:bodyPr>
+          <a:lstStyle/>
+          <a:p>
+            <a:pPr marL="285750" indent="-285750">
+              <a:buFont typeface="Arial" panose="020B0604020202020204" pitchFamily="34" charset="0"/>
+              <a:buChar char="•"/>
+            </a:pPr>
+            <a:r>
+              <a:rPr lang="en-US" dirty="0"/>
+              <a:t>Background</a:t>
+            </a:r>
+          </a:p>
+          <a:p>
+            <a:pPr marL="285750" indent="-285750">
+              <a:buFont typeface="Arial" panose="020B0604020202020204" pitchFamily="34" charset="0"/>
+              <a:buChar char="•"/>
+            </a:pPr>
+            <a:r>
+              <a:rPr lang="en-US" dirty="0"/>
+              <a:t>Motivation</a:t>
+            </a:r>
+          </a:p>
+          <a:p>
+            <a:pPr marL="285750" indent="-285750">
+              <a:buFont typeface="Arial" panose="020B0604020202020204" pitchFamily="34" charset="0"/>
+              <a:buChar char="•"/>
+            </a:pPr>
+            <a:r>
+              <a:rPr lang="en-US" dirty="0"/>
+              <a:t>FNs’ distribution Analysis</a:t>
+            </a:r>
+          </a:p>
+          <a:p>
+            <a:pPr marL="285750" indent="-285750">
+              <a:buFont typeface="Arial" panose="020B0604020202020204" pitchFamily="34" charset="0"/>
+              <a:buChar char="•"/>
+            </a:pPr>
+            <a:r>
+              <a:rPr lang="en-US" dirty="0"/>
+              <a:t>Case study</a:t>
+            </a:r>
+          </a:p>
+          <a:p>
+            <a:pPr marL="285750" indent="-285750">
+              <a:buFont typeface="Arial" panose="020B0604020202020204" pitchFamily="34" charset="0"/>
+              <a:buChar char="•"/>
+            </a:pPr>
+            <a:r>
+              <a:rPr lang="en-US" dirty="0"/>
+              <a:t>Conclusions</a:t>
+            </a:r>
+          </a:p>
+        </p:txBody>
+      </p:sp>
+    </p:spTree>
+    <p:extLst>
+      <p:ext uri="{BB962C8B-B14F-4D97-AF65-F5344CB8AC3E}">
+        <p14:creationId xmlns:p14="http://schemas.microsoft.com/office/powerpoint/2010/main" val="121666648"/>
+      </p:ext>
+    </p:extLst>
+  </p:cSld>
+  <p:clrMapOvr>
+    <a:masterClrMapping/>
+  </p:clrMapOvr>
+</p:sld>
+</file>
+
+<file path=ppt/slides/slide3.xml><?xml version="1.0" encoding="utf-8"?>
+<p:sld xmlns:a="http://schemas.openxmlformats.org/drawingml/2006/main" xmlns:r="http://schemas.openxmlformats.org/officeDocument/2006/relationships" xmlns:p="http://schemas.openxmlformats.org/presentationml/2006/main">
+  <p:cSld>
+    <p:spTree>
+      <p:nvGrpSpPr>
+        <p:cNvPr id="1" name=""/>
+        <p:cNvGrpSpPr/>
+        <p:nvPr/>
+      </p:nvGrpSpPr>
+      <p:grpSpPr>
+        <a:xfrm>
+          <a:off x="0" y="0"/>
+          <a:ext cx="0" cy="0"/>
+          <a:chOff x="0" y="0"/>
+          <a:chExt cx="0" cy="0"/>
+        </a:xfrm>
+      </p:grpSpPr>
+      <p:sp>
+        <p:nvSpPr>
+          <p:cNvPr id="6" name="TextBox 5">
+            <a:extLst>
+              <a:ext uri="{FF2B5EF4-FFF2-40B4-BE49-F238E27FC236}">
+                <a16:creationId xmlns:a16="http://schemas.microsoft.com/office/drawing/2014/main" id="{BFAE1F86-6359-8484-95A4-F66D96677B26}"/>
+              </a:ext>
+            </a:extLst>
+          </p:cNvPr>
+          <p:cNvSpPr txBox="1"/>
+          <p:nvPr/>
+        </p:nvSpPr>
+        <p:spPr>
+          <a:xfrm>
+            <a:off x="804930" y="1114022"/>
+            <a:ext cx="10502721" cy="5355312"/>
+          </a:xfrm>
+          <a:prstGeom prst="rect">
+            <a:avLst/>
+          </a:prstGeom>
+          <a:noFill/>
+        </p:spPr>
+        <p:txBody>
+          <a:bodyPr wrap="square" rtlCol="0">
+            <a:spAutoFit/>
+          </a:bodyPr>
+          <a:lstStyle/>
+          <a:p>
+            <a:pPr marL="285750" indent="-285750">
+              <a:buFont typeface="Arial" panose="020B0604020202020204" pitchFamily="34" charset="0"/>
+              <a:buChar char="•"/>
+            </a:pPr>
+            <a:r>
+              <a:rPr lang="en-US" dirty="0"/>
+              <a:t>Background</a:t>
+            </a:r>
+          </a:p>
+          <a:p>
+            <a:pPr marL="742950" lvl="1" indent="-285750">
+              <a:buFont typeface="Arial" panose="020B0604020202020204" pitchFamily="34" charset="0"/>
+              <a:buChar char="•"/>
+            </a:pPr>
+            <a:endParaRPr lang="en-US" dirty="0"/>
+          </a:p>
+          <a:p>
+            <a:pPr marL="742950" lvl="1" indent="-285750">
+              <a:buFont typeface="Arial" panose="020B0604020202020204" pitchFamily="34" charset="0"/>
+              <a:buChar char="•"/>
+            </a:pPr>
+            <a:r>
+              <a:rPr lang="en-US" dirty="0"/>
+              <a:t>WFS model</a:t>
+            </a:r>
+          </a:p>
+          <a:p>
+            <a:pPr marL="1200150" lvl="2" indent="-285750">
+              <a:buFont typeface="Arial" panose="020B0604020202020204" pitchFamily="34" charset="0"/>
+              <a:buChar char="•"/>
+            </a:pPr>
+            <a:r>
+              <a:rPr lang="en-US" dirty="0"/>
+              <a:t>Purpose: generate alerts which surveil for key compliance Regulatory and Financial Crimes risk.</a:t>
+            </a:r>
+          </a:p>
+          <a:p>
+            <a:pPr marL="1200150" lvl="2" indent="-285750">
+              <a:buFont typeface="Arial" panose="020B0604020202020204" pitchFamily="34" charset="0"/>
+              <a:buChar char="•"/>
+            </a:pPr>
+            <a:r>
+              <a:rPr lang="en-US" dirty="0"/>
+              <a:t>Model consists of key indicators(KIs) developed by Ai ML </a:t>
+            </a:r>
+            <a:r>
+              <a:rPr lang="en-US" dirty="0" err="1"/>
+              <a:t>CoE</a:t>
+            </a:r>
+            <a:r>
+              <a:rPr lang="en-US" dirty="0"/>
+              <a:t> to generate alerts for compliance risk such as Complaints, </a:t>
+            </a:r>
+            <a:r>
+              <a:rPr lang="en-US" dirty="0" err="1"/>
+              <a:t>Cheating&amp;Illegality</a:t>
+            </a:r>
+            <a:r>
+              <a:rPr lang="en-US" dirty="0"/>
+              <a:t>, Rumor, Secrecy.</a:t>
+            </a:r>
+          </a:p>
+          <a:p>
+            <a:pPr marL="1200150" lvl="2" indent="-285750">
+              <a:buFont typeface="Arial" panose="020B0604020202020204" pitchFamily="34" charset="0"/>
+              <a:buChar char="•"/>
+            </a:pPr>
+            <a:r>
+              <a:rPr lang="en-US" dirty="0"/>
+              <a:t>Alerts produced by the model’s </a:t>
+            </a:r>
+            <a:r>
+              <a:rPr lang="en-US" dirty="0" err="1"/>
+              <a:t>Kis</a:t>
+            </a:r>
+            <a:r>
+              <a:rPr lang="en-US" dirty="0"/>
+              <a:t> will first be reviewed by the Compliance Central Review Teams (CRT) and then escalated to the appropriate party if deemed necessary.</a:t>
+            </a:r>
+          </a:p>
+          <a:p>
+            <a:pPr marL="1200150" lvl="2" indent="-285750">
+              <a:buFont typeface="Arial" panose="020B0604020202020204" pitchFamily="34" charset="0"/>
+              <a:buChar char="•"/>
+            </a:pPr>
+            <a:endParaRPr lang="en-US" dirty="0"/>
+          </a:p>
+          <a:p>
+            <a:pPr marL="285750" indent="-285750">
+              <a:buFont typeface="Arial" panose="020B0604020202020204" pitchFamily="34" charset="0"/>
+              <a:buChar char="•"/>
+            </a:pPr>
+            <a:r>
+              <a:rPr lang="en-US" dirty="0"/>
+              <a:t>Motivation</a:t>
+            </a:r>
+          </a:p>
+          <a:p>
+            <a:pPr marL="742950" lvl="1" indent="-285750">
+              <a:buFont typeface="Arial" panose="020B0604020202020204" pitchFamily="34" charset="0"/>
+              <a:buChar char="•"/>
+            </a:pPr>
+            <a:r>
+              <a:rPr lang="en-US" dirty="0"/>
+              <a:t>Monitor and maintain model</a:t>
+            </a:r>
+          </a:p>
+          <a:p>
+            <a:pPr marL="1200150" lvl="2" indent="-285750">
+              <a:buFont typeface="Arial" panose="020B0604020202020204" pitchFamily="34" charset="0"/>
+              <a:buChar char="•"/>
+            </a:pPr>
+            <a:r>
+              <a:rPr lang="en-US" dirty="0"/>
+              <a:t>Recall estimation</a:t>
+            </a:r>
+          </a:p>
+          <a:p>
+            <a:pPr marL="1200150" lvl="2" indent="-285750">
+              <a:buFont typeface="Arial" panose="020B0604020202020204" pitchFamily="34" charset="0"/>
+              <a:buChar char="•"/>
+            </a:pPr>
+            <a:r>
+              <a:rPr lang="en-US" dirty="0"/>
+              <a:t>Random sampling, stratified sampling(BTL sampling): (1) low risk area/high risk area. (2) divide the BTL area into 10 equal bins, randomly sample from each bin.</a:t>
+            </a:r>
+          </a:p>
+          <a:p>
+            <a:pPr marL="742950" lvl="1" indent="-285750">
+              <a:buFont typeface="Arial" panose="020B0604020202020204" pitchFamily="34" charset="0"/>
+              <a:buChar char="•"/>
+            </a:pPr>
+            <a:r>
+              <a:rPr lang="en-US" dirty="0"/>
+              <a:t>SME team: upper limit of 2000 annotations.</a:t>
+            </a:r>
+          </a:p>
+          <a:p>
+            <a:pPr marL="742950" lvl="1" indent="-285750">
+              <a:buFont typeface="Arial" panose="020B0604020202020204" pitchFamily="34" charset="0"/>
+              <a:buChar char="•"/>
+            </a:pPr>
+            <a:endParaRPr lang="en-US" dirty="0"/>
+          </a:p>
+          <a:p>
+            <a:pPr marL="285750" indent="-285750">
+              <a:buFont typeface="Arial" panose="020B0604020202020204" pitchFamily="34" charset="0"/>
+              <a:buChar char="•"/>
+            </a:pPr>
+            <a:endParaRPr lang="en-US" dirty="0"/>
+          </a:p>
+          <a:p>
+            <a:pPr marL="1200150" lvl="2" indent="-285750">
+              <a:buFont typeface="Arial" panose="020B0604020202020204" pitchFamily="34" charset="0"/>
+              <a:buChar char="•"/>
+            </a:pPr>
+            <a:endParaRPr lang="en-US" dirty="0"/>
+          </a:p>
+          <a:p>
+            <a:pPr marL="742950" lvl="1" indent="-285750">
+              <a:buFont typeface="Arial" panose="020B0604020202020204" pitchFamily="34" charset="0"/>
+              <a:buChar char="•"/>
+            </a:pPr>
+            <a:endParaRPr lang="en-US" dirty="0"/>
+          </a:p>
+        </p:txBody>
+      </p:sp>
+    </p:spTree>
+    <p:extLst>
+      <p:ext uri="{BB962C8B-B14F-4D97-AF65-F5344CB8AC3E}">
+        <p14:creationId xmlns:p14="http://schemas.microsoft.com/office/powerpoint/2010/main" val="2949511122"/>
+      </p:ext>
+    </p:extLst>
+  </p:cSld>
+  <p:clrMapOvr>
+    <a:masterClrMapping/>
+  </p:clrMapOvr>
+</p:sld>
+</file>
+
+<file path=ppt/slides/slide4.xml><?xml version="1.0" encoding="utf-8"?>
+<p:sld xmlns:a="http://schemas.openxmlformats.org/drawingml/2006/main" xmlns:r="http://schemas.openxmlformats.org/officeDocument/2006/relationships" xmlns:p="http://schemas.openxmlformats.org/presentationml/2006/main">
+  <p:cSld>
+    <p:spTree>
+      <p:nvGrpSpPr>
+        <p:cNvPr id="1" name=""/>
+        <p:cNvGrpSpPr/>
+        <p:nvPr/>
+      </p:nvGrpSpPr>
+      <p:grpSpPr>
+        <a:xfrm>
+          <a:off x="0" y="0"/>
+          <a:ext cx="0" cy="0"/>
+          <a:chOff x="0" y="0"/>
+          <a:chExt cx="0" cy="0"/>
+        </a:xfrm>
+      </p:grpSpPr>
+      <p:sp>
+        <p:nvSpPr>
+          <p:cNvPr id="6" name="TextBox 5">
+            <a:extLst>
+              <a:ext uri="{FF2B5EF4-FFF2-40B4-BE49-F238E27FC236}">
+                <a16:creationId xmlns:a16="http://schemas.microsoft.com/office/drawing/2014/main" id="{BFAE1F86-6359-8484-95A4-F66D96677B26}"/>
+              </a:ext>
+            </a:extLst>
+          </p:cNvPr>
+          <p:cNvSpPr txBox="1"/>
+          <p:nvPr/>
+        </p:nvSpPr>
+        <p:spPr>
+          <a:xfrm>
+            <a:off x="804930" y="1114022"/>
+            <a:ext cx="10502721" cy="5909310"/>
+          </a:xfrm>
+          <a:prstGeom prst="rect">
+            <a:avLst/>
+          </a:prstGeom>
+          <a:noFill/>
+        </p:spPr>
+        <p:txBody>
+          <a:bodyPr wrap="square" rtlCol="0">
+            <a:spAutoFit/>
+          </a:bodyPr>
+          <a:lstStyle/>
+          <a:p>
+            <a:pPr marL="285750" indent="-285750">
+              <a:buFont typeface="Arial" panose="020B0604020202020204" pitchFamily="34" charset="0"/>
+              <a:buChar char="•"/>
+            </a:pPr>
+            <a:r>
+              <a:rPr lang="en-US" dirty="0"/>
+              <a:t>Background</a:t>
+            </a:r>
+          </a:p>
+          <a:p>
+            <a:pPr marL="742950" lvl="1" indent="-285750">
+              <a:buFont typeface="Arial" panose="020B0604020202020204" pitchFamily="34" charset="0"/>
+              <a:buChar char="•"/>
+            </a:pPr>
+            <a:endParaRPr lang="en-US" dirty="0"/>
+          </a:p>
+          <a:p>
+            <a:pPr marL="742950" lvl="1" indent="-285750">
+              <a:buFont typeface="Arial" panose="020B0604020202020204" pitchFamily="34" charset="0"/>
+              <a:buChar char="•"/>
+            </a:pPr>
+            <a:r>
+              <a:rPr lang="en-US" dirty="0"/>
+              <a:t>WFS model</a:t>
+            </a:r>
+          </a:p>
+          <a:p>
+            <a:pPr marL="1200150" lvl="2" indent="-285750">
+              <a:buFont typeface="Arial" panose="020B0604020202020204" pitchFamily="34" charset="0"/>
+              <a:buChar char="•"/>
+            </a:pPr>
+            <a:r>
+              <a:rPr lang="en-US" dirty="0"/>
+              <a:t>Purpose: generate alerts which surveil for key compliance Regulatory and Financial Crimes risk.</a:t>
+            </a:r>
+          </a:p>
+          <a:p>
+            <a:pPr marL="1200150" lvl="2" indent="-285750">
+              <a:buFont typeface="Arial" panose="020B0604020202020204" pitchFamily="34" charset="0"/>
+              <a:buChar char="•"/>
+            </a:pPr>
+            <a:r>
+              <a:rPr lang="en-US" dirty="0"/>
+              <a:t>Model consists of key indicators(KIs) developed by Ai ML </a:t>
+            </a:r>
+            <a:r>
+              <a:rPr lang="en-US" dirty="0" err="1"/>
+              <a:t>CoE</a:t>
+            </a:r>
+            <a:r>
+              <a:rPr lang="en-US" dirty="0"/>
+              <a:t> to generate alerts for compliance risk such as Complaints, </a:t>
+            </a:r>
+            <a:r>
+              <a:rPr lang="en-US" dirty="0" err="1"/>
+              <a:t>Cheating&amp;Illegality</a:t>
+            </a:r>
+            <a:r>
+              <a:rPr lang="en-US" dirty="0"/>
+              <a:t>, Rumor, Secrecy.</a:t>
+            </a:r>
+          </a:p>
+          <a:p>
+            <a:pPr marL="1200150" lvl="2" indent="-285750">
+              <a:buFont typeface="Arial" panose="020B0604020202020204" pitchFamily="34" charset="0"/>
+              <a:buChar char="•"/>
+            </a:pPr>
+            <a:r>
+              <a:rPr lang="en-US" dirty="0"/>
+              <a:t>Alerts produced by the model’s </a:t>
+            </a:r>
+            <a:r>
+              <a:rPr lang="en-US" dirty="0" err="1"/>
+              <a:t>Kis</a:t>
+            </a:r>
+            <a:r>
+              <a:rPr lang="en-US" dirty="0"/>
+              <a:t> will first be reviewed by the Compliance Central Review Teams (CRT) and then escalated to the appropriate party if deemed necessary.</a:t>
+            </a:r>
+          </a:p>
+          <a:p>
+            <a:pPr marL="1200150" lvl="2" indent="-285750">
+              <a:buFont typeface="Arial" panose="020B0604020202020204" pitchFamily="34" charset="0"/>
+              <a:buChar char="•"/>
+            </a:pPr>
+            <a:endParaRPr lang="en-US" dirty="0"/>
+          </a:p>
+          <a:p>
+            <a:pPr marL="285750" indent="-285750">
+              <a:buFont typeface="Arial" panose="020B0604020202020204" pitchFamily="34" charset="0"/>
+              <a:buChar char="•"/>
+            </a:pPr>
+            <a:r>
+              <a:rPr lang="en-US" dirty="0"/>
+              <a:t>Motivation</a:t>
+            </a:r>
+          </a:p>
+          <a:p>
+            <a:pPr marL="742950" lvl="1" indent="-285750">
+              <a:buFont typeface="Arial" panose="020B0604020202020204" pitchFamily="34" charset="0"/>
+              <a:buChar char="•"/>
+            </a:pPr>
+            <a:r>
+              <a:rPr lang="en-US" dirty="0"/>
+              <a:t>Monitor and maintain model</a:t>
+            </a:r>
+          </a:p>
+          <a:p>
+            <a:pPr marL="1200150" lvl="2" indent="-285750">
+              <a:buFont typeface="Arial" panose="020B0604020202020204" pitchFamily="34" charset="0"/>
+              <a:buChar char="•"/>
+            </a:pPr>
+            <a:r>
+              <a:rPr lang="en-US" dirty="0"/>
+              <a:t>Recall estimation</a:t>
+            </a:r>
+          </a:p>
+          <a:p>
+            <a:pPr marL="1200150" lvl="2" indent="-285750">
+              <a:buFont typeface="Arial" panose="020B0604020202020204" pitchFamily="34" charset="0"/>
+              <a:buChar char="•"/>
+            </a:pPr>
+            <a:r>
+              <a:rPr lang="en-US" dirty="0"/>
+              <a:t>Random sampling</a:t>
+            </a:r>
+          </a:p>
+          <a:p>
+            <a:pPr marL="1200150" lvl="2" indent="-285750">
+              <a:buFont typeface="Arial" panose="020B0604020202020204" pitchFamily="34" charset="0"/>
+              <a:buChar char="•"/>
+            </a:pPr>
+            <a:r>
+              <a:rPr lang="en-US" dirty="0"/>
+              <a:t>stratified sampling(BTL sampling): (1) low risk area/high risk area. (2) divide the BTL area into 10 equal bins, randomly sample from each bin.</a:t>
+            </a:r>
+          </a:p>
+          <a:p>
+            <a:pPr marL="1657350" lvl="3" indent="-285750">
+              <a:buFont typeface="Arial" panose="020B0604020202020204" pitchFamily="34" charset="0"/>
+              <a:buChar char="•"/>
+            </a:pPr>
+            <a:r>
+              <a:rPr lang="en-US" dirty="0"/>
+              <a:t>Assumption: zero FNs at low risk area or zero FNs around low probability score bins.</a:t>
+            </a:r>
+          </a:p>
+          <a:p>
+            <a:pPr marL="742950" lvl="1" indent="-285750">
+              <a:buFont typeface="Arial" panose="020B0604020202020204" pitchFamily="34" charset="0"/>
+              <a:buChar char="•"/>
+            </a:pPr>
+            <a:r>
+              <a:rPr lang="en-US" dirty="0"/>
+              <a:t>SME team: upper limit of 2000 annotations.</a:t>
+            </a:r>
+          </a:p>
+          <a:p>
+            <a:pPr marL="742950" lvl="1" indent="-285750">
+              <a:buFont typeface="Arial" panose="020B0604020202020204" pitchFamily="34" charset="0"/>
+              <a:buChar char="•"/>
+            </a:pPr>
+            <a:endParaRPr lang="en-US" dirty="0"/>
+          </a:p>
+          <a:p>
+            <a:pPr marL="285750" indent="-285750">
+              <a:buFont typeface="Arial" panose="020B0604020202020204" pitchFamily="34" charset="0"/>
+              <a:buChar char="•"/>
+            </a:pPr>
+            <a:endParaRPr lang="en-US" dirty="0"/>
+          </a:p>
+          <a:p>
+            <a:pPr marL="1200150" lvl="2" indent="-285750">
+              <a:buFont typeface="Arial" panose="020B0604020202020204" pitchFamily="34" charset="0"/>
+              <a:buChar char="•"/>
+            </a:pPr>
+            <a:endParaRPr lang="en-US" dirty="0"/>
+          </a:p>
+          <a:p>
+            <a:pPr marL="742950" lvl="1" indent="-285750">
+              <a:buFont typeface="Arial" panose="020B0604020202020204" pitchFamily="34" charset="0"/>
+              <a:buChar char="•"/>
+            </a:pPr>
+            <a:endParaRPr lang="en-US" dirty="0"/>
+          </a:p>
+        </p:txBody>
+      </p:sp>
+    </p:spTree>
+    <p:extLst>
+      <p:ext uri="{BB962C8B-B14F-4D97-AF65-F5344CB8AC3E}">
+        <p14:creationId xmlns:p14="http://schemas.microsoft.com/office/powerpoint/2010/main" val="2946501649"/>
+      </p:ext>
+    </p:extLst>
+  </p:cSld>
+  <p:clrMapOvr>
+    <a:masterClrMapping/>
+  </p:clrMapOvr>
+</p:sld>
+</file>
+
+<file path=ppt/slides/slide5.xml><?xml version="1.0" encoding="utf-8"?>
+<p:sld xmlns:a="http://schemas.openxmlformats.org/drawingml/2006/main" xmlns:r="http://schemas.openxmlformats.org/officeDocument/2006/relationships" xmlns:p="http://schemas.openxmlformats.org/presentationml/2006/main">
+  <p:cSld>
+    <p:spTree>
+      <p:nvGrpSpPr>
+        <p:cNvPr id="1" name=""/>
+        <p:cNvGrpSpPr/>
+        <p:nvPr/>
+      </p:nvGrpSpPr>
+      <p:grpSpPr>
+        <a:xfrm>
+          <a:off x="0" y="0"/>
+          <a:ext cx="0" cy="0"/>
+          <a:chOff x="0" y="0"/>
+          <a:chExt cx="0" cy="0"/>
+        </a:xfrm>
+      </p:grpSpPr>
+      <p:pic>
+        <p:nvPicPr>
+          <p:cNvPr id="3" name="Picture 2" descr="Diagram&#10;&#10;Description automatically generated">
+            <a:extLst>
+              <a:ext uri="{FF2B5EF4-FFF2-40B4-BE49-F238E27FC236}">
+                <a16:creationId xmlns:a16="http://schemas.microsoft.com/office/drawing/2014/main" id="{D71289DB-5EF3-D55C-26FF-F77FDFB08E7D}"/>
+              </a:ext>
+            </a:extLst>
+          </p:cNvPr>
+          <p:cNvPicPr>
+            <a:picLocks noChangeAspect="1"/>
+          </p:cNvPicPr>
+          <p:nvPr/>
+        </p:nvPicPr>
+        <p:blipFill>
+          <a:blip r:embed="rId2"/>
+          <a:stretch>
+            <a:fillRect/>
+          </a:stretch>
+        </p:blipFill>
+        <p:spPr>
+          <a:xfrm>
+            <a:off x="2053733" y="1226802"/>
+            <a:ext cx="5727700" cy="3670300"/>
+          </a:xfrm>
+          <a:prstGeom prst="rect">
+            <a:avLst/>
+          </a:prstGeom>
+        </p:spPr>
+      </p:pic>
+    </p:spTree>
+    <p:extLst>
+      <p:ext uri="{BB962C8B-B14F-4D97-AF65-F5344CB8AC3E}">
+        <p14:creationId xmlns:p14="http://schemas.microsoft.com/office/powerpoint/2010/main" val="3302198858"/>
+      </p:ext>
+    </p:extLst>
+  </p:cSld>
+  <p:clrMapOvr>
+    <a:masterClrMapping/>
+  </p:clrMapOvr>
+</p:sld>
+</file>
+
+<file path=ppt/slides/slide6.xml><?xml version="1.0" encoding="utf-8"?>
+<p:sld xmlns:a="http://schemas.openxmlformats.org/drawingml/2006/main" xmlns:r="http://schemas.openxmlformats.org/officeDocument/2006/relationships" xmlns:p="http://schemas.openxmlformats.org/presentationml/2006/main">
+  <p:cSld>
+    <p:spTree>
+      <p:nvGrpSpPr>
+        <p:cNvPr id="1" name=""/>
+        <p:cNvGrpSpPr/>
+        <p:nvPr/>
+      </p:nvGrpSpPr>
+      <p:grpSpPr>
+        <a:xfrm>
+          <a:off x="0" y="0"/>
+          <a:ext cx="0" cy="0"/>
+          <a:chOff x="0" y="0"/>
+          <a:chExt cx="0" cy="0"/>
+        </a:xfrm>
+      </p:grpSpPr>
+      <p:sp>
+        <p:nvSpPr>
+          <p:cNvPr id="6" name="TextBox 5">
+            <a:extLst>
+              <a:ext uri="{FF2B5EF4-FFF2-40B4-BE49-F238E27FC236}">
+                <a16:creationId xmlns:a16="http://schemas.microsoft.com/office/drawing/2014/main" id="{BFAE1F86-6359-8484-95A4-F66D96677B26}"/>
+              </a:ext>
+            </a:extLst>
+          </p:cNvPr>
+          <p:cNvSpPr txBox="1"/>
+          <p:nvPr/>
+        </p:nvSpPr>
+        <p:spPr>
+          <a:xfrm>
+            <a:off x="804930" y="1114022"/>
+            <a:ext cx="2823337" cy="1477328"/>
+          </a:xfrm>
+          <a:prstGeom prst="rect">
+            <a:avLst/>
+          </a:prstGeom>
+          <a:noFill/>
+        </p:spPr>
+        <p:txBody>
+          <a:bodyPr wrap="none" rtlCol="0">
+            <a:spAutoFit/>
+          </a:bodyPr>
+          <a:lstStyle/>
+          <a:p>
+            <a:pPr marL="285750" indent="-285750">
+              <a:buFont typeface="Arial" panose="020B0604020202020204" pitchFamily="34" charset="0"/>
+              <a:buChar char="•"/>
+            </a:pPr>
+            <a:r>
+              <a:rPr lang="en-US" dirty="0"/>
+              <a:t>Background</a:t>
+            </a:r>
+          </a:p>
+          <a:p>
+            <a:pPr marL="285750" indent="-285750">
+              <a:buFont typeface="Arial" panose="020B0604020202020204" pitchFamily="34" charset="0"/>
+              <a:buChar char="•"/>
+            </a:pPr>
+            <a:r>
+              <a:rPr lang="en-US" dirty="0"/>
+              <a:t>Motivation</a:t>
+            </a:r>
+          </a:p>
+          <a:p>
+            <a:pPr marL="285750" indent="-285750">
+              <a:buFont typeface="Arial" panose="020B0604020202020204" pitchFamily="34" charset="0"/>
+              <a:buChar char="•"/>
+            </a:pPr>
+            <a:r>
+              <a:rPr lang="en-US" dirty="0"/>
+              <a:t>FNs’ distribution Analysis</a:t>
+            </a:r>
+          </a:p>
+          <a:p>
+            <a:pPr marL="285750" indent="-285750">
+              <a:buFont typeface="Arial" panose="020B0604020202020204" pitchFamily="34" charset="0"/>
+              <a:buChar char="•"/>
+            </a:pPr>
+            <a:r>
+              <a:rPr lang="en-US" dirty="0"/>
+              <a:t>Case study</a:t>
+            </a:r>
+          </a:p>
+          <a:p>
+            <a:pPr marL="285750" indent="-285750">
+              <a:buFont typeface="Arial" panose="020B0604020202020204" pitchFamily="34" charset="0"/>
+              <a:buChar char="•"/>
+            </a:pPr>
+            <a:r>
+              <a:rPr lang="en-US" dirty="0"/>
+              <a:t>Conclusions</a:t>
+            </a:r>
+          </a:p>
+        </p:txBody>
+      </p:sp>
+    </p:spTree>
+    <p:extLst>
+      <p:ext uri="{BB962C8B-B14F-4D97-AF65-F5344CB8AC3E}">
+        <p14:creationId xmlns:p14="http://schemas.microsoft.com/office/powerpoint/2010/main" val="1763015063"/>
+      </p:ext>
+    </p:extLst>
+  </p:cSld>
+  <p:clrMapOvr>
+    <a:masterClrMapping/>
+  </p:clrMapOvr>
+</p:sld>
+</file>
+
 <file path=ppt/theme/theme1.xml><?xml version="1.0" encoding="utf-8"?>
 <a:theme xmlns:a="http://schemas.openxmlformats.org/drawingml/2006/main" name="Office Theme">
   <a:themeElements>

--- a/test_slides.pptx
+++ b/test_slides.pptx
@@ -11,6 +11,7 @@
     <p:sldId id="259" r:id="rId5"/>
     <p:sldId id="261" r:id="rId6"/>
     <p:sldId id="260" r:id="rId7"/>
+    <p:sldId id="262" r:id="rId8"/>
   </p:sldIdLst>
   <p:sldSz cx="12192000" cy="6858000"/>
   <p:notesSz cx="6858000" cy="9144000"/>
@@ -264,7 +265,7 @@
           <a:p>
             <a:fld id="{505E5254-045C-1F4D-98E6-7F4DC36DF2A3}" type="datetimeFigureOut">
               <a:rPr lang="en-US" smtClean="0"/>
-              <a:t>7/25/22</a:t>
+              <a:t>7/30/22</a:t>
             </a:fld>
             <a:endParaRPr lang="en-US"/>
           </a:p>
@@ -462,7 +463,7 @@
           <a:p>
             <a:fld id="{505E5254-045C-1F4D-98E6-7F4DC36DF2A3}" type="datetimeFigureOut">
               <a:rPr lang="en-US" smtClean="0"/>
-              <a:t>7/25/22</a:t>
+              <a:t>7/30/22</a:t>
             </a:fld>
             <a:endParaRPr lang="en-US"/>
           </a:p>
@@ -670,7 +671,7 @@
           <a:p>
             <a:fld id="{505E5254-045C-1F4D-98E6-7F4DC36DF2A3}" type="datetimeFigureOut">
               <a:rPr lang="en-US" smtClean="0"/>
-              <a:t>7/25/22</a:t>
+              <a:t>7/30/22</a:t>
             </a:fld>
             <a:endParaRPr lang="en-US"/>
           </a:p>
@@ -868,7 +869,7 @@
           <a:p>
             <a:fld id="{505E5254-045C-1F4D-98E6-7F4DC36DF2A3}" type="datetimeFigureOut">
               <a:rPr lang="en-US" smtClean="0"/>
-              <a:t>7/25/22</a:t>
+              <a:t>7/30/22</a:t>
             </a:fld>
             <a:endParaRPr lang="en-US"/>
           </a:p>
@@ -1143,7 +1144,7 @@
           <a:p>
             <a:fld id="{505E5254-045C-1F4D-98E6-7F4DC36DF2A3}" type="datetimeFigureOut">
               <a:rPr lang="en-US" smtClean="0"/>
-              <a:t>7/25/22</a:t>
+              <a:t>7/30/22</a:t>
             </a:fld>
             <a:endParaRPr lang="en-US"/>
           </a:p>
@@ -1408,7 +1409,7 @@
           <a:p>
             <a:fld id="{505E5254-045C-1F4D-98E6-7F4DC36DF2A3}" type="datetimeFigureOut">
               <a:rPr lang="en-US" smtClean="0"/>
-              <a:t>7/25/22</a:t>
+              <a:t>7/30/22</a:t>
             </a:fld>
             <a:endParaRPr lang="en-US"/>
           </a:p>
@@ -1820,7 +1821,7 @@
           <a:p>
             <a:fld id="{505E5254-045C-1F4D-98E6-7F4DC36DF2A3}" type="datetimeFigureOut">
               <a:rPr lang="en-US" smtClean="0"/>
-              <a:t>7/25/22</a:t>
+              <a:t>7/30/22</a:t>
             </a:fld>
             <a:endParaRPr lang="en-US"/>
           </a:p>
@@ -1961,7 +1962,7 @@
           <a:p>
             <a:fld id="{505E5254-045C-1F4D-98E6-7F4DC36DF2A3}" type="datetimeFigureOut">
               <a:rPr lang="en-US" smtClean="0"/>
-              <a:t>7/25/22</a:t>
+              <a:t>7/30/22</a:t>
             </a:fld>
             <a:endParaRPr lang="en-US"/>
           </a:p>
@@ -2074,7 +2075,7 @@
           <a:p>
             <a:fld id="{505E5254-045C-1F4D-98E6-7F4DC36DF2A3}" type="datetimeFigureOut">
               <a:rPr lang="en-US" smtClean="0"/>
-              <a:t>7/25/22</a:t>
+              <a:t>7/30/22</a:t>
             </a:fld>
             <a:endParaRPr lang="en-US"/>
           </a:p>
@@ -2385,7 +2386,7 @@
           <a:p>
             <a:fld id="{505E5254-045C-1F4D-98E6-7F4DC36DF2A3}" type="datetimeFigureOut">
               <a:rPr lang="en-US" smtClean="0"/>
-              <a:t>7/25/22</a:t>
+              <a:t>7/30/22</a:t>
             </a:fld>
             <a:endParaRPr lang="en-US"/>
           </a:p>
@@ -2673,7 +2674,7 @@
           <a:p>
             <a:fld id="{505E5254-045C-1F4D-98E6-7F4DC36DF2A3}" type="datetimeFigureOut">
               <a:rPr lang="en-US" smtClean="0"/>
-              <a:t>7/25/22</a:t>
+              <a:t>7/30/22</a:t>
             </a:fld>
             <a:endParaRPr lang="en-US"/>
           </a:p>
@@ -2914,7 +2915,7 @@
           <a:p>
             <a:fld id="{505E5254-045C-1F4D-98E6-7F4DC36DF2A3}" type="datetimeFigureOut">
               <a:rPr lang="en-US" smtClean="0"/>
-              <a:t>7/25/22</a:t>
+              <a:t>7/30/22</a:t>
             </a:fld>
             <a:endParaRPr lang="en-US"/>
           </a:p>
@@ -3999,10 +4000,10 @@
       </p:grpSpPr>
       <p:pic>
         <p:nvPicPr>
-          <p:cNvPr id="3" name="Picture 2" descr="Diagram&#10;&#10;Description automatically generated">
-            <a:extLst>
-              <a:ext uri="{FF2B5EF4-FFF2-40B4-BE49-F238E27FC236}">
-                <a16:creationId xmlns:a16="http://schemas.microsoft.com/office/drawing/2014/main" id="{D71289DB-5EF3-D55C-26FF-F77FDFB08E7D}"/>
+          <p:cNvPr id="8" name="Picture 7" descr="Diagram&#10;&#10;Description automatically generated">
+            <a:extLst>
+              <a:ext uri="{FF2B5EF4-FFF2-40B4-BE49-F238E27FC236}">
+                <a16:creationId xmlns:a16="http://schemas.microsoft.com/office/drawing/2014/main" id="{59F27E20-2245-E407-D241-63E23DED494C}"/>
               </a:ext>
             </a:extLst>
           </p:cNvPr>
@@ -4019,7 +4020,7 @@
         </p:blipFill>
         <p:spPr>
           <a:xfrm>
-            <a:off x="2053733" y="1226802"/>
+            <a:off x="3232150" y="1593850"/>
             <a:ext cx="5727700" cy="3670300"/>
           </a:xfrm>
           <a:prstGeom prst="rect">
@@ -4027,6 +4028,193 @@
           </a:prstGeom>
         </p:spPr>
       </p:pic>
+      <p:sp>
+        <p:nvSpPr>
+          <p:cNvPr id="9" name="Freeform 8">
+            <a:extLst>
+              <a:ext uri="{FF2B5EF4-FFF2-40B4-BE49-F238E27FC236}">
+                <a16:creationId xmlns:a16="http://schemas.microsoft.com/office/drawing/2014/main" id="{79317B1A-B025-4E5C-A1E8-503A8BD99D46}"/>
+              </a:ext>
+            </a:extLst>
+          </p:cNvPr>
+          <p:cNvSpPr/>
+          <p:nvPr/>
+        </p:nvSpPr>
+        <p:spPr>
+          <a:xfrm>
+            <a:off x="1581087" y="2267533"/>
+            <a:ext cx="3529118" cy="2685659"/>
+          </a:xfrm>
+          <a:custGeom>
+            <a:avLst/>
+            <a:gdLst>
+              <a:gd name="connsiteX0" fmla="*/ 0 w 4020938"/>
+              <a:gd name="connsiteY0" fmla="*/ 2622088 h 2622088"/>
+              <a:gd name="connsiteX1" fmla="*/ 2815868 w 4020938"/>
+              <a:gd name="connsiteY1" fmla="*/ 2180027 h 2622088"/>
+              <a:gd name="connsiteX2" fmla="*/ 4020938 w 4020938"/>
+              <a:gd name="connsiteY2" fmla="*/ 0 h 2622088"/>
+            </a:gdLst>
+            <a:ahLst/>
+            <a:cxnLst>
+              <a:cxn ang="0">
+                <a:pos x="connsiteX0" y="connsiteY0"/>
+              </a:cxn>
+              <a:cxn ang="0">
+                <a:pos x="connsiteX1" y="connsiteY1"/>
+              </a:cxn>
+              <a:cxn ang="0">
+                <a:pos x="connsiteX2" y="connsiteY2"/>
+              </a:cxn>
+            </a:cxnLst>
+            <a:rect l="l" t="t" r="r" b="b"/>
+            <a:pathLst>
+              <a:path w="4020938" h="2622088">
+                <a:moveTo>
+                  <a:pt x="0" y="2622088"/>
+                </a:moveTo>
+                <a:cubicBezTo>
+                  <a:pt x="1072856" y="2619565"/>
+                  <a:pt x="2145712" y="2617042"/>
+                  <a:pt x="2815868" y="2180027"/>
+                </a:cubicBezTo>
+                <a:cubicBezTo>
+                  <a:pt x="3486024" y="1743012"/>
+                  <a:pt x="3753481" y="871506"/>
+                  <a:pt x="4020938" y="0"/>
+                </a:cubicBezTo>
+              </a:path>
+            </a:pathLst>
+          </a:custGeom>
+          <a:noFill/>
+          <a:scene3d>
+            <a:camera prst="orthographicFront">
+              <a:rot lat="0" lon="10800000" rev="0"/>
+            </a:camera>
+            <a:lightRig rig="threePt" dir="t"/>
+          </a:scene3d>
+        </p:spPr>
+        <p:style>
+          <a:lnRef idx="2">
+            <a:schemeClr val="accent1">
+              <a:shade val="50000"/>
+            </a:schemeClr>
+          </a:lnRef>
+          <a:fillRef idx="1">
+            <a:schemeClr val="accent1"/>
+          </a:fillRef>
+          <a:effectRef idx="0">
+            <a:schemeClr val="accent1"/>
+          </a:effectRef>
+          <a:fontRef idx="minor">
+            <a:schemeClr val="lt1"/>
+          </a:fontRef>
+        </p:style>
+        <p:txBody>
+          <a:bodyPr rtlCol="0" anchor="ctr"/>
+          <a:lstStyle/>
+          <a:p>
+            <a:pPr algn="ctr"/>
+            <a:endParaRPr lang="en-US"/>
+          </a:p>
+        </p:txBody>
+      </p:sp>
+      <p:sp>
+        <p:nvSpPr>
+          <p:cNvPr id="10" name="Freeform 9">
+            <a:extLst>
+              <a:ext uri="{FF2B5EF4-FFF2-40B4-BE49-F238E27FC236}">
+                <a16:creationId xmlns:a16="http://schemas.microsoft.com/office/drawing/2014/main" id="{804939CF-A298-B894-960B-AD884B50D804}"/>
+              </a:ext>
+            </a:extLst>
+          </p:cNvPr>
+          <p:cNvSpPr/>
+          <p:nvPr/>
+        </p:nvSpPr>
+        <p:spPr>
+          <a:xfrm>
+            <a:off x="111235" y="3831705"/>
+            <a:ext cx="3435523" cy="2685659"/>
+          </a:xfrm>
+          <a:custGeom>
+            <a:avLst/>
+            <a:gdLst>
+              <a:gd name="connsiteX0" fmla="*/ 0 w 4020938"/>
+              <a:gd name="connsiteY0" fmla="*/ 2622088 h 2622088"/>
+              <a:gd name="connsiteX1" fmla="*/ 2815868 w 4020938"/>
+              <a:gd name="connsiteY1" fmla="*/ 2180027 h 2622088"/>
+              <a:gd name="connsiteX2" fmla="*/ 4020938 w 4020938"/>
+              <a:gd name="connsiteY2" fmla="*/ 0 h 2622088"/>
+            </a:gdLst>
+            <a:ahLst/>
+            <a:cxnLst>
+              <a:cxn ang="0">
+                <a:pos x="connsiteX0" y="connsiteY0"/>
+              </a:cxn>
+              <a:cxn ang="0">
+                <a:pos x="connsiteX1" y="connsiteY1"/>
+              </a:cxn>
+              <a:cxn ang="0">
+                <a:pos x="connsiteX2" y="connsiteY2"/>
+              </a:cxn>
+            </a:cxnLst>
+            <a:rect l="l" t="t" r="r" b="b"/>
+            <a:pathLst>
+              <a:path w="4020938" h="2622088">
+                <a:moveTo>
+                  <a:pt x="0" y="2622088"/>
+                </a:moveTo>
+                <a:cubicBezTo>
+                  <a:pt x="1072856" y="2619565"/>
+                  <a:pt x="2145712" y="2617042"/>
+                  <a:pt x="2815868" y="2180027"/>
+                </a:cubicBezTo>
+                <a:cubicBezTo>
+                  <a:pt x="3486024" y="1743012"/>
+                  <a:pt x="3753481" y="871506"/>
+                  <a:pt x="4020938" y="0"/>
+                </a:cubicBezTo>
+              </a:path>
+            </a:pathLst>
+          </a:custGeom>
+          <a:noFill/>
+          <a:ln w="41275">
+            <a:solidFill>
+              <a:srgbClr val="FFC000"/>
+            </a:solidFill>
+          </a:ln>
+          <a:scene3d>
+            <a:camera prst="orthographicFront">
+              <a:rot lat="0" lon="10800000" rev="0"/>
+            </a:camera>
+            <a:lightRig rig="threePt" dir="t"/>
+          </a:scene3d>
+        </p:spPr>
+        <p:style>
+          <a:lnRef idx="2">
+            <a:schemeClr val="accent1">
+              <a:shade val="50000"/>
+            </a:schemeClr>
+          </a:lnRef>
+          <a:fillRef idx="1">
+            <a:schemeClr val="accent1"/>
+          </a:fillRef>
+          <a:effectRef idx="0">
+            <a:schemeClr val="accent1"/>
+          </a:effectRef>
+          <a:fontRef idx="minor">
+            <a:schemeClr val="lt1"/>
+          </a:fontRef>
+        </p:style>
+        <p:txBody>
+          <a:bodyPr rtlCol="0" anchor="ctr"/>
+          <a:lstStyle/>
+          <a:p>
+            <a:pPr algn="ctr"/>
+            <a:endParaRPr lang="en-US" dirty="0"/>
+          </a:p>
+        </p:txBody>
+      </p:sp>
     </p:spTree>
     <p:extLst>
       <p:ext uri="{BB962C8B-B14F-4D97-AF65-F5344CB8AC3E}">
@@ -4057,12 +4245,3237 @@
           <a:chExt cx="0" cy="0"/>
         </a:xfrm>
       </p:grpSpPr>
+      <p:grpSp>
+        <p:nvGrpSpPr>
+          <p:cNvPr id="33" name="Group 32">
+            <a:extLst>
+              <a:ext uri="{FF2B5EF4-FFF2-40B4-BE49-F238E27FC236}">
+                <a16:creationId xmlns:a16="http://schemas.microsoft.com/office/drawing/2014/main" id="{26D514FC-9FC5-3DE6-F6DA-7C2FFAEC00A4}"/>
+              </a:ext>
+            </a:extLst>
+          </p:cNvPr>
+          <p:cNvGrpSpPr/>
+          <p:nvPr/>
+        </p:nvGrpSpPr>
+        <p:grpSpPr>
+          <a:xfrm>
+            <a:off x="957102" y="360274"/>
+            <a:ext cx="5944149" cy="3966693"/>
+            <a:chOff x="1822155" y="1545130"/>
+            <a:chExt cx="5944149" cy="3966693"/>
+          </a:xfrm>
+        </p:grpSpPr>
+        <p:sp>
+          <p:nvSpPr>
+            <p:cNvPr id="2" name="Triangle 1">
+              <a:extLst>
+                <a:ext uri="{FF2B5EF4-FFF2-40B4-BE49-F238E27FC236}">
+                  <a16:creationId xmlns:a16="http://schemas.microsoft.com/office/drawing/2014/main" id="{50DFA6E1-2DB3-3645-9676-65F3177FC1C7}"/>
+                </a:ext>
+              </a:extLst>
+            </p:cNvPr>
+            <p:cNvSpPr/>
+            <p:nvPr/>
+          </p:nvSpPr>
+          <p:spPr>
+            <a:xfrm>
+              <a:off x="2537138" y="1815921"/>
+              <a:ext cx="3973132" cy="3425113"/>
+            </a:xfrm>
+            <a:prstGeom prst="triangle">
+              <a:avLst/>
+            </a:prstGeom>
+            <a:gradFill flip="none" rotWithShape="1">
+              <a:gsLst>
+                <a:gs pos="0">
+                  <a:schemeClr val="accent2">
+                    <a:lumMod val="0"/>
+                    <a:lumOff val="100000"/>
+                  </a:schemeClr>
+                </a:gs>
+                <a:gs pos="69000">
+                  <a:srgbClr val="EF904E"/>
+                </a:gs>
+                <a:gs pos="59000">
+                  <a:srgbClr val="F2A36D"/>
+                </a:gs>
+                <a:gs pos="36000">
+                  <a:srgbClr val="F5B990"/>
+                </a:gs>
+                <a:gs pos="5000">
+                  <a:schemeClr val="accent2">
+                    <a:lumMod val="0"/>
+                    <a:lumOff val="100000"/>
+                  </a:schemeClr>
+                </a:gs>
+                <a:gs pos="11000">
+                  <a:srgbClr val="FDEEE3"/>
+                </a:gs>
+                <a:gs pos="82000">
+                  <a:schemeClr val="accent2">
+                    <a:lumMod val="100000"/>
+                  </a:schemeClr>
+                </a:gs>
+              </a:gsLst>
+              <a:lin ang="16200000" scaled="1"/>
+              <a:tileRect/>
+            </a:gradFill>
+            <a:ln>
+              <a:solidFill>
+                <a:schemeClr val="tx1"/>
+              </a:solidFill>
+            </a:ln>
+          </p:spPr>
+          <p:style>
+            <a:lnRef idx="2">
+              <a:schemeClr val="accent1">
+                <a:shade val="50000"/>
+              </a:schemeClr>
+            </a:lnRef>
+            <a:fillRef idx="1">
+              <a:schemeClr val="accent1"/>
+            </a:fillRef>
+            <a:effectRef idx="0">
+              <a:schemeClr val="accent1"/>
+            </a:effectRef>
+            <a:fontRef idx="minor">
+              <a:schemeClr val="lt1"/>
+            </a:fontRef>
+          </p:style>
+          <p:txBody>
+            <a:bodyPr rtlCol="0" anchor="ctr"/>
+            <a:lstStyle/>
+            <a:p>
+              <a:pPr algn="ctr"/>
+              <a:endParaRPr lang="en-US" dirty="0"/>
+            </a:p>
+          </p:txBody>
+        </p:sp>
+        <p:cxnSp>
+          <p:nvCxnSpPr>
+            <p:cNvPr id="4" name="Straight Arrow Connector 3">
+              <a:extLst>
+                <a:ext uri="{FF2B5EF4-FFF2-40B4-BE49-F238E27FC236}">
+                  <a16:creationId xmlns:a16="http://schemas.microsoft.com/office/drawing/2014/main" id="{3177D453-768D-FCE8-85C6-2179F0BA331E}"/>
+                </a:ext>
+              </a:extLst>
+            </p:cNvPr>
+            <p:cNvCxnSpPr>
+              <a:cxnSpLocks/>
+            </p:cNvCxnSpPr>
+            <p:nvPr/>
+          </p:nvCxnSpPr>
+          <p:spPr>
+            <a:xfrm flipV="1">
+              <a:off x="2215166" y="1545130"/>
+              <a:ext cx="0" cy="3966693"/>
+            </a:xfrm>
+            <a:prstGeom prst="straightConnector1">
+              <a:avLst/>
+            </a:prstGeom>
+            <a:ln w="34925">
+              <a:solidFill>
+                <a:schemeClr val="accent2"/>
+              </a:solidFill>
+              <a:headEnd w="lg" len="lg"/>
+              <a:tailEnd type="stealth" w="lg" len="lg"/>
+            </a:ln>
+          </p:spPr>
+          <p:style>
+            <a:lnRef idx="1">
+              <a:schemeClr val="accent1"/>
+            </a:lnRef>
+            <a:fillRef idx="0">
+              <a:schemeClr val="accent1"/>
+            </a:fillRef>
+            <a:effectRef idx="0">
+              <a:schemeClr val="accent1"/>
+            </a:effectRef>
+            <a:fontRef idx="minor">
+              <a:schemeClr val="tx1"/>
+            </a:fontRef>
+          </p:style>
+        </p:cxnSp>
+        <p:cxnSp>
+          <p:nvCxnSpPr>
+            <p:cNvPr id="9" name="Straight Connector 8">
+              <a:extLst>
+                <a:ext uri="{FF2B5EF4-FFF2-40B4-BE49-F238E27FC236}">
+                  <a16:creationId xmlns:a16="http://schemas.microsoft.com/office/drawing/2014/main" id="{E58255C7-6979-9D84-E59D-695AF9BDF22A}"/>
+                </a:ext>
+              </a:extLst>
+            </p:cNvPr>
+            <p:cNvCxnSpPr>
+              <a:cxnSpLocks/>
+            </p:cNvCxnSpPr>
+            <p:nvPr/>
+          </p:nvCxnSpPr>
+          <p:spPr>
+            <a:xfrm>
+              <a:off x="2871989" y="2440546"/>
+              <a:ext cx="3348507" cy="0"/>
+            </a:xfrm>
+            <a:prstGeom prst="line">
+              <a:avLst/>
+            </a:prstGeom>
+            <a:ln w="31750">
+              <a:solidFill>
+                <a:schemeClr val="bg1">
+                  <a:lumMod val="65000"/>
+                </a:schemeClr>
+              </a:solidFill>
+              <a:prstDash val="dash"/>
+            </a:ln>
+          </p:spPr>
+          <p:style>
+            <a:lnRef idx="1">
+              <a:schemeClr val="accent1"/>
+            </a:lnRef>
+            <a:fillRef idx="0">
+              <a:schemeClr val="accent1"/>
+            </a:fillRef>
+            <a:effectRef idx="0">
+              <a:schemeClr val="accent1"/>
+            </a:effectRef>
+            <a:fontRef idx="minor">
+              <a:schemeClr val="tx1"/>
+            </a:fontRef>
+          </p:style>
+        </p:cxnSp>
+        <p:cxnSp>
+          <p:nvCxnSpPr>
+            <p:cNvPr id="11" name="Straight Connector 10">
+              <a:extLst>
+                <a:ext uri="{FF2B5EF4-FFF2-40B4-BE49-F238E27FC236}">
+                  <a16:creationId xmlns:a16="http://schemas.microsoft.com/office/drawing/2014/main" id="{D0B0E7E6-0B96-D41F-9A69-5C67592FAD34}"/>
+                </a:ext>
+              </a:extLst>
+            </p:cNvPr>
+            <p:cNvCxnSpPr>
+              <a:cxnSpLocks/>
+            </p:cNvCxnSpPr>
+            <p:nvPr/>
+          </p:nvCxnSpPr>
+          <p:spPr>
+            <a:xfrm>
+              <a:off x="2871989" y="2721735"/>
+              <a:ext cx="3348507" cy="0"/>
+            </a:xfrm>
+            <a:prstGeom prst="line">
+              <a:avLst/>
+            </a:prstGeom>
+            <a:ln w="31750">
+              <a:solidFill>
+                <a:schemeClr val="bg1">
+                  <a:lumMod val="65000"/>
+                </a:schemeClr>
+              </a:solidFill>
+              <a:prstDash val="dash"/>
+            </a:ln>
+          </p:spPr>
+          <p:style>
+            <a:lnRef idx="1">
+              <a:schemeClr val="accent1"/>
+            </a:lnRef>
+            <a:fillRef idx="0">
+              <a:schemeClr val="accent1"/>
+            </a:fillRef>
+            <a:effectRef idx="0">
+              <a:schemeClr val="accent1"/>
+            </a:effectRef>
+            <a:fontRef idx="minor">
+              <a:schemeClr val="tx1"/>
+            </a:fontRef>
+          </p:style>
+        </p:cxnSp>
+        <p:sp>
+          <p:nvSpPr>
+            <p:cNvPr id="12" name="TextBox 11">
+              <a:extLst>
+                <a:ext uri="{FF2B5EF4-FFF2-40B4-BE49-F238E27FC236}">
+                  <a16:creationId xmlns:a16="http://schemas.microsoft.com/office/drawing/2014/main" id="{34C72662-F68D-BBDF-41AB-F13536B176BF}"/>
+                </a:ext>
+              </a:extLst>
+            </p:cNvPr>
+            <p:cNvSpPr txBox="1"/>
+            <p:nvPr/>
+          </p:nvSpPr>
+          <p:spPr>
+            <a:xfrm>
+              <a:off x="6220496" y="2255880"/>
+              <a:ext cx="1545808" cy="369332"/>
+            </a:xfrm>
+            <a:prstGeom prst="rect">
+              <a:avLst/>
+            </a:prstGeom>
+            <a:noFill/>
+          </p:spPr>
+          <p:txBody>
+            <a:bodyPr wrap="none" rtlCol="0">
+              <a:spAutoFit/>
+            </a:bodyPr>
+            <a:lstStyle/>
+            <a:p>
+              <a:r>
+                <a:rPr lang="en-US" dirty="0"/>
+                <a:t>0.95 threshold</a:t>
+              </a:r>
+            </a:p>
+          </p:txBody>
+        </p:sp>
+        <p:sp>
+          <p:nvSpPr>
+            <p:cNvPr id="13" name="TextBox 12">
+              <a:extLst>
+                <a:ext uri="{FF2B5EF4-FFF2-40B4-BE49-F238E27FC236}">
+                  <a16:creationId xmlns:a16="http://schemas.microsoft.com/office/drawing/2014/main" id="{4726F545-8854-F92A-BBD8-77726F785C84}"/>
+                </a:ext>
+              </a:extLst>
+            </p:cNvPr>
+            <p:cNvSpPr txBox="1"/>
+            <p:nvPr/>
+          </p:nvSpPr>
+          <p:spPr>
+            <a:xfrm>
+              <a:off x="6220496" y="2537069"/>
+              <a:ext cx="1545808" cy="369332"/>
+            </a:xfrm>
+            <a:prstGeom prst="rect">
+              <a:avLst/>
+            </a:prstGeom>
+            <a:noFill/>
+          </p:spPr>
+          <p:txBody>
+            <a:bodyPr wrap="none" rtlCol="0">
+              <a:spAutoFit/>
+            </a:bodyPr>
+            <a:lstStyle/>
+            <a:p>
+              <a:r>
+                <a:rPr lang="en-US" dirty="0"/>
+                <a:t>0.85 threshold</a:t>
+              </a:r>
+            </a:p>
+          </p:txBody>
+        </p:sp>
+        <p:sp>
+          <p:nvSpPr>
+            <p:cNvPr id="14" name="TextBox 13">
+              <a:extLst>
+                <a:ext uri="{FF2B5EF4-FFF2-40B4-BE49-F238E27FC236}">
+                  <a16:creationId xmlns:a16="http://schemas.microsoft.com/office/drawing/2014/main" id="{652DF9C0-5162-F51D-B3D9-568751DB5D5B}"/>
+                </a:ext>
+              </a:extLst>
+            </p:cNvPr>
+            <p:cNvSpPr txBox="1"/>
+            <p:nvPr/>
+          </p:nvSpPr>
+          <p:spPr>
+            <a:xfrm>
+              <a:off x="6220496" y="3313760"/>
+              <a:ext cx="1545808" cy="369332"/>
+            </a:xfrm>
+            <a:prstGeom prst="rect">
+              <a:avLst/>
+            </a:prstGeom>
+            <a:noFill/>
+          </p:spPr>
+          <p:txBody>
+            <a:bodyPr wrap="none" rtlCol="0">
+              <a:spAutoFit/>
+            </a:bodyPr>
+            <a:lstStyle/>
+            <a:p>
+              <a:r>
+                <a:rPr lang="en-US" dirty="0"/>
+                <a:t>0.50 threshold</a:t>
+              </a:r>
+            </a:p>
+          </p:txBody>
+        </p:sp>
+        <p:cxnSp>
+          <p:nvCxnSpPr>
+            <p:cNvPr id="16" name="Straight Connector 15">
+              <a:extLst>
+                <a:ext uri="{FF2B5EF4-FFF2-40B4-BE49-F238E27FC236}">
+                  <a16:creationId xmlns:a16="http://schemas.microsoft.com/office/drawing/2014/main" id="{FFC57AAC-F847-7AF0-3D30-CBAA5272DB8A}"/>
+                </a:ext>
+              </a:extLst>
+            </p:cNvPr>
+            <p:cNvCxnSpPr>
+              <a:cxnSpLocks/>
+            </p:cNvCxnSpPr>
+            <p:nvPr/>
+          </p:nvCxnSpPr>
+          <p:spPr>
+            <a:xfrm>
+              <a:off x="2849450" y="3500238"/>
+              <a:ext cx="3348507" cy="0"/>
+            </a:xfrm>
+            <a:prstGeom prst="line">
+              <a:avLst/>
+            </a:prstGeom>
+            <a:ln w="31750">
+              <a:solidFill>
+                <a:schemeClr val="bg1">
+                  <a:lumMod val="65000"/>
+                </a:schemeClr>
+              </a:solidFill>
+              <a:prstDash val="dash"/>
+            </a:ln>
+          </p:spPr>
+          <p:style>
+            <a:lnRef idx="1">
+              <a:schemeClr val="accent1"/>
+            </a:lnRef>
+            <a:fillRef idx="0">
+              <a:schemeClr val="accent1"/>
+            </a:fillRef>
+            <a:effectRef idx="0">
+              <a:schemeClr val="accent1"/>
+            </a:effectRef>
+            <a:fontRef idx="minor">
+              <a:schemeClr val="tx1"/>
+            </a:fontRef>
+          </p:style>
+        </p:cxnSp>
+        <p:sp>
+          <p:nvSpPr>
+            <p:cNvPr id="17" name="Triangle 16">
+              <a:extLst>
+                <a:ext uri="{FF2B5EF4-FFF2-40B4-BE49-F238E27FC236}">
+                  <a16:creationId xmlns:a16="http://schemas.microsoft.com/office/drawing/2014/main" id="{5037A6BB-0AF9-F264-2925-F06B09A3E2ED}"/>
+                </a:ext>
+              </a:extLst>
+            </p:cNvPr>
+            <p:cNvSpPr/>
+            <p:nvPr/>
+          </p:nvSpPr>
+          <p:spPr>
+            <a:xfrm rot="10800000">
+              <a:off x="4380425" y="2440546"/>
+              <a:ext cx="275287" cy="988434"/>
+            </a:xfrm>
+            <a:prstGeom prst="triangle">
+              <a:avLst/>
+            </a:prstGeom>
+          </p:spPr>
+          <p:style>
+            <a:lnRef idx="2">
+              <a:schemeClr val="accent1">
+                <a:shade val="50000"/>
+              </a:schemeClr>
+            </a:lnRef>
+            <a:fillRef idx="1">
+              <a:schemeClr val="accent1"/>
+            </a:fillRef>
+            <a:effectRef idx="0">
+              <a:schemeClr val="accent1"/>
+            </a:effectRef>
+            <a:fontRef idx="minor">
+              <a:schemeClr val="lt1"/>
+            </a:fontRef>
+          </p:style>
+          <p:txBody>
+            <a:bodyPr rtlCol="0" anchor="ctr"/>
+            <a:lstStyle/>
+            <a:p>
+              <a:pPr algn="ctr"/>
+              <a:endParaRPr lang="en-US"/>
+            </a:p>
+          </p:txBody>
+        </p:sp>
+        <p:sp>
+          <p:nvSpPr>
+            <p:cNvPr id="18" name="TextBox 17">
+              <a:extLst>
+                <a:ext uri="{FF2B5EF4-FFF2-40B4-BE49-F238E27FC236}">
+                  <a16:creationId xmlns:a16="http://schemas.microsoft.com/office/drawing/2014/main" id="{10F30C2F-B971-A509-B0CF-87F08253D19A}"/>
+                </a:ext>
+              </a:extLst>
+            </p:cNvPr>
+            <p:cNvSpPr txBox="1"/>
+            <p:nvPr/>
+          </p:nvSpPr>
+          <p:spPr>
+            <a:xfrm>
+              <a:off x="2357194" y="2390639"/>
+              <a:ext cx="1534394" cy="369332"/>
+            </a:xfrm>
+            <a:prstGeom prst="rect">
+              <a:avLst/>
+            </a:prstGeom>
+            <a:noFill/>
+          </p:spPr>
+          <p:txBody>
+            <a:bodyPr wrap="none" rtlCol="0">
+              <a:spAutoFit/>
+            </a:bodyPr>
+            <a:lstStyle/>
+            <a:p>
+              <a:r>
+                <a:rPr lang="en-US" dirty="0"/>
+                <a:t>Majorities FNs</a:t>
+              </a:r>
+            </a:p>
+          </p:txBody>
+        </p:sp>
+        <p:sp>
+          <p:nvSpPr>
+            <p:cNvPr id="19" name="TextBox 18">
+              <a:extLst>
+                <a:ext uri="{FF2B5EF4-FFF2-40B4-BE49-F238E27FC236}">
+                  <a16:creationId xmlns:a16="http://schemas.microsoft.com/office/drawing/2014/main" id="{6033C619-0AF1-4B24-DAD9-073A0418DAEE}"/>
+                </a:ext>
+              </a:extLst>
+            </p:cNvPr>
+            <p:cNvSpPr txBox="1"/>
+            <p:nvPr/>
+          </p:nvSpPr>
+          <p:spPr>
+            <a:xfrm>
+              <a:off x="2395111" y="2941612"/>
+              <a:ext cx="1112292" cy="369332"/>
+            </a:xfrm>
+            <a:prstGeom prst="rect">
+              <a:avLst/>
+            </a:prstGeom>
+            <a:noFill/>
+          </p:spPr>
+          <p:txBody>
+            <a:bodyPr wrap="none" rtlCol="0">
+              <a:spAutoFit/>
+            </a:bodyPr>
+            <a:lstStyle/>
+            <a:p>
+              <a:r>
+                <a:rPr lang="en-US" dirty="0"/>
+                <a:t>A few FNs</a:t>
+              </a:r>
+            </a:p>
+          </p:txBody>
+        </p:sp>
+        <p:sp>
+          <p:nvSpPr>
+            <p:cNvPr id="20" name="TextBox 19">
+              <a:extLst>
+                <a:ext uri="{FF2B5EF4-FFF2-40B4-BE49-F238E27FC236}">
+                  <a16:creationId xmlns:a16="http://schemas.microsoft.com/office/drawing/2014/main" id="{5BC3AF2F-6EA6-5B6E-944E-D46F5CE2BF8D}"/>
+                </a:ext>
+              </a:extLst>
+            </p:cNvPr>
+            <p:cNvSpPr txBox="1"/>
+            <p:nvPr/>
+          </p:nvSpPr>
+          <p:spPr>
+            <a:xfrm>
+              <a:off x="2372076" y="3627343"/>
+              <a:ext cx="999825" cy="369332"/>
+            </a:xfrm>
+            <a:prstGeom prst="rect">
+              <a:avLst/>
+            </a:prstGeom>
+            <a:noFill/>
+          </p:spPr>
+          <p:txBody>
+            <a:bodyPr wrap="none" rtlCol="0">
+              <a:spAutoFit/>
+            </a:bodyPr>
+            <a:lstStyle/>
+            <a:p>
+              <a:r>
+                <a:rPr lang="en-US" dirty="0"/>
+                <a:t>Zero FNs</a:t>
+              </a:r>
+            </a:p>
+          </p:txBody>
+        </p:sp>
+        <p:sp>
+          <p:nvSpPr>
+            <p:cNvPr id="21" name="TextBox 20">
+              <a:extLst>
+                <a:ext uri="{FF2B5EF4-FFF2-40B4-BE49-F238E27FC236}">
+                  <a16:creationId xmlns:a16="http://schemas.microsoft.com/office/drawing/2014/main" id="{D3BF676D-5B1E-7DAA-1A99-79E0E7614A34}"/>
+                </a:ext>
+              </a:extLst>
+            </p:cNvPr>
+            <p:cNvSpPr txBox="1"/>
+            <p:nvPr/>
+          </p:nvSpPr>
+          <p:spPr>
+            <a:xfrm rot="16200000">
+              <a:off x="1408997" y="3244314"/>
+              <a:ext cx="1195648" cy="369332"/>
+            </a:xfrm>
+            <a:prstGeom prst="rect">
+              <a:avLst/>
+            </a:prstGeom>
+            <a:noFill/>
+          </p:spPr>
+          <p:txBody>
+            <a:bodyPr wrap="none" rtlCol="0">
+              <a:spAutoFit/>
+            </a:bodyPr>
+            <a:lstStyle/>
+            <a:p>
+              <a:r>
+                <a:rPr lang="en-US" dirty="0"/>
+                <a:t>Probability</a:t>
+              </a:r>
+            </a:p>
+          </p:txBody>
+        </p:sp>
+      </p:grpSp>
+      <p:grpSp>
+        <p:nvGrpSpPr>
+          <p:cNvPr id="34" name="Group 33">
+            <a:extLst>
+              <a:ext uri="{FF2B5EF4-FFF2-40B4-BE49-F238E27FC236}">
+                <a16:creationId xmlns:a16="http://schemas.microsoft.com/office/drawing/2014/main" id="{E995F87F-B9B1-5F5A-31A3-1944761F4266}"/>
+              </a:ext>
+            </a:extLst>
+          </p:cNvPr>
+          <p:cNvGrpSpPr/>
+          <p:nvPr/>
+        </p:nvGrpSpPr>
+        <p:grpSpPr>
+          <a:xfrm>
+            <a:off x="7198729" y="1390449"/>
+            <a:ext cx="5934500" cy="3425113"/>
+            <a:chOff x="7057407" y="1815921"/>
+            <a:chExt cx="5934500" cy="3425113"/>
+          </a:xfrm>
+        </p:grpSpPr>
+        <p:sp>
+          <p:nvSpPr>
+            <p:cNvPr id="22" name="Triangle 21">
+              <a:extLst>
+                <a:ext uri="{FF2B5EF4-FFF2-40B4-BE49-F238E27FC236}">
+                  <a16:creationId xmlns:a16="http://schemas.microsoft.com/office/drawing/2014/main" id="{65A334CC-9846-3A30-E2FB-5D4D2A646C6A}"/>
+                </a:ext>
+              </a:extLst>
+            </p:cNvPr>
+            <p:cNvSpPr/>
+            <p:nvPr/>
+          </p:nvSpPr>
+          <p:spPr>
+            <a:xfrm>
+              <a:off x="7762741" y="1815921"/>
+              <a:ext cx="3973132" cy="3425113"/>
+            </a:xfrm>
+            <a:prstGeom prst="triangle">
+              <a:avLst/>
+            </a:prstGeom>
+            <a:gradFill flip="none" rotWithShape="1">
+              <a:gsLst>
+                <a:gs pos="0">
+                  <a:schemeClr val="accent2">
+                    <a:lumMod val="0"/>
+                    <a:lumOff val="100000"/>
+                  </a:schemeClr>
+                </a:gs>
+                <a:gs pos="69000">
+                  <a:srgbClr val="EF904E"/>
+                </a:gs>
+                <a:gs pos="59000">
+                  <a:srgbClr val="F2A36D"/>
+                </a:gs>
+                <a:gs pos="36000">
+                  <a:srgbClr val="F5B990"/>
+                </a:gs>
+                <a:gs pos="5000">
+                  <a:schemeClr val="accent2">
+                    <a:lumMod val="0"/>
+                    <a:lumOff val="100000"/>
+                  </a:schemeClr>
+                </a:gs>
+                <a:gs pos="11000">
+                  <a:srgbClr val="FDEEE3"/>
+                </a:gs>
+                <a:gs pos="82000">
+                  <a:schemeClr val="accent2">
+                    <a:lumMod val="100000"/>
+                  </a:schemeClr>
+                </a:gs>
+              </a:gsLst>
+              <a:lin ang="16200000" scaled="1"/>
+              <a:tileRect/>
+            </a:gradFill>
+          </p:spPr>
+          <p:style>
+            <a:lnRef idx="2">
+              <a:schemeClr val="accent1">
+                <a:shade val="50000"/>
+              </a:schemeClr>
+            </a:lnRef>
+            <a:fillRef idx="1">
+              <a:schemeClr val="accent1"/>
+            </a:fillRef>
+            <a:effectRef idx="0">
+              <a:schemeClr val="accent1"/>
+            </a:effectRef>
+            <a:fontRef idx="minor">
+              <a:schemeClr val="lt1"/>
+            </a:fontRef>
+          </p:style>
+          <p:txBody>
+            <a:bodyPr rtlCol="0" anchor="ctr"/>
+            <a:lstStyle/>
+            <a:p>
+              <a:pPr algn="ctr"/>
+              <a:endParaRPr lang="en-US" dirty="0"/>
+            </a:p>
+          </p:txBody>
+        </p:sp>
+        <p:cxnSp>
+          <p:nvCxnSpPr>
+            <p:cNvPr id="23" name="Straight Connector 22">
+              <a:extLst>
+                <a:ext uri="{FF2B5EF4-FFF2-40B4-BE49-F238E27FC236}">
+                  <a16:creationId xmlns:a16="http://schemas.microsoft.com/office/drawing/2014/main" id="{BC3EAE1F-293B-C587-BC59-F87607EB93BD}"/>
+                </a:ext>
+              </a:extLst>
+            </p:cNvPr>
+            <p:cNvCxnSpPr>
+              <a:cxnSpLocks/>
+            </p:cNvCxnSpPr>
+            <p:nvPr/>
+          </p:nvCxnSpPr>
+          <p:spPr>
+            <a:xfrm>
+              <a:off x="8097592" y="2440546"/>
+              <a:ext cx="3348507" cy="0"/>
+            </a:xfrm>
+            <a:prstGeom prst="line">
+              <a:avLst/>
+            </a:prstGeom>
+            <a:ln w="31750">
+              <a:solidFill>
+                <a:schemeClr val="bg1">
+                  <a:lumMod val="65000"/>
+                </a:schemeClr>
+              </a:solidFill>
+              <a:prstDash val="dash"/>
+            </a:ln>
+          </p:spPr>
+          <p:style>
+            <a:lnRef idx="1">
+              <a:schemeClr val="accent1"/>
+            </a:lnRef>
+            <a:fillRef idx="0">
+              <a:schemeClr val="accent1"/>
+            </a:fillRef>
+            <a:effectRef idx="0">
+              <a:schemeClr val="accent1"/>
+            </a:effectRef>
+            <a:fontRef idx="minor">
+              <a:schemeClr val="tx1"/>
+            </a:fontRef>
+          </p:style>
+        </p:cxnSp>
+        <p:cxnSp>
+          <p:nvCxnSpPr>
+            <p:cNvPr id="24" name="Straight Connector 23">
+              <a:extLst>
+                <a:ext uri="{FF2B5EF4-FFF2-40B4-BE49-F238E27FC236}">
+                  <a16:creationId xmlns:a16="http://schemas.microsoft.com/office/drawing/2014/main" id="{0E50C65F-F7AE-0442-DB03-9FB2FD116DC0}"/>
+                </a:ext>
+              </a:extLst>
+            </p:cNvPr>
+            <p:cNvCxnSpPr>
+              <a:cxnSpLocks/>
+            </p:cNvCxnSpPr>
+            <p:nvPr/>
+          </p:nvCxnSpPr>
+          <p:spPr>
+            <a:xfrm>
+              <a:off x="8097592" y="2721735"/>
+              <a:ext cx="3348507" cy="0"/>
+            </a:xfrm>
+            <a:prstGeom prst="line">
+              <a:avLst/>
+            </a:prstGeom>
+            <a:ln w="31750">
+              <a:solidFill>
+                <a:schemeClr val="bg1">
+                  <a:lumMod val="65000"/>
+                </a:schemeClr>
+              </a:solidFill>
+              <a:prstDash val="dash"/>
+            </a:ln>
+          </p:spPr>
+          <p:style>
+            <a:lnRef idx="1">
+              <a:schemeClr val="accent1"/>
+            </a:lnRef>
+            <a:fillRef idx="0">
+              <a:schemeClr val="accent1"/>
+            </a:fillRef>
+            <a:effectRef idx="0">
+              <a:schemeClr val="accent1"/>
+            </a:effectRef>
+            <a:fontRef idx="minor">
+              <a:schemeClr val="tx1"/>
+            </a:fontRef>
+          </p:style>
+        </p:cxnSp>
+        <p:sp>
+          <p:nvSpPr>
+            <p:cNvPr id="25" name="TextBox 24">
+              <a:extLst>
+                <a:ext uri="{FF2B5EF4-FFF2-40B4-BE49-F238E27FC236}">
+                  <a16:creationId xmlns:a16="http://schemas.microsoft.com/office/drawing/2014/main" id="{9B56F6DB-A6CE-53C3-5F79-EFA3E788FACB}"/>
+                </a:ext>
+              </a:extLst>
+            </p:cNvPr>
+            <p:cNvSpPr txBox="1"/>
+            <p:nvPr/>
+          </p:nvSpPr>
+          <p:spPr>
+            <a:xfrm>
+              <a:off x="11446099" y="2255880"/>
+              <a:ext cx="1545808" cy="369332"/>
+            </a:xfrm>
+            <a:prstGeom prst="rect">
+              <a:avLst/>
+            </a:prstGeom>
+            <a:noFill/>
+          </p:spPr>
+          <p:txBody>
+            <a:bodyPr wrap="none" rtlCol="0">
+              <a:spAutoFit/>
+            </a:bodyPr>
+            <a:lstStyle/>
+            <a:p>
+              <a:r>
+                <a:rPr lang="en-US" dirty="0"/>
+                <a:t>0.95 threshold</a:t>
+              </a:r>
+            </a:p>
+          </p:txBody>
+        </p:sp>
+        <p:sp>
+          <p:nvSpPr>
+            <p:cNvPr id="26" name="TextBox 25">
+              <a:extLst>
+                <a:ext uri="{FF2B5EF4-FFF2-40B4-BE49-F238E27FC236}">
+                  <a16:creationId xmlns:a16="http://schemas.microsoft.com/office/drawing/2014/main" id="{579E6692-7008-2305-DFFB-82F5A0C2EE8B}"/>
+                </a:ext>
+              </a:extLst>
+            </p:cNvPr>
+            <p:cNvSpPr txBox="1"/>
+            <p:nvPr/>
+          </p:nvSpPr>
+          <p:spPr>
+            <a:xfrm>
+              <a:off x="11446099" y="2537069"/>
+              <a:ext cx="1545808" cy="369332"/>
+            </a:xfrm>
+            <a:prstGeom prst="rect">
+              <a:avLst/>
+            </a:prstGeom>
+            <a:noFill/>
+          </p:spPr>
+          <p:txBody>
+            <a:bodyPr wrap="none" rtlCol="0">
+              <a:spAutoFit/>
+            </a:bodyPr>
+            <a:lstStyle/>
+            <a:p>
+              <a:r>
+                <a:rPr lang="en-US" dirty="0"/>
+                <a:t>0.85 threshold</a:t>
+              </a:r>
+            </a:p>
+          </p:txBody>
+        </p:sp>
+        <p:sp>
+          <p:nvSpPr>
+            <p:cNvPr id="27" name="TextBox 26">
+              <a:extLst>
+                <a:ext uri="{FF2B5EF4-FFF2-40B4-BE49-F238E27FC236}">
+                  <a16:creationId xmlns:a16="http://schemas.microsoft.com/office/drawing/2014/main" id="{A5BE9E6D-420C-040F-0B04-94B1F4CEB524}"/>
+                </a:ext>
+              </a:extLst>
+            </p:cNvPr>
+            <p:cNvSpPr txBox="1"/>
+            <p:nvPr/>
+          </p:nvSpPr>
+          <p:spPr>
+            <a:xfrm>
+              <a:off x="11446099" y="3313760"/>
+              <a:ext cx="1545808" cy="369332"/>
+            </a:xfrm>
+            <a:prstGeom prst="rect">
+              <a:avLst/>
+            </a:prstGeom>
+            <a:noFill/>
+          </p:spPr>
+          <p:txBody>
+            <a:bodyPr wrap="none" rtlCol="0">
+              <a:spAutoFit/>
+            </a:bodyPr>
+            <a:lstStyle/>
+            <a:p>
+              <a:r>
+                <a:rPr lang="en-US" dirty="0"/>
+                <a:t>0.50 threshold</a:t>
+              </a:r>
+            </a:p>
+          </p:txBody>
+        </p:sp>
+        <p:cxnSp>
+          <p:nvCxnSpPr>
+            <p:cNvPr id="28" name="Straight Connector 27">
+              <a:extLst>
+                <a:ext uri="{FF2B5EF4-FFF2-40B4-BE49-F238E27FC236}">
+                  <a16:creationId xmlns:a16="http://schemas.microsoft.com/office/drawing/2014/main" id="{F8474D75-67E1-B735-3172-020ECD49BA61}"/>
+                </a:ext>
+              </a:extLst>
+            </p:cNvPr>
+            <p:cNvCxnSpPr>
+              <a:cxnSpLocks/>
+            </p:cNvCxnSpPr>
+            <p:nvPr/>
+          </p:nvCxnSpPr>
+          <p:spPr>
+            <a:xfrm>
+              <a:off x="8075053" y="3500238"/>
+              <a:ext cx="3348507" cy="0"/>
+            </a:xfrm>
+            <a:prstGeom prst="line">
+              <a:avLst/>
+            </a:prstGeom>
+            <a:ln w="31750">
+              <a:solidFill>
+                <a:schemeClr val="bg1">
+                  <a:lumMod val="65000"/>
+                </a:schemeClr>
+              </a:solidFill>
+              <a:prstDash val="dash"/>
+            </a:ln>
+          </p:spPr>
+          <p:style>
+            <a:lnRef idx="1">
+              <a:schemeClr val="accent1"/>
+            </a:lnRef>
+            <a:fillRef idx="0">
+              <a:schemeClr val="accent1"/>
+            </a:fillRef>
+            <a:effectRef idx="0">
+              <a:schemeClr val="accent1"/>
+            </a:effectRef>
+            <a:fontRef idx="minor">
+              <a:schemeClr val="tx1"/>
+            </a:fontRef>
+          </p:style>
+        </p:cxnSp>
+        <p:sp>
+          <p:nvSpPr>
+            <p:cNvPr id="29" name="Triangle 28">
+              <a:extLst>
+                <a:ext uri="{FF2B5EF4-FFF2-40B4-BE49-F238E27FC236}">
+                  <a16:creationId xmlns:a16="http://schemas.microsoft.com/office/drawing/2014/main" id="{DF8D9E9E-C04D-3076-1528-57770E57FC64}"/>
+                </a:ext>
+              </a:extLst>
+            </p:cNvPr>
+            <p:cNvSpPr/>
+            <p:nvPr/>
+          </p:nvSpPr>
+          <p:spPr>
+            <a:xfrm>
+              <a:off x="9543998" y="2440546"/>
+              <a:ext cx="432836" cy="2746829"/>
+            </a:xfrm>
+            <a:prstGeom prst="triangle">
+              <a:avLst/>
+            </a:prstGeom>
+          </p:spPr>
+          <p:style>
+            <a:lnRef idx="2">
+              <a:schemeClr val="accent1">
+                <a:shade val="50000"/>
+              </a:schemeClr>
+            </a:lnRef>
+            <a:fillRef idx="1">
+              <a:schemeClr val="accent1"/>
+            </a:fillRef>
+            <a:effectRef idx="0">
+              <a:schemeClr val="accent1"/>
+            </a:effectRef>
+            <a:fontRef idx="minor">
+              <a:schemeClr val="lt1"/>
+            </a:fontRef>
+          </p:style>
+          <p:txBody>
+            <a:bodyPr rtlCol="0" anchor="ctr"/>
+            <a:lstStyle/>
+            <a:p>
+              <a:pPr algn="ctr"/>
+              <a:endParaRPr lang="en-US"/>
+            </a:p>
+          </p:txBody>
+        </p:sp>
+        <p:sp>
+          <p:nvSpPr>
+            <p:cNvPr id="30" name="TextBox 29">
+              <a:extLst>
+                <a:ext uri="{FF2B5EF4-FFF2-40B4-BE49-F238E27FC236}">
+                  <a16:creationId xmlns:a16="http://schemas.microsoft.com/office/drawing/2014/main" id="{A9C0CA06-AA8A-AA61-E940-702A9D738B7C}"/>
+                </a:ext>
+              </a:extLst>
+            </p:cNvPr>
+            <p:cNvSpPr txBox="1"/>
+            <p:nvPr/>
+          </p:nvSpPr>
+          <p:spPr>
+            <a:xfrm>
+              <a:off x="7951658" y="2390639"/>
+              <a:ext cx="1112292" cy="369332"/>
+            </a:xfrm>
+            <a:prstGeom prst="rect">
+              <a:avLst/>
+            </a:prstGeom>
+            <a:noFill/>
+          </p:spPr>
+          <p:txBody>
+            <a:bodyPr wrap="none" rtlCol="0">
+              <a:spAutoFit/>
+            </a:bodyPr>
+            <a:lstStyle/>
+            <a:p>
+              <a:r>
+                <a:rPr lang="en-US" dirty="0"/>
+                <a:t>A few FNs</a:t>
+              </a:r>
+            </a:p>
+          </p:txBody>
+        </p:sp>
+        <p:sp>
+          <p:nvSpPr>
+            <p:cNvPr id="31" name="TextBox 30">
+              <a:extLst>
+                <a:ext uri="{FF2B5EF4-FFF2-40B4-BE49-F238E27FC236}">
+                  <a16:creationId xmlns:a16="http://schemas.microsoft.com/office/drawing/2014/main" id="{1492C2F2-BBCF-CF02-AB3F-9E2CCDA7E27D}"/>
+                </a:ext>
+              </a:extLst>
+            </p:cNvPr>
+            <p:cNvSpPr txBox="1"/>
+            <p:nvPr/>
+          </p:nvSpPr>
+          <p:spPr>
+            <a:xfrm>
+              <a:off x="7620714" y="2941612"/>
+              <a:ext cx="1112292" cy="369332"/>
+            </a:xfrm>
+            <a:prstGeom prst="rect">
+              <a:avLst/>
+            </a:prstGeom>
+            <a:noFill/>
+          </p:spPr>
+          <p:txBody>
+            <a:bodyPr wrap="none" rtlCol="0">
+              <a:spAutoFit/>
+            </a:bodyPr>
+            <a:lstStyle/>
+            <a:p>
+              <a:r>
+                <a:rPr lang="en-US" dirty="0"/>
+                <a:t>A few FNs</a:t>
+              </a:r>
+            </a:p>
+          </p:txBody>
+        </p:sp>
+        <p:sp>
+          <p:nvSpPr>
+            <p:cNvPr id="32" name="TextBox 31">
+              <a:extLst>
+                <a:ext uri="{FF2B5EF4-FFF2-40B4-BE49-F238E27FC236}">
+                  <a16:creationId xmlns:a16="http://schemas.microsoft.com/office/drawing/2014/main" id="{254CE50B-D727-3E1A-5EBA-50275FF300E9}"/>
+                </a:ext>
+              </a:extLst>
+            </p:cNvPr>
+            <p:cNvSpPr txBox="1"/>
+            <p:nvPr/>
+          </p:nvSpPr>
+          <p:spPr>
+            <a:xfrm>
+              <a:off x="7057407" y="3627343"/>
+              <a:ext cx="1534394" cy="369332"/>
+            </a:xfrm>
+            <a:prstGeom prst="rect">
+              <a:avLst/>
+            </a:prstGeom>
+            <a:noFill/>
+          </p:spPr>
+          <p:txBody>
+            <a:bodyPr wrap="none" rtlCol="0">
+              <a:spAutoFit/>
+            </a:bodyPr>
+            <a:lstStyle/>
+            <a:p>
+              <a:r>
+                <a:rPr lang="en-US" dirty="0"/>
+                <a:t>Majorities FNs</a:t>
+              </a:r>
+            </a:p>
+          </p:txBody>
+        </p:sp>
+      </p:grpSp>
+    </p:spTree>
+    <p:extLst>
+      <p:ext uri="{BB962C8B-B14F-4D97-AF65-F5344CB8AC3E}">
+        <p14:creationId xmlns:p14="http://schemas.microsoft.com/office/powerpoint/2010/main" val="1763015063"/>
+      </p:ext>
+    </p:extLst>
+  </p:cSld>
+  <p:clrMapOvr>
+    <a:masterClrMapping/>
+  </p:clrMapOvr>
+</p:sld>
+</file>
+
+<file path=ppt/slides/slide7.xml><?xml version="1.0" encoding="utf-8"?>
+<p:sld xmlns:a="http://schemas.openxmlformats.org/drawingml/2006/main" xmlns:r="http://schemas.openxmlformats.org/officeDocument/2006/relationships" xmlns:p="http://schemas.openxmlformats.org/presentationml/2006/main">
+  <p:cSld>
+    <p:spTree>
+      <p:nvGrpSpPr>
+        <p:cNvPr id="1" name=""/>
+        <p:cNvGrpSpPr/>
+        <p:nvPr/>
+      </p:nvGrpSpPr>
+      <p:grpSpPr>
+        <a:xfrm>
+          <a:off x="0" y="0"/>
+          <a:ext cx="0" cy="0"/>
+          <a:chOff x="0" y="0"/>
+          <a:chExt cx="0" cy="0"/>
+        </a:xfrm>
+      </p:grpSpPr>
       <p:sp>
         <p:nvSpPr>
-          <p:cNvPr id="6" name="TextBox 5">
-            <a:extLst>
-              <a:ext uri="{FF2B5EF4-FFF2-40B4-BE49-F238E27FC236}">
-                <a16:creationId xmlns:a16="http://schemas.microsoft.com/office/drawing/2014/main" id="{BFAE1F86-6359-8484-95A4-F66D96677B26}"/>
+          <p:cNvPr id="59" name="Rounded Rectangle 58">
+            <a:extLst>
+              <a:ext uri="{FF2B5EF4-FFF2-40B4-BE49-F238E27FC236}">
+                <a16:creationId xmlns:a16="http://schemas.microsoft.com/office/drawing/2014/main" id="{965FBFD1-A3DC-AF76-DEE7-804F61631862}"/>
+              </a:ext>
+            </a:extLst>
+          </p:cNvPr>
+          <p:cNvSpPr/>
+          <p:nvPr/>
+        </p:nvSpPr>
+        <p:spPr>
+          <a:xfrm>
+            <a:off x="3076568" y="1344638"/>
+            <a:ext cx="1612970" cy="3187608"/>
+          </a:xfrm>
+          <a:prstGeom prst="roundRect">
+            <a:avLst/>
+          </a:prstGeom>
+          <a:solidFill>
+            <a:schemeClr val="accent6">
+              <a:lumMod val="60000"/>
+              <a:lumOff val="40000"/>
+              <a:alpha val="52220"/>
+            </a:schemeClr>
+          </a:solidFill>
+          <a:ln>
+            <a:noFill/>
+          </a:ln>
+        </p:spPr>
+        <p:style>
+          <a:lnRef idx="2">
+            <a:schemeClr val="accent1">
+              <a:shade val="50000"/>
+            </a:schemeClr>
+          </a:lnRef>
+          <a:fillRef idx="1">
+            <a:schemeClr val="accent1"/>
+          </a:fillRef>
+          <a:effectRef idx="0">
+            <a:schemeClr val="accent1"/>
+          </a:effectRef>
+          <a:fontRef idx="minor">
+            <a:schemeClr val="lt1"/>
+          </a:fontRef>
+        </p:style>
+        <p:txBody>
+          <a:bodyPr rtlCol="0" anchor="ctr"/>
+          <a:lstStyle/>
+          <a:p>
+            <a:pPr algn="ctr"/>
+            <a:r>
+              <a:rPr lang="en-US" b="1" dirty="0"/>
+              <a:t>Sampleable</a:t>
+            </a:r>
+          </a:p>
+        </p:txBody>
+      </p:sp>
+      <p:sp>
+        <p:nvSpPr>
+          <p:cNvPr id="54" name="Rounded Rectangle 53">
+            <a:extLst>
+              <a:ext uri="{FF2B5EF4-FFF2-40B4-BE49-F238E27FC236}">
+                <a16:creationId xmlns:a16="http://schemas.microsoft.com/office/drawing/2014/main" id="{BBB77F5A-A4E5-A460-1AE7-B56C0923EBF3}"/>
+              </a:ext>
+            </a:extLst>
+          </p:cNvPr>
+          <p:cNvSpPr/>
+          <p:nvPr/>
+        </p:nvSpPr>
+        <p:spPr>
+          <a:xfrm>
+            <a:off x="1254016" y="1362517"/>
+            <a:ext cx="1791838" cy="3187608"/>
+          </a:xfrm>
+          <a:prstGeom prst="roundRect">
+            <a:avLst/>
+          </a:prstGeom>
+          <a:solidFill>
+            <a:schemeClr val="bg1">
+              <a:lumMod val="65000"/>
+              <a:alpha val="47000"/>
+            </a:schemeClr>
+          </a:solidFill>
+          <a:ln>
+            <a:noFill/>
+          </a:ln>
+        </p:spPr>
+        <p:style>
+          <a:lnRef idx="2">
+            <a:schemeClr val="accent1">
+              <a:shade val="50000"/>
+            </a:schemeClr>
+          </a:lnRef>
+          <a:fillRef idx="1">
+            <a:schemeClr val="accent1"/>
+          </a:fillRef>
+          <a:effectRef idx="0">
+            <a:schemeClr val="accent1"/>
+          </a:effectRef>
+          <a:fontRef idx="minor">
+            <a:schemeClr val="lt1"/>
+          </a:fontRef>
+        </p:style>
+        <p:txBody>
+          <a:bodyPr rtlCol="0" anchor="ctr"/>
+          <a:lstStyle/>
+          <a:p>
+            <a:pPr algn="ctr"/>
+            <a:r>
+              <a:rPr lang="en-US" b="1" dirty="0">
+                <a:solidFill>
+                  <a:schemeClr val="bg1"/>
+                </a:solidFill>
+              </a:rPr>
+              <a:t>Not Sampleable</a:t>
+            </a:r>
+          </a:p>
+        </p:txBody>
+      </p:sp>
+      <p:grpSp>
+        <p:nvGrpSpPr>
+          <p:cNvPr id="28" name="Group 27">
+            <a:extLst>
+              <a:ext uri="{FF2B5EF4-FFF2-40B4-BE49-F238E27FC236}">
+                <a16:creationId xmlns:a16="http://schemas.microsoft.com/office/drawing/2014/main" id="{1A4AAF64-0518-0EBC-7F16-19C29AC024CD}"/>
+              </a:ext>
+            </a:extLst>
+          </p:cNvPr>
+          <p:cNvGrpSpPr/>
+          <p:nvPr/>
+        </p:nvGrpSpPr>
+        <p:grpSpPr>
+          <a:xfrm>
+            <a:off x="5934126" y="363056"/>
+            <a:ext cx="4121240" cy="4386364"/>
+            <a:chOff x="5934126" y="363056"/>
+            <a:chExt cx="4121240" cy="4386364"/>
+          </a:xfrm>
+        </p:grpSpPr>
+        <p:sp>
+          <p:nvSpPr>
+            <p:cNvPr id="64" name="Rounded Rectangle 63">
+              <a:extLst>
+                <a:ext uri="{FF2B5EF4-FFF2-40B4-BE49-F238E27FC236}">
+                  <a16:creationId xmlns:a16="http://schemas.microsoft.com/office/drawing/2014/main" id="{4D4A6AE7-238B-AFD2-4EB8-E9CCEE06E36A}"/>
+                </a:ext>
+              </a:extLst>
+            </p:cNvPr>
+            <p:cNvSpPr/>
+            <p:nvPr/>
+          </p:nvSpPr>
+          <p:spPr>
+            <a:xfrm>
+              <a:off x="6107148" y="1362516"/>
+              <a:ext cx="3484067" cy="3187608"/>
+            </a:xfrm>
+            <a:prstGeom prst="roundRect">
+              <a:avLst/>
+            </a:prstGeom>
+            <a:solidFill>
+              <a:schemeClr val="bg1">
+                <a:lumMod val="65000"/>
+                <a:alpha val="47000"/>
+              </a:schemeClr>
+            </a:solidFill>
+            <a:ln>
+              <a:noFill/>
+            </a:ln>
+          </p:spPr>
+          <p:style>
+            <a:lnRef idx="2">
+              <a:schemeClr val="accent1">
+                <a:shade val="50000"/>
+              </a:schemeClr>
+            </a:lnRef>
+            <a:fillRef idx="1">
+              <a:schemeClr val="accent1"/>
+            </a:fillRef>
+            <a:effectRef idx="0">
+              <a:schemeClr val="accent1"/>
+            </a:effectRef>
+            <a:fontRef idx="minor">
+              <a:schemeClr val="lt1"/>
+            </a:fontRef>
+          </p:style>
+          <p:txBody>
+            <a:bodyPr rtlCol="0" anchor="ctr"/>
+            <a:lstStyle/>
+            <a:p>
+              <a:pPr algn="ctr"/>
+              <a:r>
+                <a:rPr lang="en-US" b="1" dirty="0">
+                  <a:solidFill>
+                    <a:schemeClr val="bg1"/>
+                  </a:solidFill>
+                </a:rPr>
+                <a:t>Not Sampleable</a:t>
+              </a:r>
+            </a:p>
+          </p:txBody>
+        </p:sp>
+        <p:cxnSp>
+          <p:nvCxnSpPr>
+            <p:cNvPr id="74" name="Straight Arrow Connector 73">
+              <a:extLst>
+                <a:ext uri="{FF2B5EF4-FFF2-40B4-BE49-F238E27FC236}">
+                  <a16:creationId xmlns:a16="http://schemas.microsoft.com/office/drawing/2014/main" id="{8AED6755-9910-0CA3-4DA8-1D01FC1A5DEA}"/>
+                </a:ext>
+              </a:extLst>
+            </p:cNvPr>
+            <p:cNvCxnSpPr>
+              <a:cxnSpLocks/>
+            </p:cNvCxnSpPr>
+            <p:nvPr/>
+          </p:nvCxnSpPr>
+          <p:spPr>
+            <a:xfrm flipV="1">
+              <a:off x="6046362" y="956917"/>
+              <a:ext cx="0" cy="3593207"/>
+            </a:xfrm>
+            <a:prstGeom prst="straightConnector1">
+              <a:avLst/>
+            </a:prstGeom>
+            <a:ln w="25400">
+              <a:solidFill>
+                <a:schemeClr val="tx1"/>
+              </a:solidFill>
+              <a:headEnd type="none" w="lg" len="lg"/>
+              <a:tailEnd type="stealth" w="lg" len="lg"/>
+            </a:ln>
+          </p:spPr>
+          <p:style>
+            <a:lnRef idx="1">
+              <a:schemeClr val="accent1"/>
+            </a:lnRef>
+            <a:fillRef idx="0">
+              <a:schemeClr val="accent1"/>
+            </a:fillRef>
+            <a:effectRef idx="0">
+              <a:schemeClr val="accent1"/>
+            </a:effectRef>
+            <a:fontRef idx="minor">
+              <a:schemeClr val="tx1"/>
+            </a:fontRef>
+          </p:style>
+        </p:cxnSp>
+        <p:cxnSp>
+          <p:nvCxnSpPr>
+            <p:cNvPr id="75" name="Straight Arrow Connector 74">
+              <a:extLst>
+                <a:ext uri="{FF2B5EF4-FFF2-40B4-BE49-F238E27FC236}">
+                  <a16:creationId xmlns:a16="http://schemas.microsoft.com/office/drawing/2014/main" id="{13644483-2C93-696B-5708-49FA77E73B43}"/>
+                </a:ext>
+              </a:extLst>
+            </p:cNvPr>
+            <p:cNvCxnSpPr>
+              <a:cxnSpLocks/>
+            </p:cNvCxnSpPr>
+            <p:nvPr/>
+          </p:nvCxnSpPr>
+          <p:spPr>
+            <a:xfrm>
+              <a:off x="5934126" y="4402017"/>
+              <a:ext cx="4121240" cy="0"/>
+            </a:xfrm>
+            <a:prstGeom prst="straightConnector1">
+              <a:avLst/>
+            </a:prstGeom>
+            <a:ln w="25400">
+              <a:solidFill>
+                <a:schemeClr val="tx1"/>
+              </a:solidFill>
+              <a:headEnd type="none" w="lg" len="lg"/>
+              <a:tailEnd type="stealth" w="lg" len="lg"/>
+            </a:ln>
+          </p:spPr>
+          <p:style>
+            <a:lnRef idx="1">
+              <a:schemeClr val="accent1"/>
+            </a:lnRef>
+            <a:fillRef idx="0">
+              <a:schemeClr val="accent1"/>
+            </a:fillRef>
+            <a:effectRef idx="0">
+              <a:schemeClr val="accent1"/>
+            </a:effectRef>
+            <a:fontRef idx="minor">
+              <a:schemeClr val="tx1"/>
+            </a:fontRef>
+          </p:style>
+        </p:cxnSp>
+        <mc:AlternateContent xmlns:mc="http://schemas.openxmlformats.org/markup-compatibility/2006" xmlns:a14="http://schemas.microsoft.com/office/drawing/2010/main">
+          <mc:Choice Requires="a14">
+            <p:sp>
+              <p:nvSpPr>
+                <p:cNvPr id="76" name="TextBox 75">
+                  <a:extLst>
+                    <a:ext uri="{FF2B5EF4-FFF2-40B4-BE49-F238E27FC236}">
+                      <a16:creationId xmlns:a16="http://schemas.microsoft.com/office/drawing/2014/main" id="{A7745C85-5F79-0038-FD92-F978947111A1}"/>
+                    </a:ext>
+                  </a:extLst>
+                </p:cNvPr>
+                <p:cNvSpPr txBox="1"/>
+                <p:nvPr/>
+              </p:nvSpPr>
+              <p:spPr>
+                <a:xfrm>
+                  <a:off x="5934126" y="4380088"/>
+                  <a:ext cx="365806" cy="369332"/>
+                </a:xfrm>
+                <a:prstGeom prst="rect">
+                  <a:avLst/>
+                </a:prstGeom>
+                <a:noFill/>
+              </p:spPr>
+              <p:txBody>
+                <a:bodyPr wrap="none" rtlCol="0">
+                  <a:spAutoFit/>
+                </a:bodyPr>
+                <a:lstStyle/>
+                <a:p>
+                  <a:pPr/>
+                  <a14:m>
+                    <m:oMathPara xmlns:m="http://schemas.openxmlformats.org/officeDocument/2006/math">
+                      <m:oMathParaPr>
+                        <m:jc m:val="centerGroup"/>
+                      </m:oMathParaPr>
+                      <m:oMath xmlns:m="http://schemas.openxmlformats.org/officeDocument/2006/math">
+                        <m:r>
+                          <a:rPr lang="en-US" b="0" i="1" smtClean="0">
+                            <a:latin typeface="Cambria Math" panose="02040503050406030204" pitchFamily="18" charset="0"/>
+                          </a:rPr>
+                          <m:t>0</m:t>
+                        </m:r>
+                      </m:oMath>
+                    </m:oMathPara>
+                  </a14:m>
+                  <a:endParaRPr lang="en-US" dirty="0"/>
+                </a:p>
+              </p:txBody>
+            </p:sp>
+          </mc:Choice>
+          <mc:Fallback xmlns="">
+            <p:sp>
+              <p:nvSpPr>
+                <p:cNvPr id="76" name="TextBox 75">
+                  <a:extLst>
+                    <a:ext uri="{FF2B5EF4-FFF2-40B4-BE49-F238E27FC236}">
+                      <a16:creationId xmlns:a16="http://schemas.microsoft.com/office/drawing/2014/main" id="{A7745C85-5F79-0038-FD92-F978947111A1}"/>
+                    </a:ext>
+                  </a:extLst>
+                </p:cNvPr>
+                <p:cNvSpPr txBox="1">
+                  <a:spLocks noRot="1" noChangeAspect="1" noMove="1" noResize="1" noEditPoints="1" noAdjustHandles="1" noChangeArrowheads="1" noChangeShapeType="1" noTextEdit="1"/>
+                </p:cNvSpPr>
+                <p:nvPr/>
+              </p:nvSpPr>
+              <p:spPr>
+                <a:xfrm>
+                  <a:off x="5934126" y="4380088"/>
+                  <a:ext cx="365806" cy="369332"/>
+                </a:xfrm>
+                <a:prstGeom prst="rect">
+                  <a:avLst/>
+                </a:prstGeom>
+                <a:blipFill>
+                  <a:blip r:embed="rId2"/>
+                  <a:stretch>
+                    <a:fillRect/>
+                  </a:stretch>
+                </a:blipFill>
+              </p:spPr>
+              <p:txBody>
+                <a:bodyPr/>
+                <a:lstStyle/>
+                <a:p>
+                  <a:r>
+                    <a:rPr lang="en-US">
+                      <a:noFill/>
+                    </a:rPr>
+                    <a:t> </a:t>
+                  </a:r>
+                </a:p>
+              </p:txBody>
+            </p:sp>
+          </mc:Fallback>
+        </mc:AlternateContent>
+        <mc:AlternateContent xmlns:mc="http://schemas.openxmlformats.org/markup-compatibility/2006" xmlns:a14="http://schemas.microsoft.com/office/drawing/2010/main">
+          <mc:Choice Requires="a14">
+            <p:sp>
+              <p:nvSpPr>
+                <p:cNvPr id="77" name="TextBox 76">
+                  <a:extLst>
+                    <a:ext uri="{FF2B5EF4-FFF2-40B4-BE49-F238E27FC236}">
+                      <a16:creationId xmlns:a16="http://schemas.microsoft.com/office/drawing/2014/main" id="{37E485C9-145B-E2CD-5158-2B1970A32100}"/>
+                    </a:ext>
+                  </a:extLst>
+                </p:cNvPr>
+                <p:cNvSpPr txBox="1"/>
+                <p:nvPr/>
+              </p:nvSpPr>
+              <p:spPr>
+                <a:xfrm>
+                  <a:off x="9446166" y="4380088"/>
+                  <a:ext cx="380489" cy="369332"/>
+                </a:xfrm>
+                <a:prstGeom prst="rect">
+                  <a:avLst/>
+                </a:prstGeom>
+                <a:noFill/>
+              </p:spPr>
+              <p:txBody>
+                <a:bodyPr wrap="none" rtlCol="0">
+                  <a:spAutoFit/>
+                </a:bodyPr>
+                <a:lstStyle/>
+                <a:p>
+                  <a:pPr/>
+                  <a14:m>
+                    <m:oMathPara xmlns:m="http://schemas.openxmlformats.org/officeDocument/2006/math">
+                      <m:oMathParaPr>
+                        <m:jc m:val="centerGroup"/>
+                      </m:oMathParaPr>
+                      <m:oMath xmlns:m="http://schemas.openxmlformats.org/officeDocument/2006/math">
+                        <m:r>
+                          <a:rPr lang="en-US" b="0" i="1" smtClean="0">
+                            <a:latin typeface="Cambria Math" panose="02040503050406030204" pitchFamily="18" charset="0"/>
+                          </a:rPr>
+                          <m:t>𝑇</m:t>
+                        </m:r>
+                      </m:oMath>
+                    </m:oMathPara>
+                  </a14:m>
+                  <a:endParaRPr lang="en-US" dirty="0"/>
+                </a:p>
+              </p:txBody>
+            </p:sp>
+          </mc:Choice>
+          <mc:Fallback xmlns="">
+            <p:sp>
+              <p:nvSpPr>
+                <p:cNvPr id="77" name="TextBox 76">
+                  <a:extLst>
+                    <a:ext uri="{FF2B5EF4-FFF2-40B4-BE49-F238E27FC236}">
+                      <a16:creationId xmlns:a16="http://schemas.microsoft.com/office/drawing/2014/main" id="{37E485C9-145B-E2CD-5158-2B1970A32100}"/>
+                    </a:ext>
+                  </a:extLst>
+                </p:cNvPr>
+                <p:cNvSpPr txBox="1">
+                  <a:spLocks noRot="1" noChangeAspect="1" noMove="1" noResize="1" noEditPoints="1" noAdjustHandles="1" noChangeArrowheads="1" noChangeShapeType="1" noTextEdit="1"/>
+                </p:cNvSpPr>
+                <p:nvPr/>
+              </p:nvSpPr>
+              <p:spPr>
+                <a:xfrm>
+                  <a:off x="9446166" y="4380088"/>
+                  <a:ext cx="380489" cy="369332"/>
+                </a:xfrm>
+                <a:prstGeom prst="rect">
+                  <a:avLst/>
+                </a:prstGeom>
+                <a:blipFill>
+                  <a:blip r:embed="rId3"/>
+                  <a:stretch>
+                    <a:fillRect/>
+                  </a:stretch>
+                </a:blipFill>
+              </p:spPr>
+              <p:txBody>
+                <a:bodyPr/>
+                <a:lstStyle/>
+                <a:p>
+                  <a:r>
+                    <a:rPr lang="en-US">
+                      <a:noFill/>
+                    </a:rPr>
+                    <a:t> </a:t>
+                  </a:r>
+                </a:p>
+              </p:txBody>
+            </p:sp>
+          </mc:Fallback>
+        </mc:AlternateContent>
+        <p:sp>
+          <p:nvSpPr>
+            <p:cNvPr id="79" name="Freeform 78">
+              <a:extLst>
+                <a:ext uri="{FF2B5EF4-FFF2-40B4-BE49-F238E27FC236}">
+                  <a16:creationId xmlns:a16="http://schemas.microsoft.com/office/drawing/2014/main" id="{BBE6B733-FDC1-F25F-6145-62B716241146}"/>
+                </a:ext>
+              </a:extLst>
+            </p:cNvPr>
+            <p:cNvSpPr/>
+            <p:nvPr/>
+          </p:nvSpPr>
+          <p:spPr>
+            <a:xfrm>
+              <a:off x="6406176" y="1406420"/>
+              <a:ext cx="3154971" cy="2741686"/>
+            </a:xfrm>
+            <a:custGeom>
+              <a:avLst/>
+              <a:gdLst>
+                <a:gd name="connsiteX0" fmla="*/ 0 w 2949092"/>
+                <a:gd name="connsiteY0" fmla="*/ 0 h 2906702"/>
+                <a:gd name="connsiteX1" fmla="*/ 520785 w 2949092"/>
+                <a:gd name="connsiteY1" fmla="*/ 2264805 h 2906702"/>
+                <a:gd name="connsiteX2" fmla="*/ 2949092 w 2949092"/>
+                <a:gd name="connsiteY2" fmla="*/ 2906702 h 2906702"/>
+              </a:gdLst>
+              <a:ahLst/>
+              <a:cxnLst>
+                <a:cxn ang="0">
+                  <a:pos x="connsiteX0" y="connsiteY0"/>
+                </a:cxn>
+                <a:cxn ang="0">
+                  <a:pos x="connsiteX1" y="connsiteY1"/>
+                </a:cxn>
+                <a:cxn ang="0">
+                  <a:pos x="connsiteX2" y="connsiteY2"/>
+                </a:cxn>
+              </a:cxnLst>
+              <a:rect l="l" t="t" r="r" b="b"/>
+              <a:pathLst>
+                <a:path w="2949092" h="2906702">
+                  <a:moveTo>
+                    <a:pt x="0" y="0"/>
+                  </a:moveTo>
+                  <a:cubicBezTo>
+                    <a:pt x="14635" y="890177"/>
+                    <a:pt x="29270" y="1780355"/>
+                    <a:pt x="520785" y="2264805"/>
+                  </a:cubicBezTo>
+                  <a:cubicBezTo>
+                    <a:pt x="1012300" y="2749255"/>
+                    <a:pt x="1980696" y="2827978"/>
+                    <a:pt x="2949092" y="2906702"/>
+                  </a:cubicBezTo>
+                </a:path>
+              </a:pathLst>
+            </a:custGeom>
+            <a:noFill/>
+            <a:ln w="63500">
+              <a:solidFill>
+                <a:srgbClr val="0070C0"/>
+              </a:solidFill>
+              <a:prstDash val="sysDot"/>
+            </a:ln>
+          </p:spPr>
+          <p:style>
+            <a:lnRef idx="2">
+              <a:schemeClr val="accent1">
+                <a:shade val="50000"/>
+              </a:schemeClr>
+            </a:lnRef>
+            <a:fillRef idx="1">
+              <a:schemeClr val="accent1"/>
+            </a:fillRef>
+            <a:effectRef idx="0">
+              <a:schemeClr val="accent1"/>
+            </a:effectRef>
+            <a:fontRef idx="minor">
+              <a:schemeClr val="lt1"/>
+            </a:fontRef>
+          </p:style>
+          <p:txBody>
+            <a:bodyPr rtlCol="0" anchor="ctr"/>
+            <a:lstStyle/>
+            <a:p>
+              <a:pPr algn="ctr"/>
+              <a:endParaRPr lang="en-US" dirty="0"/>
+            </a:p>
+          </p:txBody>
+        </p:sp>
+        <p:cxnSp>
+          <p:nvCxnSpPr>
+            <p:cNvPr id="80" name="Straight Connector 79">
+              <a:extLst>
+                <a:ext uri="{FF2B5EF4-FFF2-40B4-BE49-F238E27FC236}">
+                  <a16:creationId xmlns:a16="http://schemas.microsoft.com/office/drawing/2014/main" id="{3BEBC5CC-FA34-36E2-F508-29DD6EE17629}"/>
+                </a:ext>
+              </a:extLst>
+            </p:cNvPr>
+            <p:cNvCxnSpPr>
+              <a:cxnSpLocks/>
+            </p:cNvCxnSpPr>
+            <p:nvPr/>
+          </p:nvCxnSpPr>
+          <p:spPr>
+            <a:xfrm>
+              <a:off x="9636407" y="1200528"/>
+              <a:ext cx="0" cy="3159525"/>
+            </a:xfrm>
+            <a:prstGeom prst="line">
+              <a:avLst/>
+            </a:prstGeom>
+            <a:ln w="25400">
+              <a:solidFill>
+                <a:srgbClr val="FF0000"/>
+              </a:solidFill>
+              <a:prstDash val="dash"/>
+            </a:ln>
+          </p:spPr>
+          <p:style>
+            <a:lnRef idx="1">
+              <a:schemeClr val="accent1"/>
+            </a:lnRef>
+            <a:fillRef idx="0">
+              <a:schemeClr val="accent1"/>
+            </a:fillRef>
+            <a:effectRef idx="0">
+              <a:schemeClr val="accent1"/>
+            </a:effectRef>
+            <a:fontRef idx="minor">
+              <a:schemeClr val="tx1"/>
+            </a:fontRef>
+          </p:style>
+        </p:cxnSp>
+        <p:grpSp>
+          <p:nvGrpSpPr>
+            <p:cNvPr id="12" name="Group 11">
+              <a:extLst>
+                <a:ext uri="{FF2B5EF4-FFF2-40B4-BE49-F238E27FC236}">
+                  <a16:creationId xmlns:a16="http://schemas.microsoft.com/office/drawing/2014/main" id="{ABC6902D-ECEC-6A8D-CF03-1A3D5AF1CF94}"/>
+                </a:ext>
+              </a:extLst>
+            </p:cNvPr>
+            <p:cNvGrpSpPr/>
+            <p:nvPr/>
+          </p:nvGrpSpPr>
+          <p:grpSpPr>
+            <a:xfrm>
+              <a:off x="7796229" y="647652"/>
+              <a:ext cx="2024008" cy="369332"/>
+              <a:chOff x="7785144" y="384987"/>
+              <a:chExt cx="2024008" cy="369332"/>
+            </a:xfrm>
+          </p:grpSpPr>
+          <p:sp>
+            <p:nvSpPr>
+              <p:cNvPr id="70" name="TextBox 69">
+                <a:extLst>
+                  <a:ext uri="{FF2B5EF4-FFF2-40B4-BE49-F238E27FC236}">
+                    <a16:creationId xmlns:a16="http://schemas.microsoft.com/office/drawing/2014/main" id="{F487F8A0-0F7A-B7B1-99B9-0BE97837EC93}"/>
+                  </a:ext>
+                </a:extLst>
+              </p:cNvPr>
+              <p:cNvSpPr txBox="1"/>
+              <p:nvPr/>
+            </p:nvSpPr>
+            <p:spPr>
+              <a:xfrm>
+                <a:off x="8255329" y="384987"/>
+                <a:ext cx="1553823" cy="369332"/>
+              </a:xfrm>
+              <a:prstGeom prst="rect">
+                <a:avLst/>
+              </a:prstGeom>
+              <a:noFill/>
+            </p:spPr>
+            <p:txBody>
+              <a:bodyPr wrap="none" rtlCol="0">
+                <a:spAutoFit/>
+              </a:bodyPr>
+              <a:lstStyle/>
+              <a:p>
+                <a:r>
+                  <a:rPr lang="en-US" dirty="0">
+                    <a:solidFill>
+                      <a:srgbClr val="0070C0"/>
+                    </a:solidFill>
+                  </a:rPr>
+                  <a:t># of Sentences</a:t>
+                </a:r>
+              </a:p>
+            </p:txBody>
+          </p:sp>
+          <p:cxnSp>
+            <p:nvCxnSpPr>
+              <p:cNvPr id="72" name="Straight Connector 71">
+                <a:extLst>
+                  <a:ext uri="{FF2B5EF4-FFF2-40B4-BE49-F238E27FC236}">
+                    <a16:creationId xmlns:a16="http://schemas.microsoft.com/office/drawing/2014/main" id="{50B0CA67-2BF4-08BB-EDBB-A1B4C552B91C}"/>
+                  </a:ext>
+                </a:extLst>
+              </p:cNvPr>
+              <p:cNvCxnSpPr>
+                <a:cxnSpLocks/>
+              </p:cNvCxnSpPr>
+              <p:nvPr/>
+            </p:nvCxnSpPr>
+            <p:spPr>
+              <a:xfrm>
+                <a:off x="7785144" y="569653"/>
+                <a:ext cx="446522" cy="0"/>
+              </a:xfrm>
+              <a:prstGeom prst="line">
+                <a:avLst/>
+              </a:prstGeom>
+              <a:ln w="41275">
+                <a:solidFill>
+                  <a:srgbClr val="0070C0"/>
+                </a:solidFill>
+                <a:prstDash val="sysDot"/>
+              </a:ln>
+            </p:spPr>
+            <p:style>
+              <a:lnRef idx="1">
+                <a:schemeClr val="accent1"/>
+              </a:lnRef>
+              <a:fillRef idx="0">
+                <a:schemeClr val="accent1"/>
+              </a:fillRef>
+              <a:effectRef idx="0">
+                <a:schemeClr val="accent1"/>
+              </a:effectRef>
+              <a:fontRef idx="minor">
+                <a:schemeClr val="tx1"/>
+              </a:fontRef>
+            </p:style>
+          </p:cxnSp>
+        </p:grpSp>
+        <p:grpSp>
+          <p:nvGrpSpPr>
+            <p:cNvPr id="13" name="Group 12">
+              <a:extLst>
+                <a:ext uri="{FF2B5EF4-FFF2-40B4-BE49-F238E27FC236}">
+                  <a16:creationId xmlns:a16="http://schemas.microsoft.com/office/drawing/2014/main" id="{0F72CB8C-E66F-50A1-1C55-A682C8C45AB3}"/>
+                </a:ext>
+              </a:extLst>
+            </p:cNvPr>
+            <p:cNvGrpSpPr/>
+            <p:nvPr/>
+          </p:nvGrpSpPr>
+          <p:grpSpPr>
+            <a:xfrm>
+              <a:off x="7796229" y="363056"/>
+              <a:ext cx="1412695" cy="369332"/>
+              <a:chOff x="7796229" y="669590"/>
+              <a:chExt cx="1412695" cy="369332"/>
+            </a:xfrm>
+          </p:grpSpPr>
+          <p:sp>
+            <p:nvSpPr>
+              <p:cNvPr id="71" name="TextBox 70">
+                <a:extLst>
+                  <a:ext uri="{FF2B5EF4-FFF2-40B4-BE49-F238E27FC236}">
+                    <a16:creationId xmlns:a16="http://schemas.microsoft.com/office/drawing/2014/main" id="{5979BE70-6562-502A-4106-9B38DC648A29}"/>
+                  </a:ext>
+                </a:extLst>
+              </p:cNvPr>
+              <p:cNvSpPr txBox="1"/>
+              <p:nvPr/>
+            </p:nvSpPr>
+            <p:spPr>
+              <a:xfrm>
+                <a:off x="8266037" y="669590"/>
+                <a:ext cx="942887" cy="369332"/>
+              </a:xfrm>
+              <a:prstGeom prst="rect">
+                <a:avLst/>
+              </a:prstGeom>
+              <a:noFill/>
+            </p:spPr>
+            <p:txBody>
+              <a:bodyPr wrap="none" rtlCol="0">
+                <a:spAutoFit/>
+              </a:bodyPr>
+              <a:lstStyle/>
+              <a:p>
+                <a:r>
+                  <a:rPr lang="en-US" dirty="0">
+                    <a:solidFill>
+                      <a:srgbClr val="FFC000"/>
+                    </a:solidFill>
+                  </a:rPr>
+                  <a:t># of FNs</a:t>
+                </a:r>
+              </a:p>
+            </p:txBody>
+          </p:sp>
+          <p:cxnSp>
+            <p:nvCxnSpPr>
+              <p:cNvPr id="73" name="Straight Connector 72">
+                <a:extLst>
+                  <a:ext uri="{FF2B5EF4-FFF2-40B4-BE49-F238E27FC236}">
+                    <a16:creationId xmlns:a16="http://schemas.microsoft.com/office/drawing/2014/main" id="{364F05D3-D39E-06A4-4EBF-5D5E303797AD}"/>
+                  </a:ext>
+                </a:extLst>
+              </p:cNvPr>
+              <p:cNvCxnSpPr>
+                <a:cxnSpLocks/>
+              </p:cNvCxnSpPr>
+              <p:nvPr/>
+            </p:nvCxnSpPr>
+            <p:spPr>
+              <a:xfrm>
+                <a:off x="7796229" y="854256"/>
+                <a:ext cx="446522" cy="0"/>
+              </a:xfrm>
+              <a:prstGeom prst="line">
+                <a:avLst/>
+              </a:prstGeom>
+              <a:ln w="41275">
+                <a:solidFill>
+                  <a:srgbClr val="FFC000"/>
+                </a:solidFill>
+              </a:ln>
+            </p:spPr>
+            <p:style>
+              <a:lnRef idx="1">
+                <a:schemeClr val="accent1"/>
+              </a:lnRef>
+              <a:fillRef idx="0">
+                <a:schemeClr val="accent1"/>
+              </a:fillRef>
+              <a:effectRef idx="0">
+                <a:schemeClr val="accent1"/>
+              </a:effectRef>
+              <a:fontRef idx="minor">
+                <a:schemeClr val="tx1"/>
+              </a:fontRef>
+            </p:style>
+          </p:cxnSp>
+        </p:grpSp>
+        <p:cxnSp>
+          <p:nvCxnSpPr>
+            <p:cNvPr id="68" name="Straight Connector 67">
+              <a:extLst>
+                <a:ext uri="{FF2B5EF4-FFF2-40B4-BE49-F238E27FC236}">
+                  <a16:creationId xmlns:a16="http://schemas.microsoft.com/office/drawing/2014/main" id="{27C80026-E98A-4217-28F9-191952B522DA}"/>
+                </a:ext>
+              </a:extLst>
+            </p:cNvPr>
+            <p:cNvCxnSpPr>
+              <a:cxnSpLocks/>
+            </p:cNvCxnSpPr>
+            <p:nvPr/>
+          </p:nvCxnSpPr>
+          <p:spPr>
+            <a:xfrm>
+              <a:off x="7796229" y="1133824"/>
+              <a:ext cx="446522" cy="0"/>
+            </a:xfrm>
+            <a:prstGeom prst="line">
+              <a:avLst/>
+            </a:prstGeom>
+            <a:ln w="25400">
+              <a:solidFill>
+                <a:srgbClr val="FF0000"/>
+              </a:solidFill>
+              <a:prstDash val="sysDash"/>
+            </a:ln>
+          </p:spPr>
+          <p:style>
+            <a:lnRef idx="1">
+              <a:schemeClr val="accent1"/>
+            </a:lnRef>
+            <a:fillRef idx="0">
+              <a:schemeClr val="accent1"/>
+            </a:fillRef>
+            <a:effectRef idx="0">
+              <a:schemeClr val="accent1"/>
+            </a:effectRef>
+            <a:fontRef idx="minor">
+              <a:schemeClr val="tx1"/>
+            </a:fontRef>
+          </p:style>
+        </p:cxnSp>
+        <p:sp>
+          <p:nvSpPr>
+            <p:cNvPr id="69" name="TextBox 68">
+              <a:extLst>
+                <a:ext uri="{FF2B5EF4-FFF2-40B4-BE49-F238E27FC236}">
+                  <a16:creationId xmlns:a16="http://schemas.microsoft.com/office/drawing/2014/main" id="{192E45DF-EC84-242B-ACB7-BB188EBAC43B}"/>
+                </a:ext>
+              </a:extLst>
+            </p:cNvPr>
+            <p:cNvSpPr txBox="1"/>
+            <p:nvPr/>
+          </p:nvSpPr>
+          <p:spPr>
+            <a:xfrm>
+              <a:off x="8275412" y="955481"/>
+              <a:ext cx="1119409" cy="369332"/>
+            </a:xfrm>
+            <a:prstGeom prst="rect">
+              <a:avLst/>
+            </a:prstGeom>
+            <a:noFill/>
+          </p:spPr>
+          <p:txBody>
+            <a:bodyPr wrap="none" rtlCol="0">
+              <a:spAutoFit/>
+            </a:bodyPr>
+            <a:lstStyle/>
+            <a:p>
+              <a:r>
+                <a:rPr lang="en-US" dirty="0">
+                  <a:solidFill>
+                    <a:srgbClr val="FF0000"/>
+                  </a:solidFill>
+                </a:rPr>
+                <a:t>Threshold</a:t>
+              </a:r>
+            </a:p>
+          </p:txBody>
+        </p:sp>
+        <p:sp>
+          <p:nvSpPr>
+            <p:cNvPr id="81" name="Freeform 80">
+              <a:extLst>
+                <a:ext uri="{FF2B5EF4-FFF2-40B4-BE49-F238E27FC236}">
+                  <a16:creationId xmlns:a16="http://schemas.microsoft.com/office/drawing/2014/main" id="{7909E152-E951-A205-C16E-9C37798BEB49}"/>
+                </a:ext>
+              </a:extLst>
+            </p:cNvPr>
+            <p:cNvSpPr/>
+            <p:nvPr/>
+          </p:nvSpPr>
+          <p:spPr>
+            <a:xfrm>
+              <a:off x="6299932" y="2132065"/>
+              <a:ext cx="3208060" cy="1922550"/>
+            </a:xfrm>
+            <a:custGeom>
+              <a:avLst/>
+              <a:gdLst>
+                <a:gd name="connsiteX0" fmla="*/ 0 w 2949092"/>
+                <a:gd name="connsiteY0" fmla="*/ 0 h 2906702"/>
+                <a:gd name="connsiteX1" fmla="*/ 520785 w 2949092"/>
+                <a:gd name="connsiteY1" fmla="*/ 2264805 h 2906702"/>
+                <a:gd name="connsiteX2" fmla="*/ 2949092 w 2949092"/>
+                <a:gd name="connsiteY2" fmla="*/ 2906702 h 2906702"/>
+              </a:gdLst>
+              <a:ahLst/>
+              <a:cxnLst>
+                <a:cxn ang="0">
+                  <a:pos x="connsiteX0" y="connsiteY0"/>
+                </a:cxn>
+                <a:cxn ang="0">
+                  <a:pos x="connsiteX1" y="connsiteY1"/>
+                </a:cxn>
+                <a:cxn ang="0">
+                  <a:pos x="connsiteX2" y="connsiteY2"/>
+                </a:cxn>
+              </a:cxnLst>
+              <a:rect l="l" t="t" r="r" b="b"/>
+              <a:pathLst>
+                <a:path w="2949092" h="2906702">
+                  <a:moveTo>
+                    <a:pt x="0" y="0"/>
+                  </a:moveTo>
+                  <a:cubicBezTo>
+                    <a:pt x="14635" y="890177"/>
+                    <a:pt x="29270" y="1780355"/>
+                    <a:pt x="520785" y="2264805"/>
+                  </a:cubicBezTo>
+                  <a:cubicBezTo>
+                    <a:pt x="1012300" y="2749255"/>
+                    <a:pt x="1980696" y="2827978"/>
+                    <a:pt x="2949092" y="2906702"/>
+                  </a:cubicBezTo>
+                </a:path>
+              </a:pathLst>
+            </a:custGeom>
+            <a:noFill/>
+            <a:ln w="63500">
+              <a:solidFill>
+                <a:srgbClr val="FFC000"/>
+              </a:solidFill>
+              <a:prstDash val="solid"/>
+            </a:ln>
+          </p:spPr>
+          <p:style>
+            <a:lnRef idx="2">
+              <a:schemeClr val="accent1">
+                <a:shade val="50000"/>
+              </a:schemeClr>
+            </a:lnRef>
+            <a:fillRef idx="1">
+              <a:schemeClr val="accent1"/>
+            </a:fillRef>
+            <a:effectRef idx="0">
+              <a:schemeClr val="accent1"/>
+            </a:effectRef>
+            <a:fontRef idx="minor">
+              <a:schemeClr val="lt1"/>
+            </a:fontRef>
+          </p:style>
+          <p:txBody>
+            <a:bodyPr rtlCol="0" anchor="ctr"/>
+            <a:lstStyle/>
+            <a:p>
+              <a:pPr algn="ctr"/>
+              <a:endParaRPr lang="en-US" dirty="0"/>
+            </a:p>
+          </p:txBody>
+        </p:sp>
+      </p:grpSp>
+      <p:grpSp>
+        <p:nvGrpSpPr>
+          <p:cNvPr id="46" name="Group 45">
+            <a:extLst>
+              <a:ext uri="{FF2B5EF4-FFF2-40B4-BE49-F238E27FC236}">
+                <a16:creationId xmlns:a16="http://schemas.microsoft.com/office/drawing/2014/main" id="{B42818B2-F0A2-67FD-6F93-63812F707BFE}"/>
+              </a:ext>
+            </a:extLst>
+          </p:cNvPr>
+          <p:cNvGrpSpPr/>
+          <p:nvPr/>
+        </p:nvGrpSpPr>
+        <p:grpSpPr>
+          <a:xfrm>
+            <a:off x="1017971" y="956917"/>
+            <a:ext cx="4121240" cy="3792503"/>
+            <a:chOff x="1732207" y="1526146"/>
+            <a:chExt cx="4121240" cy="3792503"/>
+          </a:xfrm>
+        </p:grpSpPr>
+        <p:cxnSp>
+          <p:nvCxnSpPr>
+            <p:cNvPr id="2" name="Straight Arrow Connector 1">
+              <a:extLst>
+                <a:ext uri="{FF2B5EF4-FFF2-40B4-BE49-F238E27FC236}">
+                  <a16:creationId xmlns:a16="http://schemas.microsoft.com/office/drawing/2014/main" id="{0F8944CB-662E-DC0E-7BE9-F8AC976DABF9}"/>
+                </a:ext>
+              </a:extLst>
+            </p:cNvPr>
+            <p:cNvCxnSpPr>
+              <a:cxnSpLocks/>
+            </p:cNvCxnSpPr>
+            <p:nvPr/>
+          </p:nvCxnSpPr>
+          <p:spPr>
+            <a:xfrm flipV="1">
+              <a:off x="1844443" y="1526146"/>
+              <a:ext cx="0" cy="3593207"/>
+            </a:xfrm>
+            <a:prstGeom prst="straightConnector1">
+              <a:avLst/>
+            </a:prstGeom>
+            <a:ln w="25400">
+              <a:solidFill>
+                <a:schemeClr val="tx1"/>
+              </a:solidFill>
+              <a:headEnd type="none" w="lg" len="lg"/>
+              <a:tailEnd type="stealth" w="lg" len="lg"/>
+            </a:ln>
+          </p:spPr>
+          <p:style>
+            <a:lnRef idx="1">
+              <a:schemeClr val="accent1"/>
+            </a:lnRef>
+            <a:fillRef idx="0">
+              <a:schemeClr val="accent1"/>
+            </a:fillRef>
+            <a:effectRef idx="0">
+              <a:schemeClr val="accent1"/>
+            </a:effectRef>
+            <a:fontRef idx="minor">
+              <a:schemeClr val="tx1"/>
+            </a:fontRef>
+          </p:style>
+        </p:cxnSp>
+        <p:cxnSp>
+          <p:nvCxnSpPr>
+            <p:cNvPr id="3" name="Straight Arrow Connector 2">
+              <a:extLst>
+                <a:ext uri="{FF2B5EF4-FFF2-40B4-BE49-F238E27FC236}">
+                  <a16:creationId xmlns:a16="http://schemas.microsoft.com/office/drawing/2014/main" id="{3566A2F3-2B99-99DB-E8FF-88D0E4D32C1F}"/>
+                </a:ext>
+              </a:extLst>
+            </p:cNvPr>
+            <p:cNvCxnSpPr>
+              <a:cxnSpLocks/>
+            </p:cNvCxnSpPr>
+            <p:nvPr/>
+          </p:nvCxnSpPr>
+          <p:spPr>
+            <a:xfrm>
+              <a:off x="1732207" y="4971246"/>
+              <a:ext cx="4121240" cy="0"/>
+            </a:xfrm>
+            <a:prstGeom prst="straightConnector1">
+              <a:avLst/>
+            </a:prstGeom>
+            <a:ln w="25400">
+              <a:solidFill>
+                <a:schemeClr val="tx1"/>
+              </a:solidFill>
+              <a:headEnd type="none" w="lg" len="lg"/>
+              <a:tailEnd type="stealth" w="lg" len="lg"/>
+            </a:ln>
+          </p:spPr>
+          <p:style>
+            <a:lnRef idx="1">
+              <a:schemeClr val="accent1"/>
+            </a:lnRef>
+            <a:fillRef idx="0">
+              <a:schemeClr val="accent1"/>
+            </a:fillRef>
+            <a:effectRef idx="0">
+              <a:schemeClr val="accent1"/>
+            </a:effectRef>
+            <a:fontRef idx="minor">
+              <a:schemeClr val="tx1"/>
+            </a:fontRef>
+          </p:style>
+        </p:cxnSp>
+        <mc:AlternateContent xmlns:mc="http://schemas.openxmlformats.org/markup-compatibility/2006" xmlns:a14="http://schemas.microsoft.com/office/drawing/2010/main">
+          <mc:Choice Requires="a14">
+            <p:sp>
+              <p:nvSpPr>
+                <p:cNvPr id="21" name="TextBox 20">
+                  <a:extLst>
+                    <a:ext uri="{FF2B5EF4-FFF2-40B4-BE49-F238E27FC236}">
+                      <a16:creationId xmlns:a16="http://schemas.microsoft.com/office/drawing/2014/main" id="{69E61190-3E92-C4C4-1C03-BCFE1B2D9CD3}"/>
+                    </a:ext>
+                  </a:extLst>
+                </p:cNvPr>
+                <p:cNvSpPr txBox="1"/>
+                <p:nvPr/>
+              </p:nvSpPr>
+              <p:spPr>
+                <a:xfrm>
+                  <a:off x="1732207" y="4949317"/>
+                  <a:ext cx="365806" cy="369332"/>
+                </a:xfrm>
+                <a:prstGeom prst="rect">
+                  <a:avLst/>
+                </a:prstGeom>
+                <a:noFill/>
+              </p:spPr>
+              <p:txBody>
+                <a:bodyPr wrap="none" rtlCol="0">
+                  <a:spAutoFit/>
+                </a:bodyPr>
+                <a:lstStyle/>
+                <a:p>
+                  <a:pPr/>
+                  <a14:m>
+                    <m:oMathPara xmlns:m="http://schemas.openxmlformats.org/officeDocument/2006/math">
+                      <m:oMathParaPr>
+                        <m:jc m:val="centerGroup"/>
+                      </m:oMathParaPr>
+                      <m:oMath xmlns:m="http://schemas.openxmlformats.org/officeDocument/2006/math">
+                        <m:r>
+                          <a:rPr lang="en-US" b="0" i="1" smtClean="0">
+                            <a:latin typeface="Cambria Math" panose="02040503050406030204" pitchFamily="18" charset="0"/>
+                          </a:rPr>
+                          <m:t>0</m:t>
+                        </m:r>
+                      </m:oMath>
+                    </m:oMathPara>
+                  </a14:m>
+                  <a:endParaRPr lang="en-US" dirty="0"/>
+                </a:p>
+              </p:txBody>
+            </p:sp>
+          </mc:Choice>
+          <mc:Fallback xmlns="">
+            <p:sp>
+              <p:nvSpPr>
+                <p:cNvPr id="21" name="TextBox 20">
+                  <a:extLst>
+                    <a:ext uri="{FF2B5EF4-FFF2-40B4-BE49-F238E27FC236}">
+                      <a16:creationId xmlns:a16="http://schemas.microsoft.com/office/drawing/2014/main" id="{69E61190-3E92-C4C4-1C03-BCFE1B2D9CD3}"/>
+                    </a:ext>
+                  </a:extLst>
+                </p:cNvPr>
+                <p:cNvSpPr txBox="1">
+                  <a:spLocks noRot="1" noChangeAspect="1" noMove="1" noResize="1" noEditPoints="1" noAdjustHandles="1" noChangeArrowheads="1" noChangeShapeType="1" noTextEdit="1"/>
+                </p:cNvSpPr>
+                <p:nvPr/>
+              </p:nvSpPr>
+              <p:spPr>
+                <a:xfrm>
+                  <a:off x="1732207" y="4949317"/>
+                  <a:ext cx="365806" cy="369332"/>
+                </a:xfrm>
+                <a:prstGeom prst="rect">
+                  <a:avLst/>
+                </a:prstGeom>
+                <a:blipFill>
+                  <a:blip r:embed="rId4"/>
+                  <a:stretch>
+                    <a:fillRect/>
+                  </a:stretch>
+                </a:blipFill>
+              </p:spPr>
+              <p:txBody>
+                <a:bodyPr/>
+                <a:lstStyle/>
+                <a:p>
+                  <a:r>
+                    <a:rPr lang="en-US">
+                      <a:noFill/>
+                    </a:rPr>
+                    <a:t> </a:t>
+                  </a:r>
+                </a:p>
+              </p:txBody>
+            </p:sp>
+          </mc:Fallback>
+        </mc:AlternateContent>
+        <mc:AlternateContent xmlns:mc="http://schemas.openxmlformats.org/markup-compatibility/2006" xmlns:a14="http://schemas.microsoft.com/office/drawing/2010/main">
+          <mc:Choice Requires="a14">
+            <p:sp>
+              <p:nvSpPr>
+                <p:cNvPr id="22" name="TextBox 21">
+                  <a:extLst>
+                    <a:ext uri="{FF2B5EF4-FFF2-40B4-BE49-F238E27FC236}">
+                      <a16:creationId xmlns:a16="http://schemas.microsoft.com/office/drawing/2014/main" id="{138C7C00-3A5E-6496-FD6A-6D9F19F860F5}"/>
+                    </a:ext>
+                  </a:extLst>
+                </p:cNvPr>
+                <p:cNvSpPr txBox="1"/>
+                <p:nvPr/>
+              </p:nvSpPr>
+              <p:spPr>
+                <a:xfrm>
+                  <a:off x="5244247" y="4949317"/>
+                  <a:ext cx="380489" cy="369332"/>
+                </a:xfrm>
+                <a:prstGeom prst="rect">
+                  <a:avLst/>
+                </a:prstGeom>
+                <a:noFill/>
+              </p:spPr>
+              <p:txBody>
+                <a:bodyPr wrap="none" rtlCol="0">
+                  <a:spAutoFit/>
+                </a:bodyPr>
+                <a:lstStyle/>
+                <a:p>
+                  <a:pPr/>
+                  <a14:m>
+                    <m:oMathPara xmlns:m="http://schemas.openxmlformats.org/officeDocument/2006/math">
+                      <m:oMathParaPr>
+                        <m:jc m:val="centerGroup"/>
+                      </m:oMathParaPr>
+                      <m:oMath xmlns:m="http://schemas.openxmlformats.org/officeDocument/2006/math">
+                        <m:r>
+                          <a:rPr lang="en-US" b="0" i="1" smtClean="0">
+                            <a:latin typeface="Cambria Math" panose="02040503050406030204" pitchFamily="18" charset="0"/>
+                          </a:rPr>
+                          <m:t>𝑇</m:t>
+                        </m:r>
+                      </m:oMath>
+                    </m:oMathPara>
+                  </a14:m>
+                  <a:endParaRPr lang="en-US" dirty="0"/>
+                </a:p>
+              </p:txBody>
+            </p:sp>
+          </mc:Choice>
+          <mc:Fallback xmlns="">
+            <p:sp>
+              <p:nvSpPr>
+                <p:cNvPr id="22" name="TextBox 21">
+                  <a:extLst>
+                    <a:ext uri="{FF2B5EF4-FFF2-40B4-BE49-F238E27FC236}">
+                      <a16:creationId xmlns:a16="http://schemas.microsoft.com/office/drawing/2014/main" id="{138C7C00-3A5E-6496-FD6A-6D9F19F860F5}"/>
+                    </a:ext>
+                  </a:extLst>
+                </p:cNvPr>
+                <p:cNvSpPr txBox="1">
+                  <a:spLocks noRot="1" noChangeAspect="1" noMove="1" noResize="1" noEditPoints="1" noAdjustHandles="1" noChangeArrowheads="1" noChangeShapeType="1" noTextEdit="1"/>
+                </p:cNvSpPr>
+                <p:nvPr/>
+              </p:nvSpPr>
+              <p:spPr>
+                <a:xfrm>
+                  <a:off x="5244247" y="4949317"/>
+                  <a:ext cx="380489" cy="369332"/>
+                </a:xfrm>
+                <a:prstGeom prst="rect">
+                  <a:avLst/>
+                </a:prstGeom>
+                <a:blipFill>
+                  <a:blip r:embed="rId5"/>
+                  <a:stretch>
+                    <a:fillRect/>
+                  </a:stretch>
+                </a:blipFill>
+              </p:spPr>
+              <p:txBody>
+                <a:bodyPr/>
+                <a:lstStyle/>
+                <a:p>
+                  <a:r>
+                    <a:rPr lang="en-US">
+                      <a:noFill/>
+                    </a:rPr>
+                    <a:t> </a:t>
+                  </a:r>
+                </a:p>
+              </p:txBody>
+            </p:sp>
+          </mc:Fallback>
+        </mc:AlternateContent>
+        <p:sp>
+          <p:nvSpPr>
+            <p:cNvPr id="35" name="Freeform 34">
+              <a:extLst>
+                <a:ext uri="{FF2B5EF4-FFF2-40B4-BE49-F238E27FC236}">
+                  <a16:creationId xmlns:a16="http://schemas.microsoft.com/office/drawing/2014/main" id="{BC692563-AC24-E99D-180A-3AF3BF539B0A}"/>
+                </a:ext>
+              </a:extLst>
+            </p:cNvPr>
+            <p:cNvSpPr/>
+            <p:nvPr/>
+          </p:nvSpPr>
+          <p:spPr>
+            <a:xfrm>
+              <a:off x="1923706" y="2252694"/>
+              <a:ext cx="3435523" cy="2685659"/>
+            </a:xfrm>
+            <a:custGeom>
+              <a:avLst/>
+              <a:gdLst>
+                <a:gd name="connsiteX0" fmla="*/ 0 w 4020938"/>
+                <a:gd name="connsiteY0" fmla="*/ 2622088 h 2622088"/>
+                <a:gd name="connsiteX1" fmla="*/ 2815868 w 4020938"/>
+                <a:gd name="connsiteY1" fmla="*/ 2180027 h 2622088"/>
+                <a:gd name="connsiteX2" fmla="*/ 4020938 w 4020938"/>
+                <a:gd name="connsiteY2" fmla="*/ 0 h 2622088"/>
+              </a:gdLst>
+              <a:ahLst/>
+              <a:cxnLst>
+                <a:cxn ang="0">
+                  <a:pos x="connsiteX0" y="connsiteY0"/>
+                </a:cxn>
+                <a:cxn ang="0">
+                  <a:pos x="connsiteX1" y="connsiteY1"/>
+                </a:cxn>
+                <a:cxn ang="0">
+                  <a:pos x="connsiteX2" y="connsiteY2"/>
+                </a:cxn>
+              </a:cxnLst>
+              <a:rect l="l" t="t" r="r" b="b"/>
+              <a:pathLst>
+                <a:path w="4020938" h="2622088">
+                  <a:moveTo>
+                    <a:pt x="0" y="2622088"/>
+                  </a:moveTo>
+                  <a:cubicBezTo>
+                    <a:pt x="1072856" y="2619565"/>
+                    <a:pt x="2145712" y="2617042"/>
+                    <a:pt x="2815868" y="2180027"/>
+                  </a:cubicBezTo>
+                  <a:cubicBezTo>
+                    <a:pt x="3486024" y="1743012"/>
+                    <a:pt x="3753481" y="871506"/>
+                    <a:pt x="4020938" y="0"/>
+                  </a:cubicBezTo>
+                </a:path>
+              </a:pathLst>
+            </a:custGeom>
+            <a:noFill/>
+            <a:ln w="63500">
+              <a:solidFill>
+                <a:srgbClr val="FFC000"/>
+              </a:solidFill>
+            </a:ln>
+          </p:spPr>
+          <p:style>
+            <a:lnRef idx="2">
+              <a:schemeClr val="accent1">
+                <a:shade val="50000"/>
+              </a:schemeClr>
+            </a:lnRef>
+            <a:fillRef idx="1">
+              <a:schemeClr val="accent1"/>
+            </a:fillRef>
+            <a:effectRef idx="0">
+              <a:schemeClr val="accent1"/>
+            </a:effectRef>
+            <a:fontRef idx="minor">
+              <a:schemeClr val="lt1"/>
+            </a:fontRef>
+          </p:style>
+          <p:txBody>
+            <a:bodyPr rtlCol="0" anchor="ctr"/>
+            <a:lstStyle/>
+            <a:p>
+              <a:pPr algn="ctr"/>
+              <a:endParaRPr lang="en-US" dirty="0"/>
+            </a:p>
+          </p:txBody>
+        </p:sp>
+        <p:sp>
+          <p:nvSpPr>
+            <p:cNvPr id="39" name="Freeform 38">
+              <a:extLst>
+                <a:ext uri="{FF2B5EF4-FFF2-40B4-BE49-F238E27FC236}">
+                  <a16:creationId xmlns:a16="http://schemas.microsoft.com/office/drawing/2014/main" id="{5159B7A7-916A-3988-8E60-45711B6AA24F}"/>
+                </a:ext>
+              </a:extLst>
+            </p:cNvPr>
+            <p:cNvSpPr/>
+            <p:nvPr/>
+          </p:nvSpPr>
+          <p:spPr>
+            <a:xfrm>
+              <a:off x="2204257" y="1975649"/>
+              <a:ext cx="3154971" cy="2741686"/>
+            </a:xfrm>
+            <a:custGeom>
+              <a:avLst/>
+              <a:gdLst>
+                <a:gd name="connsiteX0" fmla="*/ 0 w 2949092"/>
+                <a:gd name="connsiteY0" fmla="*/ 0 h 2906702"/>
+                <a:gd name="connsiteX1" fmla="*/ 520785 w 2949092"/>
+                <a:gd name="connsiteY1" fmla="*/ 2264805 h 2906702"/>
+                <a:gd name="connsiteX2" fmla="*/ 2949092 w 2949092"/>
+                <a:gd name="connsiteY2" fmla="*/ 2906702 h 2906702"/>
+              </a:gdLst>
+              <a:ahLst/>
+              <a:cxnLst>
+                <a:cxn ang="0">
+                  <a:pos x="connsiteX0" y="connsiteY0"/>
+                </a:cxn>
+                <a:cxn ang="0">
+                  <a:pos x="connsiteX1" y="connsiteY1"/>
+                </a:cxn>
+                <a:cxn ang="0">
+                  <a:pos x="connsiteX2" y="connsiteY2"/>
+                </a:cxn>
+              </a:cxnLst>
+              <a:rect l="l" t="t" r="r" b="b"/>
+              <a:pathLst>
+                <a:path w="2949092" h="2906702">
+                  <a:moveTo>
+                    <a:pt x="0" y="0"/>
+                  </a:moveTo>
+                  <a:cubicBezTo>
+                    <a:pt x="14635" y="890177"/>
+                    <a:pt x="29270" y="1780355"/>
+                    <a:pt x="520785" y="2264805"/>
+                  </a:cubicBezTo>
+                  <a:cubicBezTo>
+                    <a:pt x="1012300" y="2749255"/>
+                    <a:pt x="1980696" y="2827978"/>
+                    <a:pt x="2949092" y="2906702"/>
+                  </a:cubicBezTo>
+                </a:path>
+              </a:pathLst>
+            </a:custGeom>
+            <a:noFill/>
+            <a:ln w="63500">
+              <a:solidFill>
+                <a:srgbClr val="0070C0"/>
+              </a:solidFill>
+              <a:prstDash val="sysDot"/>
+            </a:ln>
+          </p:spPr>
+          <p:style>
+            <a:lnRef idx="2">
+              <a:schemeClr val="accent1">
+                <a:shade val="50000"/>
+              </a:schemeClr>
+            </a:lnRef>
+            <a:fillRef idx="1">
+              <a:schemeClr val="accent1"/>
+            </a:fillRef>
+            <a:effectRef idx="0">
+              <a:schemeClr val="accent1"/>
+            </a:effectRef>
+            <a:fontRef idx="minor">
+              <a:schemeClr val="lt1"/>
+            </a:fontRef>
+          </p:style>
+          <p:txBody>
+            <a:bodyPr rtlCol="0" anchor="ctr"/>
+            <a:lstStyle/>
+            <a:p>
+              <a:pPr algn="ctr"/>
+              <a:endParaRPr lang="en-US" dirty="0"/>
+            </a:p>
+          </p:txBody>
+        </p:sp>
+        <p:cxnSp>
+          <p:nvCxnSpPr>
+            <p:cNvPr id="41" name="Straight Connector 40">
+              <a:extLst>
+                <a:ext uri="{FF2B5EF4-FFF2-40B4-BE49-F238E27FC236}">
+                  <a16:creationId xmlns:a16="http://schemas.microsoft.com/office/drawing/2014/main" id="{DBD337B8-1E5F-13D9-10F9-7F352318BFED}"/>
+                </a:ext>
+              </a:extLst>
+            </p:cNvPr>
+            <p:cNvCxnSpPr>
+              <a:cxnSpLocks/>
+            </p:cNvCxnSpPr>
+            <p:nvPr/>
+          </p:nvCxnSpPr>
+          <p:spPr>
+            <a:xfrm>
+              <a:off x="5434488" y="1769757"/>
+              <a:ext cx="0" cy="3159525"/>
+            </a:xfrm>
+            <a:prstGeom prst="line">
+              <a:avLst/>
+            </a:prstGeom>
+            <a:ln w="25400">
+              <a:solidFill>
+                <a:srgbClr val="FF0000"/>
+              </a:solidFill>
+              <a:prstDash val="dash"/>
+            </a:ln>
+          </p:spPr>
+          <p:style>
+            <a:lnRef idx="1">
+              <a:schemeClr val="accent1"/>
+            </a:lnRef>
+            <a:fillRef idx="0">
+              <a:schemeClr val="accent1"/>
+            </a:fillRef>
+            <a:effectRef idx="0">
+              <a:schemeClr val="accent1"/>
+            </a:effectRef>
+            <a:fontRef idx="minor">
+              <a:schemeClr val="tx1"/>
+            </a:fontRef>
+          </p:style>
+        </p:cxnSp>
+      </p:grpSp>
+      <p:grpSp>
+        <p:nvGrpSpPr>
+          <p:cNvPr id="4" name="Group 3">
+            <a:extLst>
+              <a:ext uri="{FF2B5EF4-FFF2-40B4-BE49-F238E27FC236}">
+                <a16:creationId xmlns:a16="http://schemas.microsoft.com/office/drawing/2014/main" id="{2A8C0483-37E3-77EA-9A51-9EFA03EBEB6B}"/>
+              </a:ext>
+            </a:extLst>
+          </p:cNvPr>
+          <p:cNvGrpSpPr/>
+          <p:nvPr/>
+        </p:nvGrpSpPr>
+        <p:grpSpPr>
+          <a:xfrm>
+            <a:off x="2891159" y="356724"/>
+            <a:ext cx="2024008" cy="965963"/>
+            <a:chOff x="2891159" y="356724"/>
+            <a:chExt cx="2024008" cy="965963"/>
+          </a:xfrm>
+        </p:grpSpPr>
+        <p:grpSp>
+          <p:nvGrpSpPr>
+            <p:cNvPr id="10" name="Group 9">
+              <a:extLst>
+                <a:ext uri="{FF2B5EF4-FFF2-40B4-BE49-F238E27FC236}">
+                  <a16:creationId xmlns:a16="http://schemas.microsoft.com/office/drawing/2014/main" id="{C8F8795D-00D2-A2B5-BF53-C2898C381CA5}"/>
+                </a:ext>
+              </a:extLst>
+            </p:cNvPr>
+            <p:cNvGrpSpPr/>
+            <p:nvPr/>
+          </p:nvGrpSpPr>
+          <p:grpSpPr>
+            <a:xfrm>
+              <a:off x="2891159" y="653280"/>
+              <a:ext cx="2024008" cy="369332"/>
+              <a:chOff x="2889072" y="627904"/>
+              <a:chExt cx="2024008" cy="369332"/>
+            </a:xfrm>
+          </p:grpSpPr>
+          <p:sp>
+            <p:nvSpPr>
+              <p:cNvPr id="47" name="TextBox 46">
+                <a:extLst>
+                  <a:ext uri="{FF2B5EF4-FFF2-40B4-BE49-F238E27FC236}">
+                    <a16:creationId xmlns:a16="http://schemas.microsoft.com/office/drawing/2014/main" id="{75A1F988-07B6-2125-0565-07CD24292ED5}"/>
+                  </a:ext>
+                </a:extLst>
+              </p:cNvPr>
+              <p:cNvSpPr txBox="1"/>
+              <p:nvPr/>
+            </p:nvSpPr>
+            <p:spPr>
+              <a:xfrm>
+                <a:off x="3359257" y="627904"/>
+                <a:ext cx="1553823" cy="369332"/>
+              </a:xfrm>
+              <a:prstGeom prst="rect">
+                <a:avLst/>
+              </a:prstGeom>
+              <a:noFill/>
+            </p:spPr>
+            <p:txBody>
+              <a:bodyPr wrap="none" rtlCol="0">
+                <a:spAutoFit/>
+              </a:bodyPr>
+              <a:lstStyle/>
+              <a:p>
+                <a:r>
+                  <a:rPr lang="en-US" dirty="0">
+                    <a:solidFill>
+                      <a:srgbClr val="0070C0"/>
+                    </a:solidFill>
+                  </a:rPr>
+                  <a:t># of Sentences</a:t>
+                </a:r>
+              </a:p>
+            </p:txBody>
+          </p:sp>
+          <p:cxnSp>
+            <p:nvCxnSpPr>
+              <p:cNvPr id="50" name="Straight Connector 49">
+                <a:extLst>
+                  <a:ext uri="{FF2B5EF4-FFF2-40B4-BE49-F238E27FC236}">
+                    <a16:creationId xmlns:a16="http://schemas.microsoft.com/office/drawing/2014/main" id="{9088767F-99B5-3D28-1A21-F000DA4880B9}"/>
+                  </a:ext>
+                </a:extLst>
+              </p:cNvPr>
+              <p:cNvCxnSpPr>
+                <a:cxnSpLocks/>
+              </p:cNvCxnSpPr>
+              <p:nvPr/>
+            </p:nvCxnSpPr>
+            <p:spPr>
+              <a:xfrm>
+                <a:off x="2889072" y="812570"/>
+                <a:ext cx="446522" cy="0"/>
+              </a:xfrm>
+              <a:prstGeom prst="line">
+                <a:avLst/>
+              </a:prstGeom>
+              <a:ln w="41275">
+                <a:solidFill>
+                  <a:srgbClr val="0070C0"/>
+                </a:solidFill>
+                <a:prstDash val="sysDot"/>
+              </a:ln>
+            </p:spPr>
+            <p:style>
+              <a:lnRef idx="1">
+                <a:schemeClr val="accent1"/>
+              </a:lnRef>
+              <a:fillRef idx="0">
+                <a:schemeClr val="accent1"/>
+              </a:fillRef>
+              <a:effectRef idx="0">
+                <a:schemeClr val="accent1"/>
+              </a:effectRef>
+              <a:fontRef idx="minor">
+                <a:schemeClr val="tx1"/>
+              </a:fontRef>
+            </p:style>
+          </p:cxnSp>
+        </p:grpSp>
+        <p:grpSp>
+          <p:nvGrpSpPr>
+            <p:cNvPr id="9" name="Group 8">
+              <a:extLst>
+                <a:ext uri="{FF2B5EF4-FFF2-40B4-BE49-F238E27FC236}">
+                  <a16:creationId xmlns:a16="http://schemas.microsoft.com/office/drawing/2014/main" id="{0D013286-4266-C0BD-AEF6-66B8BBE54190}"/>
+                </a:ext>
+              </a:extLst>
+            </p:cNvPr>
+            <p:cNvGrpSpPr/>
+            <p:nvPr/>
+          </p:nvGrpSpPr>
+          <p:grpSpPr>
+            <a:xfrm>
+              <a:off x="2891159" y="356724"/>
+              <a:ext cx="1412695" cy="369332"/>
+              <a:chOff x="2898524" y="336769"/>
+              <a:chExt cx="1412695" cy="369332"/>
+            </a:xfrm>
+          </p:grpSpPr>
+          <p:sp>
+            <p:nvSpPr>
+              <p:cNvPr id="48" name="TextBox 47">
+                <a:extLst>
+                  <a:ext uri="{FF2B5EF4-FFF2-40B4-BE49-F238E27FC236}">
+                    <a16:creationId xmlns:a16="http://schemas.microsoft.com/office/drawing/2014/main" id="{F5B5B5B5-EBE8-0052-0286-D293575FB611}"/>
+                  </a:ext>
+                </a:extLst>
+              </p:cNvPr>
+              <p:cNvSpPr txBox="1"/>
+              <p:nvPr/>
+            </p:nvSpPr>
+            <p:spPr>
+              <a:xfrm>
+                <a:off x="3368332" y="336769"/>
+                <a:ext cx="942887" cy="369332"/>
+              </a:xfrm>
+              <a:prstGeom prst="rect">
+                <a:avLst/>
+              </a:prstGeom>
+              <a:noFill/>
+            </p:spPr>
+            <p:txBody>
+              <a:bodyPr wrap="none" rtlCol="0">
+                <a:spAutoFit/>
+              </a:bodyPr>
+              <a:lstStyle/>
+              <a:p>
+                <a:r>
+                  <a:rPr lang="en-US" dirty="0">
+                    <a:solidFill>
+                      <a:srgbClr val="FFC000"/>
+                    </a:solidFill>
+                  </a:rPr>
+                  <a:t># of FNs</a:t>
+                </a:r>
+              </a:p>
+            </p:txBody>
+          </p:sp>
+          <p:cxnSp>
+            <p:nvCxnSpPr>
+              <p:cNvPr id="52" name="Straight Connector 51">
+                <a:extLst>
+                  <a:ext uri="{FF2B5EF4-FFF2-40B4-BE49-F238E27FC236}">
+                    <a16:creationId xmlns:a16="http://schemas.microsoft.com/office/drawing/2014/main" id="{C0DDDB84-8748-2F18-E126-69B983DF2829}"/>
+                  </a:ext>
+                </a:extLst>
+              </p:cNvPr>
+              <p:cNvCxnSpPr>
+                <a:cxnSpLocks/>
+              </p:cNvCxnSpPr>
+              <p:nvPr/>
+            </p:nvCxnSpPr>
+            <p:spPr>
+              <a:xfrm>
+                <a:off x="2898524" y="521435"/>
+                <a:ext cx="446522" cy="0"/>
+              </a:xfrm>
+              <a:prstGeom prst="line">
+                <a:avLst/>
+              </a:prstGeom>
+              <a:ln w="41275">
+                <a:solidFill>
+                  <a:srgbClr val="FFC000"/>
+                </a:solidFill>
+              </a:ln>
+            </p:spPr>
+            <p:style>
+              <a:lnRef idx="1">
+                <a:schemeClr val="accent1"/>
+              </a:lnRef>
+              <a:fillRef idx="0">
+                <a:schemeClr val="accent1"/>
+              </a:fillRef>
+              <a:effectRef idx="0">
+                <a:schemeClr val="accent1"/>
+              </a:effectRef>
+              <a:fontRef idx="minor">
+                <a:schemeClr val="tx1"/>
+              </a:fontRef>
+            </p:style>
+          </p:cxnSp>
+        </p:grpSp>
+        <p:grpSp>
+          <p:nvGrpSpPr>
+            <p:cNvPr id="11" name="Group 10">
+              <a:extLst>
+                <a:ext uri="{FF2B5EF4-FFF2-40B4-BE49-F238E27FC236}">
+                  <a16:creationId xmlns:a16="http://schemas.microsoft.com/office/drawing/2014/main" id="{FDA15348-F267-CAA4-BB47-036CD4802BDF}"/>
+                </a:ext>
+              </a:extLst>
+            </p:cNvPr>
+            <p:cNvGrpSpPr/>
+            <p:nvPr/>
+          </p:nvGrpSpPr>
+          <p:grpSpPr>
+            <a:xfrm>
+              <a:off x="2891159" y="953355"/>
+              <a:ext cx="1598592" cy="369332"/>
+              <a:chOff x="2891159" y="953355"/>
+              <a:chExt cx="1598592" cy="369332"/>
+            </a:xfrm>
+          </p:grpSpPr>
+          <p:cxnSp>
+            <p:nvCxnSpPr>
+              <p:cNvPr id="56" name="Straight Connector 55">
+                <a:extLst>
+                  <a:ext uri="{FF2B5EF4-FFF2-40B4-BE49-F238E27FC236}">
+                    <a16:creationId xmlns:a16="http://schemas.microsoft.com/office/drawing/2014/main" id="{B0AE1420-2C03-573C-B80C-6DEB08BA7FD5}"/>
+                  </a:ext>
+                </a:extLst>
+              </p:cNvPr>
+              <p:cNvCxnSpPr>
+                <a:cxnSpLocks/>
+              </p:cNvCxnSpPr>
+              <p:nvPr/>
+            </p:nvCxnSpPr>
+            <p:spPr>
+              <a:xfrm>
+                <a:off x="2891159" y="1131698"/>
+                <a:ext cx="446522" cy="0"/>
+              </a:xfrm>
+              <a:prstGeom prst="line">
+                <a:avLst/>
+              </a:prstGeom>
+              <a:ln w="25400">
+                <a:solidFill>
+                  <a:srgbClr val="FF0000"/>
+                </a:solidFill>
+                <a:prstDash val="sysDash"/>
+              </a:ln>
+            </p:spPr>
+            <p:style>
+              <a:lnRef idx="1">
+                <a:schemeClr val="accent1"/>
+              </a:lnRef>
+              <a:fillRef idx="0">
+                <a:schemeClr val="accent1"/>
+              </a:fillRef>
+              <a:effectRef idx="0">
+                <a:schemeClr val="accent1"/>
+              </a:effectRef>
+              <a:fontRef idx="minor">
+                <a:schemeClr val="tx1"/>
+              </a:fontRef>
+            </p:style>
+          </p:cxnSp>
+          <p:sp>
+            <p:nvSpPr>
+              <p:cNvPr id="57" name="TextBox 56">
+                <a:extLst>
+                  <a:ext uri="{FF2B5EF4-FFF2-40B4-BE49-F238E27FC236}">
+                    <a16:creationId xmlns:a16="http://schemas.microsoft.com/office/drawing/2014/main" id="{E016F39E-9A29-4002-1EF3-47655F2F44FA}"/>
+                  </a:ext>
+                </a:extLst>
+              </p:cNvPr>
+              <p:cNvSpPr txBox="1"/>
+              <p:nvPr/>
+            </p:nvSpPr>
+            <p:spPr>
+              <a:xfrm>
+                <a:off x="3370342" y="953355"/>
+                <a:ext cx="1119409" cy="369332"/>
+              </a:xfrm>
+              <a:prstGeom prst="rect">
+                <a:avLst/>
+              </a:prstGeom>
+              <a:noFill/>
+            </p:spPr>
+            <p:txBody>
+              <a:bodyPr wrap="none" rtlCol="0">
+                <a:spAutoFit/>
+              </a:bodyPr>
+              <a:lstStyle/>
+              <a:p>
+                <a:r>
+                  <a:rPr lang="en-US" dirty="0">
+                    <a:solidFill>
+                      <a:srgbClr val="FF0000"/>
+                    </a:solidFill>
+                  </a:rPr>
+                  <a:t>Threshold</a:t>
+                </a:r>
+              </a:p>
+            </p:txBody>
+          </p:sp>
+        </p:grpSp>
+      </p:grpSp>
+      <p:sp>
+        <p:nvSpPr>
+          <p:cNvPr id="7" name="Freeform 6">
+            <a:extLst>
+              <a:ext uri="{FF2B5EF4-FFF2-40B4-BE49-F238E27FC236}">
+                <a16:creationId xmlns:a16="http://schemas.microsoft.com/office/drawing/2014/main" id="{2E823F69-843B-7E09-9166-0CC1DA7ABA6C}"/>
+              </a:ext>
+            </a:extLst>
+          </p:cNvPr>
+          <p:cNvSpPr/>
+          <p:nvPr/>
+        </p:nvSpPr>
+        <p:spPr>
+          <a:xfrm>
+            <a:off x="1307207" y="4238626"/>
+            <a:ext cx="1738647" cy="165950"/>
+          </a:xfrm>
+          <a:custGeom>
+            <a:avLst/>
+            <a:gdLst>
+              <a:gd name="connsiteX0" fmla="*/ 0 w 1860997"/>
+              <a:gd name="connsiteY0" fmla="*/ 212501 h 218941"/>
+              <a:gd name="connsiteX1" fmla="*/ 1860997 w 1860997"/>
+              <a:gd name="connsiteY1" fmla="*/ 218941 h 218941"/>
+              <a:gd name="connsiteX2" fmla="*/ 1860997 w 1860997"/>
+              <a:gd name="connsiteY2" fmla="*/ 0 h 218941"/>
+              <a:gd name="connsiteX3" fmla="*/ 1461752 w 1860997"/>
+              <a:gd name="connsiteY3" fmla="*/ 122349 h 218941"/>
+              <a:gd name="connsiteX4" fmla="*/ 746974 w 1860997"/>
+              <a:gd name="connsiteY4" fmla="*/ 206062 h 218941"/>
+              <a:gd name="connsiteX5" fmla="*/ 0 w 1860997"/>
+              <a:gd name="connsiteY5" fmla="*/ 212501 h 218941"/>
+            </a:gdLst>
+            <a:ahLst/>
+            <a:cxnLst>
+              <a:cxn ang="0">
+                <a:pos x="connsiteX0" y="connsiteY0"/>
+              </a:cxn>
+              <a:cxn ang="0">
+                <a:pos x="connsiteX1" y="connsiteY1"/>
+              </a:cxn>
+              <a:cxn ang="0">
+                <a:pos x="connsiteX2" y="connsiteY2"/>
+              </a:cxn>
+              <a:cxn ang="0">
+                <a:pos x="connsiteX3" y="connsiteY3"/>
+              </a:cxn>
+              <a:cxn ang="0">
+                <a:pos x="connsiteX4" y="connsiteY4"/>
+              </a:cxn>
+              <a:cxn ang="0">
+                <a:pos x="connsiteX5" y="connsiteY5"/>
+              </a:cxn>
+            </a:cxnLst>
+            <a:rect l="l" t="t" r="r" b="b"/>
+            <a:pathLst>
+              <a:path w="1860997" h="218941">
+                <a:moveTo>
+                  <a:pt x="0" y="212501"/>
+                </a:moveTo>
+                <a:lnTo>
+                  <a:pt x="1860997" y="218941"/>
+                </a:lnTo>
+                <a:lnTo>
+                  <a:pt x="1860997" y="0"/>
+                </a:lnTo>
+                <a:lnTo>
+                  <a:pt x="1461752" y="122349"/>
+                </a:lnTo>
+                <a:lnTo>
+                  <a:pt x="746974" y="206062"/>
+                </a:lnTo>
+                <a:lnTo>
+                  <a:pt x="0" y="212501"/>
+                </a:lnTo>
+                <a:close/>
+              </a:path>
+            </a:pathLst>
+          </a:custGeom>
+          <a:pattFill prst="wdDnDiag">
+            <a:fgClr>
+              <a:schemeClr val="tx1"/>
+            </a:fgClr>
+            <a:bgClr>
+              <a:schemeClr val="bg1"/>
+            </a:bgClr>
+          </a:pattFill>
+          <a:ln>
+            <a:noFill/>
+          </a:ln>
+        </p:spPr>
+        <p:style>
+          <a:lnRef idx="2">
+            <a:schemeClr val="accent1">
+              <a:shade val="50000"/>
+            </a:schemeClr>
+          </a:lnRef>
+          <a:fillRef idx="1">
+            <a:schemeClr val="accent1"/>
+          </a:fillRef>
+          <a:effectRef idx="0">
+            <a:schemeClr val="accent1"/>
+          </a:effectRef>
+          <a:fontRef idx="minor">
+            <a:schemeClr val="lt1"/>
+          </a:fontRef>
+        </p:style>
+        <p:txBody>
+          <a:bodyPr rtlCol="0" anchor="ctr"/>
+          <a:lstStyle/>
+          <a:p>
+            <a:pPr algn="ctr"/>
+            <a:endParaRPr lang="en-US"/>
+          </a:p>
+        </p:txBody>
+      </p:sp>
+      <mc:AlternateContent xmlns:mc="http://schemas.openxmlformats.org/markup-compatibility/2006">
+        <mc:Choice xmlns:a14="http://schemas.microsoft.com/office/drawing/2010/main" Requires="a14">
+          <p:sp>
+            <p:nvSpPr>
+              <p:cNvPr id="16" name="TextBox 15">
+                <a:extLst>
+                  <a:ext uri="{FF2B5EF4-FFF2-40B4-BE49-F238E27FC236}">
+                    <a16:creationId xmlns:a16="http://schemas.microsoft.com/office/drawing/2014/main" id="{830D83C7-F3E4-E2A4-0BD5-6A85A705B8C9}"/>
+                  </a:ext>
+                </a:extLst>
+              </p:cNvPr>
+              <p:cNvSpPr txBox="1"/>
+              <p:nvPr/>
+            </p:nvSpPr>
+            <p:spPr>
+              <a:xfrm>
+                <a:off x="2795545" y="4405815"/>
+                <a:ext cx="542136" cy="369332"/>
+              </a:xfrm>
+              <a:prstGeom prst="rect">
+                <a:avLst/>
+              </a:prstGeom>
+              <a:noFill/>
+            </p:spPr>
+            <p:txBody>
+              <a:bodyPr wrap="none" rtlCol="0">
+                <a:spAutoFit/>
+              </a:bodyPr>
+              <a:lstStyle/>
+              <a:p>
+                <a:pPr/>
+                <a14:m>
+                  <m:oMathPara xmlns:m="http://schemas.openxmlformats.org/officeDocument/2006/math">
+                    <m:oMathParaPr>
+                      <m:jc m:val="centerGroup"/>
+                    </m:oMathParaPr>
+                    <m:oMath xmlns:m="http://schemas.openxmlformats.org/officeDocument/2006/math">
+                      <m:r>
+                        <a:rPr lang="en-US" b="0" i="1" smtClean="0">
+                          <a:latin typeface="Cambria Math" panose="02040503050406030204" pitchFamily="18" charset="0"/>
+                        </a:rPr>
+                        <m:t>0.5</m:t>
+                      </m:r>
+                    </m:oMath>
+                  </m:oMathPara>
+                </a14:m>
+                <a:endParaRPr lang="en-US" dirty="0"/>
+              </a:p>
+            </p:txBody>
+          </p:sp>
+        </mc:Choice>
+        <mc:Fallback>
+          <p:sp>
+            <p:nvSpPr>
+              <p:cNvPr id="16" name="TextBox 15">
+                <a:extLst>
+                  <a:ext uri="{FF2B5EF4-FFF2-40B4-BE49-F238E27FC236}">
+                    <a16:creationId xmlns:a16="http://schemas.microsoft.com/office/drawing/2014/main" id="{830D83C7-F3E4-E2A4-0BD5-6A85A705B8C9}"/>
+                  </a:ext>
+                </a:extLst>
+              </p:cNvPr>
+              <p:cNvSpPr txBox="1">
+                <a:spLocks noRot="1" noChangeAspect="1" noMove="1" noResize="1" noEditPoints="1" noAdjustHandles="1" noChangeArrowheads="1" noChangeShapeType="1" noTextEdit="1"/>
+              </p:cNvSpPr>
+              <p:nvPr/>
+            </p:nvSpPr>
+            <p:spPr>
+              <a:xfrm>
+                <a:off x="2795545" y="4405815"/>
+                <a:ext cx="542136" cy="369332"/>
+              </a:xfrm>
+              <a:prstGeom prst="rect">
+                <a:avLst/>
+              </a:prstGeom>
+              <a:blipFill>
+                <a:blip r:embed="rId6"/>
+                <a:stretch>
+                  <a:fillRect/>
+                </a:stretch>
+              </a:blipFill>
+            </p:spPr>
+            <p:txBody>
+              <a:bodyPr/>
+              <a:lstStyle/>
+              <a:p>
+                <a:r>
+                  <a:rPr lang="en-US">
+                    <a:noFill/>
+                  </a:rPr>
+                  <a:t> </a:t>
+                </a:r>
+              </a:p>
+            </p:txBody>
+          </p:sp>
+        </mc:Fallback>
+      </mc:AlternateContent>
+      <p:cxnSp>
+        <p:nvCxnSpPr>
+          <p:cNvPr id="18" name="Straight Connector 17">
+            <a:extLst>
+              <a:ext uri="{FF2B5EF4-FFF2-40B4-BE49-F238E27FC236}">
+                <a16:creationId xmlns:a16="http://schemas.microsoft.com/office/drawing/2014/main" id="{9F134108-06D5-437A-389B-7FFF27AA3B3B}"/>
+              </a:ext>
+            </a:extLst>
+          </p:cNvPr>
+          <p:cNvCxnSpPr>
+            <a:cxnSpLocks/>
+            <a:stCxn id="16" idx="0"/>
+          </p:cNvCxnSpPr>
+          <p:nvPr/>
+        </p:nvCxnSpPr>
+        <p:spPr>
+          <a:xfrm>
+            <a:off x="3066613" y="4405815"/>
+            <a:ext cx="0" cy="54864"/>
+          </a:xfrm>
+          <a:prstGeom prst="line">
+            <a:avLst/>
+          </a:prstGeom>
+          <a:ln w="22225">
+            <a:solidFill>
+              <a:schemeClr val="tx1"/>
+            </a:solidFill>
+          </a:ln>
+        </p:spPr>
+        <p:style>
+          <a:lnRef idx="1">
+            <a:schemeClr val="accent1"/>
+          </a:lnRef>
+          <a:fillRef idx="0">
+            <a:schemeClr val="accent1"/>
+          </a:fillRef>
+          <a:effectRef idx="0">
+            <a:schemeClr val="accent1"/>
+          </a:effectRef>
+          <a:fontRef idx="minor">
+            <a:schemeClr val="tx1"/>
+          </a:fontRef>
+        </p:style>
+      </p:cxnSp>
+      <p:sp>
+        <p:nvSpPr>
+          <p:cNvPr id="5" name="TextBox 4">
+            <a:extLst>
+              <a:ext uri="{FF2B5EF4-FFF2-40B4-BE49-F238E27FC236}">
+                <a16:creationId xmlns:a16="http://schemas.microsoft.com/office/drawing/2014/main" id="{89E4BA0E-9F4C-01DB-2655-C56514CBE5AF}"/>
               </a:ext>
             </a:extLst>
           </p:cNvPr>
@@ -4070,9 +7483,9 @@
           <p:nvPr/>
         </p:nvSpPr>
         <p:spPr>
-          <a:xfrm>
-            <a:off x="804930" y="1114022"/>
-            <a:ext cx="2823337" cy="1477328"/>
+          <a:xfrm rot="16200000">
+            <a:off x="504489" y="2568854"/>
+            <a:ext cx="748410" cy="369332"/>
           </a:xfrm>
           <a:prstGeom prst="rect">
             <a:avLst/>
@@ -4085,53 +7498,114 @@
           </a:bodyPr>
           <a:lstStyle/>
           <a:p>
-            <a:pPr marL="285750" indent="-285750">
-              <a:buFont typeface="Arial" panose="020B0604020202020204" pitchFamily="34" charset="0"/>
-              <a:buChar char="•"/>
-            </a:pPr>
             <a:r>
               <a:rPr lang="en-US" dirty="0"/>
-              <a:t>Background</a:t>
-            </a:r>
-          </a:p>
-          <a:p>
-            <a:pPr marL="285750" indent="-285750">
-              <a:buFont typeface="Arial" panose="020B0604020202020204" pitchFamily="34" charset="0"/>
-              <a:buChar char="•"/>
-            </a:pPr>
+              <a:t>Count</a:t>
+            </a:r>
+          </a:p>
+        </p:txBody>
+      </p:sp>
+      <p:sp>
+        <p:nvSpPr>
+          <p:cNvPr id="6" name="TextBox 5">
+            <a:extLst>
+              <a:ext uri="{FF2B5EF4-FFF2-40B4-BE49-F238E27FC236}">
+                <a16:creationId xmlns:a16="http://schemas.microsoft.com/office/drawing/2014/main" id="{FD6066F4-30F6-F8EB-3FD3-9CDFFFBA6E8E}"/>
+              </a:ext>
+            </a:extLst>
+          </p:cNvPr>
+          <p:cNvSpPr txBox="1"/>
+          <p:nvPr/>
+        </p:nvSpPr>
+        <p:spPr>
+          <a:xfrm>
+            <a:off x="2184320" y="4736123"/>
+            <a:ext cx="1764586" cy="369332"/>
+          </a:xfrm>
+          <a:prstGeom prst="rect">
+            <a:avLst/>
+          </a:prstGeom>
+          <a:noFill/>
+        </p:spPr>
+        <p:txBody>
+          <a:bodyPr wrap="none" rtlCol="0">
+            <a:spAutoFit/>
+          </a:bodyPr>
+          <a:lstStyle/>
+          <a:p>
             <a:r>
               <a:rPr lang="en-US" dirty="0"/>
-              <a:t>Motivation</a:t>
-            </a:r>
-          </a:p>
-          <a:p>
-            <a:pPr marL="285750" indent="-285750">
-              <a:buFont typeface="Arial" panose="020B0604020202020204" pitchFamily="34" charset="0"/>
-              <a:buChar char="•"/>
-            </a:pPr>
+              <a:t>Probability Score</a:t>
+            </a:r>
+          </a:p>
+        </p:txBody>
+      </p:sp>
+      <p:sp>
+        <p:nvSpPr>
+          <p:cNvPr id="8" name="TextBox 7">
+            <a:extLst>
+              <a:ext uri="{FF2B5EF4-FFF2-40B4-BE49-F238E27FC236}">
+                <a16:creationId xmlns:a16="http://schemas.microsoft.com/office/drawing/2014/main" id="{3ABBEAE4-0AFF-77B7-939C-E1FB4441AAF2}"/>
+              </a:ext>
+            </a:extLst>
+          </p:cNvPr>
+          <p:cNvSpPr txBox="1"/>
+          <p:nvPr/>
+        </p:nvSpPr>
+        <p:spPr>
+          <a:xfrm>
+            <a:off x="6990756" y="4732989"/>
+            <a:ext cx="1764586" cy="369332"/>
+          </a:xfrm>
+          <a:prstGeom prst="rect">
+            <a:avLst/>
+          </a:prstGeom>
+          <a:noFill/>
+        </p:spPr>
+        <p:txBody>
+          <a:bodyPr wrap="none" rtlCol="0">
+            <a:spAutoFit/>
+          </a:bodyPr>
+          <a:lstStyle/>
+          <a:p>
             <a:r>
               <a:rPr lang="en-US" dirty="0"/>
-              <a:t>FNs’ distribution Analysis</a:t>
-            </a:r>
-          </a:p>
-          <a:p>
-            <a:pPr marL="285750" indent="-285750">
-              <a:buFont typeface="Arial" panose="020B0604020202020204" pitchFamily="34" charset="0"/>
-              <a:buChar char="•"/>
-            </a:pPr>
+              <a:t>Probability Score</a:t>
+            </a:r>
+          </a:p>
+        </p:txBody>
+      </p:sp>
+      <p:sp>
+        <p:nvSpPr>
+          <p:cNvPr id="14" name="TextBox 13">
+            <a:extLst>
+              <a:ext uri="{FF2B5EF4-FFF2-40B4-BE49-F238E27FC236}">
+                <a16:creationId xmlns:a16="http://schemas.microsoft.com/office/drawing/2014/main" id="{BEAC9379-7EF3-F14B-F978-C74C6213B7F5}"/>
+              </a:ext>
+            </a:extLst>
+          </p:cNvPr>
+          <p:cNvSpPr txBox="1"/>
+          <p:nvPr/>
+        </p:nvSpPr>
+        <p:spPr>
+          <a:xfrm rot="16200000">
+            <a:off x="5453462" y="2568854"/>
+            <a:ext cx="748410" cy="369332"/>
+          </a:xfrm>
+          <a:prstGeom prst="rect">
+            <a:avLst/>
+          </a:prstGeom>
+          <a:noFill/>
+        </p:spPr>
+        <p:txBody>
+          <a:bodyPr wrap="none" rtlCol="0">
+            <a:spAutoFit/>
+          </a:bodyPr>
+          <a:lstStyle/>
+          <a:p>
             <a:r>
               <a:rPr lang="en-US" dirty="0"/>
-              <a:t>Case study</a:t>
-            </a:r>
-          </a:p>
-          <a:p>
-            <a:pPr marL="285750" indent="-285750">
-              <a:buFont typeface="Arial" panose="020B0604020202020204" pitchFamily="34" charset="0"/>
-              <a:buChar char="•"/>
-            </a:pPr>
-            <a:r>
-              <a:rPr lang="en-US" dirty="0"/>
-              <a:t>Conclusions</a:t>
+              <a:t>Count</a:t>
             </a:r>
           </a:p>
         </p:txBody>
@@ -4139,7 +7613,7 @@
     </p:spTree>
     <p:extLst>
       <p:ext uri="{BB962C8B-B14F-4D97-AF65-F5344CB8AC3E}">
-        <p14:creationId xmlns:p14="http://schemas.microsoft.com/office/powerpoint/2010/main" val="1763015063"/>
+        <p14:creationId xmlns:p14="http://schemas.microsoft.com/office/powerpoint/2010/main" val="1957403568"/>
       </p:ext>
     </p:extLst>
   </p:cSld>

--- a/test_slides.pptx
+++ b/test_slides.pptx
@@ -12,6 +12,9 @@
     <p:sldId id="261" r:id="rId6"/>
     <p:sldId id="260" r:id="rId7"/>
     <p:sldId id="262" r:id="rId8"/>
+    <p:sldId id="265" r:id="rId9"/>
+    <p:sldId id="264" r:id="rId10"/>
+    <p:sldId id="263" r:id="rId11"/>
   </p:sldIdLst>
   <p:sldSz cx="12192000" cy="6858000"/>
   <p:notesSz cx="6858000" cy="9144000"/>
@@ -3393,6 +3396,248 @@
     <p:extLst>
       <p:ext uri="{BB962C8B-B14F-4D97-AF65-F5344CB8AC3E}">
         <p14:creationId xmlns:p14="http://schemas.microsoft.com/office/powerpoint/2010/main" val="2540765899"/>
+      </p:ext>
+    </p:extLst>
+  </p:cSld>
+  <p:clrMapOvr>
+    <a:masterClrMapping/>
+  </p:clrMapOvr>
+</p:sld>
+</file>
+
+<file path=ppt/slides/slide10.xml><?xml version="1.0" encoding="utf-8"?>
+<p:sld xmlns:a="http://schemas.openxmlformats.org/drawingml/2006/main" xmlns:r="http://schemas.openxmlformats.org/officeDocument/2006/relationships" xmlns:p="http://schemas.openxmlformats.org/presentationml/2006/main">
+  <p:cSld>
+    <p:spTree>
+      <p:nvGrpSpPr>
+        <p:cNvPr id="1" name=""/>
+        <p:cNvGrpSpPr/>
+        <p:nvPr/>
+      </p:nvGrpSpPr>
+      <p:grpSpPr>
+        <a:xfrm>
+          <a:off x="0" y="0"/>
+          <a:ext cx="0" cy="0"/>
+          <a:chOff x="0" y="0"/>
+          <a:chExt cx="0" cy="0"/>
+        </a:xfrm>
+      </p:grpSpPr>
+      <p:grpSp>
+        <p:nvGrpSpPr>
+          <p:cNvPr id="14" name="Group 13">
+            <a:extLst>
+              <a:ext uri="{FF2B5EF4-FFF2-40B4-BE49-F238E27FC236}">
+                <a16:creationId xmlns:a16="http://schemas.microsoft.com/office/drawing/2014/main" id="{568F1C88-4119-91F0-5A8E-6ABD03D6F863}"/>
+              </a:ext>
+            </a:extLst>
+          </p:cNvPr>
+          <p:cNvGrpSpPr/>
+          <p:nvPr/>
+        </p:nvGrpSpPr>
+        <p:grpSpPr>
+          <a:xfrm>
+            <a:off x="5996635" y="1299710"/>
+            <a:ext cx="4963285" cy="4160932"/>
+            <a:chOff x="3047374" y="838045"/>
+            <a:chExt cx="4963285" cy="4160932"/>
+          </a:xfrm>
+        </p:grpSpPr>
+        <p:pic>
+          <p:nvPicPr>
+            <p:cNvPr id="11" name="Picture 10" descr="Chart&#10;&#10;Description automatically generated">
+              <a:extLst>
+                <a:ext uri="{FF2B5EF4-FFF2-40B4-BE49-F238E27FC236}">
+                  <a16:creationId xmlns:a16="http://schemas.microsoft.com/office/drawing/2014/main" id="{F1BC71CF-0130-4004-F8C6-B47E9CDB0F79}"/>
+                </a:ext>
+              </a:extLst>
+            </p:cNvPr>
+            <p:cNvPicPr>
+              <a:picLocks noChangeAspect="1"/>
+            </p:cNvPicPr>
+            <p:nvPr/>
+          </p:nvPicPr>
+          <p:blipFill>
+            <a:blip r:embed="rId2"/>
+            <a:stretch>
+              <a:fillRect/>
+            </a:stretch>
+          </p:blipFill>
+          <p:spPr>
+            <a:xfrm>
+              <a:off x="3047374" y="1276974"/>
+              <a:ext cx="4963285" cy="3362485"/>
+            </a:xfrm>
+            <a:prstGeom prst="rect">
+              <a:avLst/>
+            </a:prstGeom>
+          </p:spPr>
+        </p:pic>
+        <p:sp>
+          <p:nvSpPr>
+            <p:cNvPr id="12" name="TextBox 11">
+              <a:extLst>
+                <a:ext uri="{FF2B5EF4-FFF2-40B4-BE49-F238E27FC236}">
+                  <a16:creationId xmlns:a16="http://schemas.microsoft.com/office/drawing/2014/main" id="{D73D0D12-CAD4-EBD1-C307-422B5839892A}"/>
+                </a:ext>
+              </a:extLst>
+            </p:cNvPr>
+            <p:cNvSpPr txBox="1"/>
+            <p:nvPr/>
+          </p:nvSpPr>
+          <p:spPr>
+            <a:xfrm>
+              <a:off x="5093535" y="4629645"/>
+              <a:ext cx="1195648" cy="369332"/>
+            </a:xfrm>
+            <a:prstGeom prst="rect">
+              <a:avLst/>
+            </a:prstGeom>
+            <a:noFill/>
+          </p:spPr>
+          <p:txBody>
+            <a:bodyPr wrap="none" rtlCol="0">
+              <a:spAutoFit/>
+            </a:bodyPr>
+            <a:lstStyle/>
+            <a:p>
+              <a:r>
+                <a:rPr lang="en-US" dirty="0"/>
+                <a:t>Probability</a:t>
+              </a:r>
+            </a:p>
+          </p:txBody>
+        </p:sp>
+        <p:sp>
+          <p:nvSpPr>
+            <p:cNvPr id="13" name="TextBox 12">
+              <a:extLst>
+                <a:ext uri="{FF2B5EF4-FFF2-40B4-BE49-F238E27FC236}">
+                  <a16:creationId xmlns:a16="http://schemas.microsoft.com/office/drawing/2014/main" id="{07653683-29EC-B0A7-681A-65846FF5D58D}"/>
+                </a:ext>
+              </a:extLst>
+            </p:cNvPr>
+            <p:cNvSpPr txBox="1"/>
+            <p:nvPr/>
+          </p:nvSpPr>
+          <p:spPr>
+            <a:xfrm>
+              <a:off x="4931192" y="838045"/>
+              <a:ext cx="1671291" cy="369332"/>
+            </a:xfrm>
+            <a:prstGeom prst="rect">
+              <a:avLst/>
+            </a:prstGeom>
+            <a:noFill/>
+          </p:spPr>
+          <p:txBody>
+            <a:bodyPr wrap="none" rtlCol="0">
+              <a:spAutoFit/>
+            </a:bodyPr>
+            <a:lstStyle/>
+            <a:p>
+              <a:r>
+                <a:rPr lang="en-US" dirty="0"/>
+                <a:t>FNs distribution</a:t>
+              </a:r>
+            </a:p>
+          </p:txBody>
+        </p:sp>
+      </p:grpSp>
+      <p:sp>
+        <p:nvSpPr>
+          <p:cNvPr id="15" name="TextBox 14">
+            <a:extLst>
+              <a:ext uri="{FF2B5EF4-FFF2-40B4-BE49-F238E27FC236}">
+                <a16:creationId xmlns:a16="http://schemas.microsoft.com/office/drawing/2014/main" id="{32FC99F1-6FE4-4585-39EF-48B1D1BD7F00}"/>
+              </a:ext>
+            </a:extLst>
+          </p:cNvPr>
+          <p:cNvSpPr txBox="1"/>
+          <p:nvPr/>
+        </p:nvSpPr>
+        <p:spPr>
+          <a:xfrm>
+            <a:off x="734096" y="653379"/>
+            <a:ext cx="4386137" cy="646331"/>
+          </a:xfrm>
+          <a:prstGeom prst="rect">
+            <a:avLst/>
+          </a:prstGeom>
+          <a:noFill/>
+        </p:spPr>
+        <p:txBody>
+          <a:bodyPr wrap="none" rtlCol="0">
+            <a:spAutoFit/>
+          </a:bodyPr>
+          <a:lstStyle/>
+          <a:p>
+            <a:pPr marL="285750" indent="-285750">
+              <a:buFont typeface="Arial" panose="020B0604020202020204" pitchFamily="34" charset="0"/>
+              <a:buChar char="•"/>
+            </a:pPr>
+            <a:r>
+              <a:rPr lang="en-US" dirty="0" err="1"/>
+              <a:t>FinBert</a:t>
+            </a:r>
+            <a:endParaRPr lang="en-US" dirty="0"/>
+          </a:p>
+          <a:p>
+            <a:pPr marL="742950" lvl="1" indent="-285750">
+              <a:buFont typeface="Arial" panose="020B0604020202020204" pitchFamily="34" charset="0"/>
+              <a:buChar char="•"/>
+            </a:pPr>
+            <a:r>
+              <a:rPr lang="en-US" dirty="0"/>
+              <a:t>Pretrained BERT on Financial Corpus</a:t>
+            </a:r>
+          </a:p>
+        </p:txBody>
+      </p:sp>
+      <p:sp>
+        <p:nvSpPr>
+          <p:cNvPr id="16" name="TextBox 15">
+            <a:extLst>
+              <a:ext uri="{FF2B5EF4-FFF2-40B4-BE49-F238E27FC236}">
+                <a16:creationId xmlns:a16="http://schemas.microsoft.com/office/drawing/2014/main" id="{672B175F-276D-3941-5AF8-676C68D98A2D}"/>
+              </a:ext>
+            </a:extLst>
+          </p:cNvPr>
+          <p:cNvSpPr txBox="1"/>
+          <p:nvPr/>
+        </p:nvSpPr>
+        <p:spPr>
+          <a:xfrm>
+            <a:off x="1056068" y="1326525"/>
+            <a:ext cx="1749390" cy="646331"/>
+          </a:xfrm>
+          <a:prstGeom prst="rect">
+            <a:avLst/>
+          </a:prstGeom>
+          <a:noFill/>
+        </p:spPr>
+        <p:txBody>
+          <a:bodyPr wrap="none" rtlCol="0">
+            <a:spAutoFit/>
+          </a:bodyPr>
+          <a:lstStyle/>
+          <a:p>
+            <a:r>
+              <a:rPr lang="en-US" dirty="0"/>
+              <a:t>F1-score = 0.79</a:t>
+            </a:r>
+          </a:p>
+          <a:p>
+            <a:r>
+              <a:rPr lang="en-US" dirty="0"/>
+              <a:t>Threshold = 0.90</a:t>
+            </a:r>
+          </a:p>
+        </p:txBody>
+      </p:sp>
+    </p:spTree>
+    <p:extLst>
+      <p:ext uri="{BB962C8B-B14F-4D97-AF65-F5344CB8AC3E}">
+        <p14:creationId xmlns:p14="http://schemas.microsoft.com/office/powerpoint/2010/main" val="1724927208"/>
       </p:ext>
     </p:extLst>
   </p:cSld>
@@ -7623,6 +7868,527 @@
 </p:sld>
 </file>
 
+<file path=ppt/slides/slide8.xml><?xml version="1.0" encoding="utf-8"?>
+<p:sld xmlns:a="http://schemas.openxmlformats.org/drawingml/2006/main" xmlns:r="http://schemas.openxmlformats.org/officeDocument/2006/relationships" xmlns:p="http://schemas.openxmlformats.org/presentationml/2006/main">
+  <p:cSld>
+    <p:spTree>
+      <p:nvGrpSpPr>
+        <p:cNvPr id="1" name=""/>
+        <p:cNvGrpSpPr/>
+        <p:nvPr/>
+      </p:nvGrpSpPr>
+      <p:grpSpPr>
+        <a:xfrm>
+          <a:off x="0" y="0"/>
+          <a:ext cx="0" cy="0"/>
+          <a:chOff x="0" y="0"/>
+          <a:chExt cx="0" cy="0"/>
+        </a:xfrm>
+      </p:grpSpPr>
+      <p:grpSp>
+        <p:nvGrpSpPr>
+          <p:cNvPr id="13" name="Group 12">
+            <a:extLst>
+              <a:ext uri="{FF2B5EF4-FFF2-40B4-BE49-F238E27FC236}">
+                <a16:creationId xmlns:a16="http://schemas.microsoft.com/office/drawing/2014/main" id="{54490876-4A3D-D70B-4FAE-E9F793EC02B3}"/>
+              </a:ext>
+            </a:extLst>
+          </p:cNvPr>
+          <p:cNvGrpSpPr/>
+          <p:nvPr/>
+        </p:nvGrpSpPr>
+        <p:grpSpPr>
+          <a:xfrm>
+            <a:off x="5957998" y="2501187"/>
+            <a:ext cx="5214424" cy="3600234"/>
+            <a:chOff x="5977316" y="2076184"/>
+            <a:chExt cx="5214424" cy="3600234"/>
+          </a:xfrm>
+        </p:grpSpPr>
+        <p:pic>
+          <p:nvPicPr>
+            <p:cNvPr id="4" name="Picture 3" descr="Chart, bar chart&#10;&#10;Description automatically generated">
+              <a:extLst>
+                <a:ext uri="{FF2B5EF4-FFF2-40B4-BE49-F238E27FC236}">
+                  <a16:creationId xmlns:a16="http://schemas.microsoft.com/office/drawing/2014/main" id="{272DA457-27F9-7235-7231-323CF20A519E}"/>
+                </a:ext>
+              </a:extLst>
+            </p:cNvPr>
+            <p:cNvPicPr>
+              <a:picLocks noChangeAspect="1"/>
+            </p:cNvPicPr>
+            <p:nvPr/>
+          </p:nvPicPr>
+          <p:blipFill>
+            <a:blip r:embed="rId2"/>
+            <a:stretch>
+              <a:fillRect/>
+            </a:stretch>
+          </p:blipFill>
+          <p:spPr>
+            <a:xfrm>
+              <a:off x="5977316" y="2076184"/>
+              <a:ext cx="5214424" cy="3600234"/>
+            </a:xfrm>
+            <a:prstGeom prst="rect">
+              <a:avLst/>
+            </a:prstGeom>
+          </p:spPr>
+        </p:pic>
+        <p:sp>
+          <p:nvSpPr>
+            <p:cNvPr id="8" name="TextBox 7">
+              <a:extLst>
+                <a:ext uri="{FF2B5EF4-FFF2-40B4-BE49-F238E27FC236}">
+                  <a16:creationId xmlns:a16="http://schemas.microsoft.com/office/drawing/2014/main" id="{218B1C6B-EBAC-7D61-8E78-0CF235539754}"/>
+                </a:ext>
+              </a:extLst>
+            </p:cNvPr>
+            <p:cNvSpPr txBox="1"/>
+            <p:nvPr/>
+          </p:nvSpPr>
+          <p:spPr>
+            <a:xfrm rot="18945368">
+              <a:off x="10395639" y="5173551"/>
+              <a:ext cx="686085" cy="246221"/>
+            </a:xfrm>
+            <a:prstGeom prst="rect">
+              <a:avLst/>
+            </a:prstGeom>
+            <a:solidFill>
+              <a:schemeClr val="bg1"/>
+            </a:solidFill>
+          </p:spPr>
+          <p:txBody>
+            <a:bodyPr wrap="square" lIns="0" tIns="0" rIns="0" bIns="0" rtlCol="0">
+              <a:spAutoFit/>
+            </a:bodyPr>
+            <a:lstStyle/>
+            <a:p>
+              <a:r>
+                <a:rPr lang="en-US" sz="1600" dirty="0"/>
+                <a:t>0.7-0.81</a:t>
+              </a:r>
+            </a:p>
+          </p:txBody>
+        </p:sp>
+      </p:grpSp>
+      <p:grpSp>
+        <p:nvGrpSpPr>
+          <p:cNvPr id="12" name="Group 11">
+            <a:extLst>
+              <a:ext uri="{FF2B5EF4-FFF2-40B4-BE49-F238E27FC236}">
+                <a16:creationId xmlns:a16="http://schemas.microsoft.com/office/drawing/2014/main" id="{EB30B212-1860-181D-5C14-29816A143ACA}"/>
+              </a:ext>
+            </a:extLst>
+          </p:cNvPr>
+          <p:cNvGrpSpPr/>
+          <p:nvPr/>
+        </p:nvGrpSpPr>
+        <p:grpSpPr>
+          <a:xfrm>
+            <a:off x="356315" y="2501187"/>
+            <a:ext cx="5065692" cy="3497544"/>
+            <a:chOff x="549498" y="2076184"/>
+            <a:chExt cx="5065692" cy="3497544"/>
+          </a:xfrm>
+        </p:grpSpPr>
+        <p:pic>
+          <p:nvPicPr>
+            <p:cNvPr id="6" name="Picture 5" descr="Chart, bar chart&#10;&#10;Description automatically generated">
+              <a:extLst>
+                <a:ext uri="{FF2B5EF4-FFF2-40B4-BE49-F238E27FC236}">
+                  <a16:creationId xmlns:a16="http://schemas.microsoft.com/office/drawing/2014/main" id="{9E7A1F8D-8754-2224-CE66-CFBBAEC3CC6A}"/>
+                </a:ext>
+              </a:extLst>
+            </p:cNvPr>
+            <p:cNvPicPr>
+              <a:picLocks noChangeAspect="1"/>
+            </p:cNvPicPr>
+            <p:nvPr/>
+          </p:nvPicPr>
+          <p:blipFill>
+            <a:blip r:embed="rId3"/>
+            <a:stretch>
+              <a:fillRect/>
+            </a:stretch>
+          </p:blipFill>
+          <p:spPr>
+            <a:xfrm>
+              <a:off x="549498" y="2076184"/>
+              <a:ext cx="5065692" cy="3497544"/>
+            </a:xfrm>
+            <a:prstGeom prst="rect">
+              <a:avLst/>
+            </a:prstGeom>
+          </p:spPr>
+        </p:pic>
+        <p:sp>
+          <p:nvSpPr>
+            <p:cNvPr id="9" name="TextBox 8">
+              <a:extLst>
+                <a:ext uri="{FF2B5EF4-FFF2-40B4-BE49-F238E27FC236}">
+                  <a16:creationId xmlns:a16="http://schemas.microsoft.com/office/drawing/2014/main" id="{C7B6D1C7-3283-9EB7-90B1-8925A1835838}"/>
+                </a:ext>
+              </a:extLst>
+            </p:cNvPr>
+            <p:cNvSpPr txBox="1"/>
+            <p:nvPr/>
+          </p:nvSpPr>
+          <p:spPr>
+            <a:xfrm rot="18945368">
+              <a:off x="4786427" y="5061045"/>
+              <a:ext cx="710751" cy="246221"/>
+            </a:xfrm>
+            <a:prstGeom prst="rect">
+              <a:avLst/>
+            </a:prstGeom>
+            <a:solidFill>
+              <a:schemeClr val="bg1"/>
+            </a:solidFill>
+          </p:spPr>
+          <p:txBody>
+            <a:bodyPr wrap="square" lIns="0" tIns="0" rIns="0" bIns="0" rtlCol="0">
+              <a:spAutoFit/>
+            </a:bodyPr>
+            <a:lstStyle/>
+            <a:p>
+              <a:r>
+                <a:rPr lang="en-US" sz="1600" dirty="0"/>
+                <a:t>0.7-0.81</a:t>
+              </a:r>
+            </a:p>
+          </p:txBody>
+        </p:sp>
+      </p:grpSp>
+      <p:sp>
+        <p:nvSpPr>
+          <p:cNvPr id="11" name="TextBox 10">
+            <a:extLst>
+              <a:ext uri="{FF2B5EF4-FFF2-40B4-BE49-F238E27FC236}">
+                <a16:creationId xmlns:a16="http://schemas.microsoft.com/office/drawing/2014/main" id="{B2994117-98C5-1FB9-09D9-AB9EE02BB2E4}"/>
+              </a:ext>
+            </a:extLst>
+          </p:cNvPr>
+          <p:cNvSpPr txBox="1"/>
+          <p:nvPr/>
+        </p:nvSpPr>
+        <p:spPr>
+          <a:xfrm>
+            <a:off x="676141" y="495836"/>
+            <a:ext cx="973087" cy="369332"/>
+          </a:xfrm>
+          <a:prstGeom prst="rect">
+            <a:avLst/>
+          </a:prstGeom>
+          <a:noFill/>
+        </p:spPr>
+        <p:txBody>
+          <a:bodyPr wrap="none" rtlCol="0">
+            <a:spAutoFit/>
+          </a:bodyPr>
+          <a:lstStyle/>
+          <a:p>
+            <a:r>
+              <a:rPr lang="en-US" dirty="0" err="1"/>
+              <a:t>XGboost</a:t>
+            </a:r>
+            <a:endParaRPr lang="en-US" dirty="0"/>
+          </a:p>
+        </p:txBody>
+      </p:sp>
+      <p:sp>
+        <p:nvSpPr>
+          <p:cNvPr id="14" name="TextBox 13">
+            <a:extLst>
+              <a:ext uri="{FF2B5EF4-FFF2-40B4-BE49-F238E27FC236}">
+                <a16:creationId xmlns:a16="http://schemas.microsoft.com/office/drawing/2014/main" id="{BE522F8B-498D-83D9-8219-B45587CBE2DB}"/>
+              </a:ext>
+            </a:extLst>
+          </p:cNvPr>
+          <p:cNvSpPr txBox="1"/>
+          <p:nvPr/>
+        </p:nvSpPr>
+        <p:spPr>
+          <a:xfrm>
+            <a:off x="825091" y="1564783"/>
+            <a:ext cx="2393797" cy="923330"/>
+          </a:xfrm>
+          <a:prstGeom prst="rect">
+            <a:avLst/>
+          </a:prstGeom>
+          <a:noFill/>
+        </p:spPr>
+        <p:txBody>
+          <a:bodyPr wrap="none" rtlCol="0">
+            <a:spAutoFit/>
+          </a:bodyPr>
+          <a:lstStyle/>
+          <a:p>
+            <a:pPr marL="285750" indent="-285750">
+              <a:buFont typeface="Arial" panose="020B0604020202020204" pitchFamily="34" charset="0"/>
+              <a:buChar char="•"/>
+            </a:pPr>
+            <a:r>
+              <a:rPr lang="en-US" dirty="0"/>
+              <a:t>CV</a:t>
+            </a:r>
+          </a:p>
+          <a:p>
+            <a:pPr marL="742950" lvl="1" indent="-285750">
+              <a:buFont typeface="Arial" panose="020B0604020202020204" pitchFamily="34" charset="0"/>
+              <a:buChar char="•"/>
+            </a:pPr>
+            <a:r>
+              <a:rPr lang="en-US" dirty="0"/>
+              <a:t>Threshold=0.81</a:t>
+            </a:r>
+          </a:p>
+          <a:p>
+            <a:pPr marL="742950" lvl="1" indent="-285750">
+              <a:buFont typeface="Arial" panose="020B0604020202020204" pitchFamily="34" charset="0"/>
+              <a:buChar char="•"/>
+            </a:pPr>
+            <a:r>
+              <a:rPr lang="en-US" dirty="0"/>
+              <a:t>F-score = 0.70</a:t>
+            </a:r>
+          </a:p>
+        </p:txBody>
+      </p:sp>
+      <p:sp>
+        <p:nvSpPr>
+          <p:cNvPr id="15" name="TextBox 14">
+            <a:extLst>
+              <a:ext uri="{FF2B5EF4-FFF2-40B4-BE49-F238E27FC236}">
+                <a16:creationId xmlns:a16="http://schemas.microsoft.com/office/drawing/2014/main" id="{9B217E0E-3046-4820-59EA-47A0546AF1F5}"/>
+              </a:ext>
+            </a:extLst>
+          </p:cNvPr>
+          <p:cNvSpPr txBox="1"/>
+          <p:nvPr/>
+        </p:nvSpPr>
+        <p:spPr>
+          <a:xfrm>
+            <a:off x="6526419" y="1564783"/>
+            <a:ext cx="2446695" cy="923330"/>
+          </a:xfrm>
+          <a:prstGeom prst="rect">
+            <a:avLst/>
+          </a:prstGeom>
+          <a:noFill/>
+        </p:spPr>
+        <p:txBody>
+          <a:bodyPr wrap="none" rtlCol="0">
+            <a:spAutoFit/>
+          </a:bodyPr>
+          <a:lstStyle/>
+          <a:p>
+            <a:pPr marL="285750" indent="-285750">
+              <a:buFont typeface="Arial" panose="020B0604020202020204" pitchFamily="34" charset="0"/>
+              <a:buChar char="•"/>
+            </a:pPr>
+            <a:r>
+              <a:rPr lang="en-US" dirty="0" err="1"/>
+              <a:t>Tfidf</a:t>
+            </a:r>
+            <a:endParaRPr lang="en-US" dirty="0"/>
+          </a:p>
+          <a:p>
+            <a:pPr marL="742950" lvl="1" indent="-285750">
+              <a:buFont typeface="Arial" panose="020B0604020202020204" pitchFamily="34" charset="0"/>
+              <a:buChar char="•"/>
+            </a:pPr>
+            <a:r>
+              <a:rPr lang="en-US" dirty="0"/>
+              <a:t>Threshold= 0.81</a:t>
+            </a:r>
+          </a:p>
+          <a:p>
+            <a:pPr marL="742950" lvl="1" indent="-285750">
+              <a:buFont typeface="Arial" panose="020B0604020202020204" pitchFamily="34" charset="0"/>
+              <a:buChar char="•"/>
+            </a:pPr>
+            <a:r>
+              <a:rPr lang="en-US" dirty="0"/>
+              <a:t>F-score = 0.71</a:t>
+            </a:r>
+          </a:p>
+        </p:txBody>
+      </p:sp>
+    </p:spTree>
+    <p:extLst>
+      <p:ext uri="{BB962C8B-B14F-4D97-AF65-F5344CB8AC3E}">
+        <p14:creationId xmlns:p14="http://schemas.microsoft.com/office/powerpoint/2010/main" val="3456472183"/>
+      </p:ext>
+    </p:extLst>
+  </p:cSld>
+  <p:clrMapOvr>
+    <a:masterClrMapping/>
+  </p:clrMapOvr>
+</p:sld>
+</file>
+
+<file path=ppt/slides/slide9.xml><?xml version="1.0" encoding="utf-8"?>
+<p:sld xmlns:a="http://schemas.openxmlformats.org/drawingml/2006/main" xmlns:r="http://schemas.openxmlformats.org/officeDocument/2006/relationships" xmlns:p="http://schemas.openxmlformats.org/presentationml/2006/main">
+  <p:cSld>
+    <p:spTree>
+      <p:nvGrpSpPr>
+        <p:cNvPr id="1" name=""/>
+        <p:cNvGrpSpPr/>
+        <p:nvPr/>
+      </p:nvGrpSpPr>
+      <p:grpSpPr>
+        <a:xfrm>
+          <a:off x="0" y="0"/>
+          <a:ext cx="0" cy="0"/>
+          <a:chOff x="0" y="0"/>
+          <a:chExt cx="0" cy="0"/>
+        </a:xfrm>
+      </p:grpSpPr>
+      <p:pic>
+        <p:nvPicPr>
+          <p:cNvPr id="7" name="Picture 6" descr="Chart, bar chart&#10;&#10;Description automatically generated">
+            <a:extLst>
+              <a:ext uri="{FF2B5EF4-FFF2-40B4-BE49-F238E27FC236}">
+                <a16:creationId xmlns:a16="http://schemas.microsoft.com/office/drawing/2014/main" id="{B9DCAB1E-6AEF-C581-0291-AC2427DFADDD}"/>
+              </a:ext>
+            </a:extLst>
+          </p:cNvPr>
+          <p:cNvPicPr>
+            <a:picLocks noChangeAspect="1"/>
+          </p:cNvPicPr>
+          <p:nvPr/>
+        </p:nvPicPr>
+        <p:blipFill>
+          <a:blip r:embed="rId2"/>
+          <a:stretch>
+            <a:fillRect/>
+          </a:stretch>
+        </p:blipFill>
+        <p:spPr>
+          <a:xfrm>
+            <a:off x="4724399" y="1461753"/>
+            <a:ext cx="5578086" cy="3851320"/>
+          </a:xfrm>
+          <a:prstGeom prst="rect">
+            <a:avLst/>
+          </a:prstGeom>
+        </p:spPr>
+      </p:pic>
+      <p:sp>
+        <p:nvSpPr>
+          <p:cNvPr id="8" name="TextBox 7">
+            <a:extLst>
+              <a:ext uri="{FF2B5EF4-FFF2-40B4-BE49-F238E27FC236}">
+                <a16:creationId xmlns:a16="http://schemas.microsoft.com/office/drawing/2014/main" id="{BA34862B-EF43-CBBF-AD47-77B447EBCF26}"/>
+              </a:ext>
+            </a:extLst>
+          </p:cNvPr>
+          <p:cNvSpPr txBox="1"/>
+          <p:nvPr/>
+        </p:nvSpPr>
+        <p:spPr>
+          <a:xfrm>
+            <a:off x="721217" y="930897"/>
+            <a:ext cx="2655535" cy="369332"/>
+          </a:xfrm>
+          <a:prstGeom prst="rect">
+            <a:avLst/>
+          </a:prstGeom>
+          <a:noFill/>
+        </p:spPr>
+        <p:txBody>
+          <a:bodyPr wrap="none" rtlCol="0">
+            <a:spAutoFit/>
+          </a:bodyPr>
+          <a:lstStyle/>
+          <a:p>
+            <a:pPr marL="285750" indent="-285750">
+              <a:buFont typeface="Arial" panose="020B0604020202020204" pitchFamily="34" charset="0"/>
+              <a:buChar char="•"/>
+            </a:pPr>
+            <a:r>
+              <a:rPr lang="en-US" dirty="0" err="1"/>
+              <a:t>Tfidf</a:t>
+            </a:r>
+            <a:r>
+              <a:rPr lang="en-US" dirty="0"/>
+              <a:t> + </a:t>
+            </a:r>
+            <a:r>
+              <a:rPr lang="en-US" dirty="0" err="1"/>
+              <a:t>SelectKBest</a:t>
+            </a:r>
+            <a:r>
+              <a:rPr lang="en-US" dirty="0"/>
+              <a:t> + LR</a:t>
+            </a:r>
+          </a:p>
+        </p:txBody>
+      </p:sp>
+      <p:sp>
+        <p:nvSpPr>
+          <p:cNvPr id="9" name="TextBox 8">
+            <a:extLst>
+              <a:ext uri="{FF2B5EF4-FFF2-40B4-BE49-F238E27FC236}">
+                <a16:creationId xmlns:a16="http://schemas.microsoft.com/office/drawing/2014/main" id="{330E5480-4D03-5B84-2E01-82769C4D4742}"/>
+              </a:ext>
+            </a:extLst>
+          </p:cNvPr>
+          <p:cNvSpPr txBox="1"/>
+          <p:nvPr/>
+        </p:nvSpPr>
+        <p:spPr>
+          <a:xfrm>
+            <a:off x="1249251" y="1461753"/>
+            <a:ext cx="2037930" cy="646331"/>
+          </a:xfrm>
+          <a:prstGeom prst="rect">
+            <a:avLst/>
+          </a:prstGeom>
+          <a:noFill/>
+        </p:spPr>
+        <p:txBody>
+          <a:bodyPr wrap="none" rtlCol="0">
+            <a:spAutoFit/>
+          </a:bodyPr>
+          <a:lstStyle/>
+          <a:p>
+            <a:pPr marL="285750" indent="-285750">
+              <a:buFont typeface="Arial" panose="020B0604020202020204" pitchFamily="34" charset="0"/>
+              <a:buChar char="•"/>
+            </a:pPr>
+            <a:r>
+              <a:rPr lang="en-US" dirty="0"/>
+              <a:t>F-score=0.647</a:t>
+            </a:r>
+          </a:p>
+          <a:p>
+            <a:pPr marL="285750" indent="-285750">
+              <a:buFont typeface="Arial" panose="020B0604020202020204" pitchFamily="34" charset="0"/>
+              <a:buChar char="•"/>
+            </a:pPr>
+            <a:r>
+              <a:rPr lang="en-US" dirty="0"/>
+              <a:t>Threshold = 0.78</a:t>
+            </a:r>
+          </a:p>
+        </p:txBody>
+      </p:sp>
+    </p:spTree>
+    <p:extLst>
+      <p:ext uri="{BB962C8B-B14F-4D97-AF65-F5344CB8AC3E}">
+        <p14:creationId xmlns:p14="http://schemas.microsoft.com/office/powerpoint/2010/main" val="3427038268"/>
+      </p:ext>
+    </p:extLst>
+  </p:cSld>
+  <p:clrMapOvr>
+    <a:masterClrMapping/>
+  </p:clrMapOvr>
+</p:sld>
+</file>
+
 <file path=ppt/theme/theme1.xml><?xml version="1.0" encoding="utf-8"?>
 <a:theme xmlns:a="http://schemas.openxmlformats.org/drawingml/2006/main" name="Office Theme">
   <a:themeElements>
